--- a/slides/nlp p03 feed forward networks/nlp p03.5 surname classification cnn.pptx
+++ b/slides/nlp p03 feed forward networks/nlp p03.5 surname classification cnn.pptx
@@ -5,7 +5,7 @@
     <p:sldMasterId id="2147483648" r:id="rId1"/>
   </p:sldMasterIdLst>
   <p:notesMasterIdLst>
-    <p:notesMasterId r:id="rId22"/>
+    <p:notesMasterId r:id="rId23"/>
   </p:notesMasterIdLst>
   <p:sldIdLst>
     <p:sldId id="256" r:id="rId2"/>
@@ -16,18 +16,19 @@
     <p:sldId id="372" r:id="rId7"/>
     <p:sldId id="373" r:id="rId8"/>
     <p:sldId id="379" r:id="rId9"/>
-    <p:sldId id="380" r:id="rId10"/>
-    <p:sldId id="390" r:id="rId11"/>
-    <p:sldId id="384" r:id="rId12"/>
-    <p:sldId id="391" r:id="rId13"/>
-    <p:sldId id="392" r:id="rId14"/>
-    <p:sldId id="383" r:id="rId15"/>
-    <p:sldId id="385" r:id="rId16"/>
-    <p:sldId id="386" r:id="rId17"/>
-    <p:sldId id="393" r:id="rId18"/>
-    <p:sldId id="394" r:id="rId19"/>
-    <p:sldId id="387" r:id="rId20"/>
-    <p:sldId id="388" r:id="rId21"/>
+    <p:sldId id="395" r:id="rId10"/>
+    <p:sldId id="380" r:id="rId11"/>
+    <p:sldId id="390" r:id="rId12"/>
+    <p:sldId id="384" r:id="rId13"/>
+    <p:sldId id="391" r:id="rId14"/>
+    <p:sldId id="392" r:id="rId15"/>
+    <p:sldId id="383" r:id="rId16"/>
+    <p:sldId id="385" r:id="rId17"/>
+    <p:sldId id="386" r:id="rId18"/>
+    <p:sldId id="393" r:id="rId19"/>
+    <p:sldId id="394" r:id="rId20"/>
+    <p:sldId id="387" r:id="rId21"/>
+    <p:sldId id="388" r:id="rId22"/>
   </p:sldIdLst>
   <p:sldSz cx="9144000" cy="6858000" type="screen4x3"/>
   <p:notesSz cx="6858000" cy="9144000"/>
@@ -228,7 +229,7 @@
             <a:fld id="{C9C2CC2B-07F5-486B-80F8-D7AC8876AF81}" type="datetimeFigureOut">
               <a:rPr lang="sr-Latn-CS" smtClean="0"/>
               <a:pPr/>
-              <a:t>9.11.22.</a:t>
+              <a:t>10.11.22.</a:t>
             </a:fld>
             <a:endParaRPr lang="hr-HR" dirty="0"/>
           </a:p>
@@ -679,7 +680,7 @@
             <a:fld id="{DA765C48-E28F-491B-A6FC-AD0BFE4ABDB2}" type="datetimeFigureOut">
               <a:rPr lang="sr-Latn-CS" smtClean="0"/>
               <a:pPr/>
-              <a:t>9.11.22.</a:t>
+              <a:t>10.11.22.</a:t>
             </a:fld>
             <a:endParaRPr lang="hr-HR" dirty="0"/>
           </a:p>
@@ -850,7 +851,7 @@
             <a:fld id="{DA765C48-E28F-491B-A6FC-AD0BFE4ABDB2}" type="datetimeFigureOut">
               <a:rPr lang="sr-Latn-CS" smtClean="0"/>
               <a:pPr/>
-              <a:t>9.11.22.</a:t>
+              <a:t>10.11.22.</a:t>
             </a:fld>
             <a:endParaRPr lang="hr-HR" dirty="0"/>
           </a:p>
@@ -1027,7 +1028,7 @@
             <a:fld id="{DA765C48-E28F-491B-A6FC-AD0BFE4ABDB2}" type="datetimeFigureOut">
               <a:rPr lang="sr-Latn-CS" smtClean="0"/>
               <a:pPr/>
-              <a:t>9.11.22.</a:t>
+              <a:t>10.11.22.</a:t>
             </a:fld>
             <a:endParaRPr lang="hr-HR" dirty="0"/>
           </a:p>
@@ -1198,7 +1199,7 @@
             <a:fld id="{DA765C48-E28F-491B-A6FC-AD0BFE4ABDB2}" type="datetimeFigureOut">
               <a:rPr lang="sr-Latn-CS" smtClean="0"/>
               <a:pPr/>
-              <a:t>9.11.22.</a:t>
+              <a:t>10.11.22.</a:t>
             </a:fld>
             <a:endParaRPr lang="hr-HR" dirty="0"/>
           </a:p>
@@ -1439,7 +1440,7 @@
             <a:fld id="{DA765C48-E28F-491B-A6FC-AD0BFE4ABDB2}" type="datetimeFigureOut">
               <a:rPr lang="sr-Latn-CS" smtClean="0"/>
               <a:pPr/>
-              <a:t>9.11.22.</a:t>
+              <a:t>10.11.22.</a:t>
             </a:fld>
             <a:endParaRPr lang="hr-HR" dirty="0"/>
           </a:p>
@@ -1728,7 +1729,7 @@
             <a:fld id="{DA765C48-E28F-491B-A6FC-AD0BFE4ABDB2}" type="datetimeFigureOut">
               <a:rPr lang="sr-Latn-CS" smtClean="0"/>
               <a:pPr/>
-              <a:t>9.11.22.</a:t>
+              <a:t>10.11.22.</a:t>
             </a:fld>
             <a:endParaRPr lang="hr-HR" dirty="0"/>
           </a:p>
@@ -2147,7 +2148,7 @@
             <a:fld id="{DA765C48-E28F-491B-A6FC-AD0BFE4ABDB2}" type="datetimeFigureOut">
               <a:rPr lang="sr-Latn-CS" smtClean="0"/>
               <a:pPr/>
-              <a:t>9.11.22.</a:t>
+              <a:t>10.11.22.</a:t>
             </a:fld>
             <a:endParaRPr lang="hr-HR" dirty="0"/>
           </a:p>
@@ -2266,7 +2267,7 @@
             <a:fld id="{DA765C48-E28F-491B-A6FC-AD0BFE4ABDB2}" type="datetimeFigureOut">
               <a:rPr lang="sr-Latn-CS" smtClean="0"/>
               <a:pPr/>
-              <a:t>9.11.22.</a:t>
+              <a:t>10.11.22.</a:t>
             </a:fld>
             <a:endParaRPr lang="hr-HR" dirty="0"/>
           </a:p>
@@ -2358,7 +2359,7 @@
             <a:fld id="{DA765C48-E28F-491B-A6FC-AD0BFE4ABDB2}" type="datetimeFigureOut">
               <a:rPr lang="sr-Latn-CS" smtClean="0"/>
               <a:pPr/>
-              <a:t>9.11.22.</a:t>
+              <a:t>10.11.22.</a:t>
             </a:fld>
             <a:endParaRPr lang="hr-HR" dirty="0"/>
           </a:p>
@@ -2632,7 +2633,7 @@
             <a:fld id="{DA765C48-E28F-491B-A6FC-AD0BFE4ABDB2}" type="datetimeFigureOut">
               <a:rPr lang="sr-Latn-CS" smtClean="0"/>
               <a:pPr/>
-              <a:t>9.11.22.</a:t>
+              <a:t>10.11.22.</a:t>
             </a:fld>
             <a:endParaRPr lang="hr-HR" dirty="0"/>
           </a:p>
@@ -2886,7 +2887,7 @@
             <a:fld id="{DA765C48-E28F-491B-A6FC-AD0BFE4ABDB2}" type="datetimeFigureOut">
               <a:rPr lang="sr-Latn-CS" smtClean="0"/>
               <a:pPr/>
-              <a:t>9.11.22.</a:t>
+              <a:t>10.11.22.</a:t>
             </a:fld>
             <a:endParaRPr lang="hr-HR" dirty="0"/>
           </a:p>
@@ -3104,7 +3105,7 @@
             <a:fld id="{DA765C48-E28F-491B-A6FC-AD0BFE4ABDB2}" type="datetimeFigureOut">
               <a:rPr lang="sr-Latn-CS" smtClean="0"/>
               <a:pPr/>
-              <a:t>9.11.22.</a:t>
+              <a:t>10.11.22.</a:t>
             </a:fld>
             <a:endParaRPr lang="hr-HR" dirty="0"/>
           </a:p>
@@ -3604,6 +3605,1097 @@
           <p:nvPr>
             <p:extLst>
               <p:ext uri="{D42A27DB-BD31-4B8C-83A1-F6EECF244321}">
+                <p14:modId xmlns:p14="http://schemas.microsoft.com/office/powerpoint/2010/main" val="3952150200"/>
+              </p:ext>
+            </p:extLst>
+          </p:nvPr>
+        </p:nvGraphicFramePr>
+        <p:xfrm>
+          <a:off x="179512" y="548680"/>
+          <a:ext cx="8640960" cy="4572000"/>
+        </p:xfrm>
+        <a:graphic>
+          <a:graphicData uri="http://schemas.openxmlformats.org/drawingml/2006/table">
+            <a:tbl>
+              <a:tblPr>
+                <a:tableStyleId>{5C22544A-7EE6-4342-B048-85BDC9FD1C3A}</a:tableStyleId>
+              </a:tblPr>
+              <a:tblGrid>
+                <a:gridCol w="8640960">
+                  <a:extLst>
+                    <a:ext uri="{9D8B030D-6E8A-4147-A177-3AD203B41FA5}">
+                      <a16:colId xmlns:a16="http://schemas.microsoft.com/office/drawing/2014/main" val="2706851558"/>
+                    </a:ext>
+                  </a:extLst>
+                </a:gridCol>
+              </a:tblGrid>
+              <a:tr h="202515">
+                <a:tc>
+                  <a:txBody>
+                    <a:bodyPr/>
+                    <a:lstStyle/>
+                    <a:p>
+                      <a:pPr marL="0" marR="0" lvl="0" indent="0" algn="l" defTabSz="914400" rtl="0" eaLnBrk="1" fontAlgn="auto" latinLnBrk="0" hangingPunct="1">
+                        <a:lnSpc>
+                          <a:spcPct val="100000"/>
+                        </a:lnSpc>
+                        <a:spcBef>
+                          <a:spcPts val="0"/>
+                        </a:spcBef>
+                        <a:spcAft>
+                          <a:spcPts val="0"/>
+                        </a:spcAft>
+                        <a:buClrTx/>
+                        <a:buSzTx/>
+                        <a:buFontTx/>
+                        <a:buNone/>
+                        <a:tabLst/>
+                        <a:defRPr/>
+                      </a:pPr>
+                      <a:r>
+                        <a:rPr lang="en-US" sz="1600" b="0" noProof="0" dirty="0"/>
+                        <a:t>Train state is meant to keep</a:t>
+                      </a:r>
+                    </a:p>
+                    <a:p>
+                      <a:pPr marL="285750" marR="0" lvl="0" indent="-285750" algn="l" defTabSz="914400" rtl="0" eaLnBrk="1" fontAlgn="auto" latinLnBrk="0" hangingPunct="1">
+                        <a:lnSpc>
+                          <a:spcPct val="100000"/>
+                        </a:lnSpc>
+                        <a:spcBef>
+                          <a:spcPts val="0"/>
+                        </a:spcBef>
+                        <a:spcAft>
+                          <a:spcPts val="0"/>
+                        </a:spcAft>
+                        <a:buClrTx/>
+                        <a:buSzTx/>
+                        <a:buFont typeface="Arial" panose="020B0604020202020204" pitchFamily="34" charset="0"/>
+                        <a:buChar char="•"/>
+                        <a:tabLst/>
+                        <a:defRPr/>
+                      </a:pPr>
+                      <a:r>
+                        <a:rPr lang="en-US" sz="1600" b="0" noProof="0" dirty="0"/>
+                        <a:t>early stopping parameters, </a:t>
+                      </a:r>
+                    </a:p>
+                    <a:p>
+                      <a:pPr marL="285750" marR="0" lvl="0" indent="-285750" algn="l" defTabSz="914400" rtl="0" eaLnBrk="1" fontAlgn="auto" latinLnBrk="0" hangingPunct="1">
+                        <a:lnSpc>
+                          <a:spcPct val="100000"/>
+                        </a:lnSpc>
+                        <a:spcBef>
+                          <a:spcPts val="0"/>
+                        </a:spcBef>
+                        <a:spcAft>
+                          <a:spcPts val="0"/>
+                        </a:spcAft>
+                        <a:buClrTx/>
+                        <a:buSzTx/>
+                        <a:buFont typeface="Arial" panose="020B0604020202020204" pitchFamily="34" charset="0"/>
+                        <a:buChar char="•"/>
+                        <a:tabLst/>
+                        <a:defRPr/>
+                      </a:pPr>
+                      <a:r>
+                        <a:rPr lang="en-US" sz="1600" b="0" noProof="0" dirty="0"/>
+                        <a:t>learning rate,</a:t>
+                      </a:r>
+                    </a:p>
+                    <a:p>
+                      <a:pPr marL="285750" marR="0" lvl="0" indent="-285750" algn="l" defTabSz="914400" rtl="0" eaLnBrk="1" fontAlgn="auto" latinLnBrk="0" hangingPunct="1">
+                        <a:lnSpc>
+                          <a:spcPct val="100000"/>
+                        </a:lnSpc>
+                        <a:spcBef>
+                          <a:spcPts val="0"/>
+                        </a:spcBef>
+                        <a:spcAft>
+                          <a:spcPts val="0"/>
+                        </a:spcAft>
+                        <a:buClrTx/>
+                        <a:buSzTx/>
+                        <a:buFont typeface="Arial" panose="020B0604020202020204" pitchFamily="34" charset="0"/>
+                        <a:buChar char="•"/>
+                        <a:tabLst/>
+                        <a:defRPr/>
+                      </a:pPr>
+                      <a:r>
+                        <a:rPr lang="en-US" sz="1600" b="0" noProof="0" dirty="0"/>
+                        <a:t>training, validation and evaluation losses</a:t>
+                      </a:r>
+                    </a:p>
+                    <a:p>
+                      <a:pPr marL="285750" marR="0" lvl="0" indent="-285750" algn="l" defTabSz="914400" rtl="0" eaLnBrk="1" fontAlgn="auto" latinLnBrk="0" hangingPunct="1">
+                        <a:lnSpc>
+                          <a:spcPct val="100000"/>
+                        </a:lnSpc>
+                        <a:spcBef>
+                          <a:spcPts val="0"/>
+                        </a:spcBef>
+                        <a:spcAft>
+                          <a:spcPts val="0"/>
+                        </a:spcAft>
+                        <a:buClrTx/>
+                        <a:buSzTx/>
+                        <a:buFont typeface="Arial" panose="020B0604020202020204" pitchFamily="34" charset="0"/>
+                        <a:buChar char="•"/>
+                        <a:tabLst/>
+                        <a:defRPr/>
+                      </a:pPr>
+                      <a:r>
+                        <a:rPr lang="en-US" sz="1600" b="0" noProof="0" dirty="0"/>
+                        <a:t>training, validation and evaluation accuracies</a:t>
+                      </a:r>
+                    </a:p>
+                  </a:txBody>
+                  <a:tcPr>
+                    <a:lnL w="12700" cap="flat" cmpd="sng" algn="ctr">
+                      <a:noFill/>
+                      <a:prstDash val="solid"/>
+                      <a:round/>
+                      <a:headEnd type="none" w="med" len="med"/>
+                      <a:tailEnd type="none" w="med" len="med"/>
+                    </a:lnL>
+                    <a:lnR w="12700" cap="flat" cmpd="sng" algn="ctr">
+                      <a:noFill/>
+                      <a:prstDash val="solid"/>
+                      <a:round/>
+                      <a:headEnd type="none" w="med" len="med"/>
+                      <a:tailEnd type="none" w="med" len="med"/>
+                    </a:lnR>
+                    <a:lnT w="12700" cap="flat" cmpd="sng" algn="ctr">
+                      <a:noFill/>
+                      <a:prstDash val="solid"/>
+                      <a:round/>
+                      <a:headEnd type="none" w="med" len="med"/>
+                      <a:tailEnd type="none" w="med" len="med"/>
+                    </a:lnT>
+                    <a:lnB w="12700" cap="flat" cmpd="sng" algn="ctr">
+                      <a:solidFill>
+                        <a:schemeClr val="accent1"/>
+                      </a:solidFill>
+                      <a:prstDash val="solid"/>
+                      <a:round/>
+                      <a:headEnd type="none" w="med" len="med"/>
+                      <a:tailEnd type="none" w="med" len="med"/>
+                    </a:lnB>
+                    <a:lnTlToBr w="12700" cmpd="sng">
+                      <a:noFill/>
+                      <a:prstDash val="solid"/>
+                    </a:lnTlToBr>
+                    <a:lnBlToTr w="12700" cmpd="sng">
+                      <a:noFill/>
+                      <a:prstDash val="solid"/>
+                    </a:lnBlToTr>
+                    <a:noFill/>
+                  </a:tcPr>
+                </a:tc>
+                <a:extLst>
+                  <a:ext uri="{0D108BD9-81ED-4DB2-BD59-A6C34878D82A}">
+                    <a16:rowId xmlns:a16="http://schemas.microsoft.com/office/drawing/2014/main" val="533612861"/>
+                  </a:ext>
+                </a:extLst>
+              </a:tr>
+              <a:tr h="202515">
+                <a:tc>
+                  <a:txBody>
+                    <a:bodyPr/>
+                    <a:lstStyle/>
+                    <a:p>
+                      <a:pPr algn="l"/>
+                      <a:r>
+                        <a:rPr lang="en-US" sz="1600" b="0" i="0" u="none" strike="noStrike" dirty="0">
+                          <a:solidFill>
+                            <a:srgbClr val="0000FF"/>
+                          </a:solidFill>
+                          <a:effectLst/>
+                          <a:latin typeface="Courier New" panose="02070309020205020404" pitchFamily="49" charset="0"/>
+                        </a:rPr>
+                        <a:t>def</a:t>
+                      </a:r>
+                      <a:r>
+                        <a:rPr lang="en-US" sz="1600" b="0" i="0" u="none" strike="noStrike" dirty="0">
+                          <a:solidFill>
+                            <a:srgbClr val="000000"/>
+                          </a:solidFill>
+                          <a:effectLst/>
+                          <a:latin typeface="Courier New" panose="02070309020205020404" pitchFamily="49" charset="0"/>
+                        </a:rPr>
+                        <a:t> </a:t>
+                      </a:r>
+                      <a:r>
+                        <a:rPr lang="en-US" sz="1600" b="0" i="0" u="none" strike="noStrike" dirty="0" err="1">
+                          <a:solidFill>
+                            <a:srgbClr val="795E26"/>
+                          </a:solidFill>
+                          <a:effectLst/>
+                          <a:latin typeface="Courier New" panose="02070309020205020404" pitchFamily="49" charset="0"/>
+                        </a:rPr>
+                        <a:t>make_train_state</a:t>
+                      </a:r>
+                      <a:r>
+                        <a:rPr lang="en-US" sz="1600" b="0" i="0" u="none" strike="noStrike" dirty="0">
+                          <a:solidFill>
+                            <a:srgbClr val="000000"/>
+                          </a:solidFill>
+                          <a:effectLst/>
+                          <a:latin typeface="Courier New" panose="02070309020205020404" pitchFamily="49" charset="0"/>
+                        </a:rPr>
+                        <a:t>(</a:t>
+                      </a:r>
+                      <a:r>
+                        <a:rPr lang="en-US" sz="1600" b="0" i="0" u="none" strike="noStrike" dirty="0" err="1">
+                          <a:solidFill>
+                            <a:srgbClr val="001080"/>
+                          </a:solidFill>
+                          <a:effectLst/>
+                          <a:latin typeface="Courier New" panose="02070309020205020404" pitchFamily="49" charset="0"/>
+                        </a:rPr>
+                        <a:t>args</a:t>
+                      </a:r>
+                      <a:r>
+                        <a:rPr lang="en-US" sz="1600" b="0" i="0" u="none" strike="noStrike" dirty="0">
+                          <a:solidFill>
+                            <a:srgbClr val="000000"/>
+                          </a:solidFill>
+                          <a:effectLst/>
+                          <a:latin typeface="Courier New" panose="02070309020205020404" pitchFamily="49" charset="0"/>
+                        </a:rPr>
+                        <a:t>):</a:t>
+                      </a:r>
+                    </a:p>
+                    <a:p>
+                      <a:pPr algn="l"/>
+                      <a:r>
+                        <a:rPr lang="en-US" sz="1600" b="0" i="0" u="none" strike="noStrike" dirty="0">
+                          <a:solidFill>
+                            <a:srgbClr val="AF00DB"/>
+                          </a:solidFill>
+                          <a:effectLst/>
+                          <a:latin typeface="Courier New" panose="02070309020205020404" pitchFamily="49" charset="0"/>
+                        </a:rPr>
+                        <a:t>    return</a:t>
+                      </a:r>
+                      <a:r>
+                        <a:rPr lang="en-US" sz="1600" b="0" i="0" u="none" strike="noStrike" dirty="0">
+                          <a:solidFill>
+                            <a:srgbClr val="000000"/>
+                          </a:solidFill>
+                          <a:effectLst/>
+                          <a:latin typeface="Courier New" panose="02070309020205020404" pitchFamily="49" charset="0"/>
+                        </a:rPr>
+                        <a:t> {</a:t>
+                      </a:r>
+                      <a:r>
+                        <a:rPr lang="en-US" sz="1600" b="0" i="0" u="none" strike="noStrike" dirty="0">
+                          <a:solidFill>
+                            <a:srgbClr val="A31515"/>
+                          </a:solidFill>
+                          <a:effectLst/>
+                          <a:latin typeface="Courier New" panose="02070309020205020404" pitchFamily="49" charset="0"/>
+                        </a:rPr>
+                        <a:t>'</a:t>
+                      </a:r>
+                      <a:r>
+                        <a:rPr lang="en-US" sz="1600" b="0" i="0" u="none" strike="noStrike" dirty="0" err="1">
+                          <a:solidFill>
+                            <a:srgbClr val="A31515"/>
+                          </a:solidFill>
+                          <a:effectLst/>
+                          <a:latin typeface="Courier New" panose="02070309020205020404" pitchFamily="49" charset="0"/>
+                        </a:rPr>
+                        <a:t>stop_early</a:t>
+                      </a:r>
+                      <a:r>
+                        <a:rPr lang="en-US" sz="1600" b="0" i="0" u="none" strike="noStrike" dirty="0">
+                          <a:solidFill>
+                            <a:srgbClr val="A31515"/>
+                          </a:solidFill>
+                          <a:effectLst/>
+                          <a:latin typeface="Courier New" panose="02070309020205020404" pitchFamily="49" charset="0"/>
+                        </a:rPr>
+                        <a:t>'</a:t>
+                      </a:r>
+                      <a:r>
+                        <a:rPr lang="en-US" sz="1600" b="0" i="0" u="none" strike="noStrike" dirty="0">
+                          <a:solidFill>
+                            <a:srgbClr val="000000"/>
+                          </a:solidFill>
+                          <a:effectLst/>
+                          <a:latin typeface="Courier New" panose="02070309020205020404" pitchFamily="49" charset="0"/>
+                        </a:rPr>
+                        <a:t>: </a:t>
+                      </a:r>
+                      <a:r>
+                        <a:rPr lang="en-US" sz="1600" b="0" i="0" u="none" strike="noStrike" dirty="0">
+                          <a:solidFill>
+                            <a:srgbClr val="0000FF"/>
+                          </a:solidFill>
+                          <a:effectLst/>
+                          <a:latin typeface="Courier New" panose="02070309020205020404" pitchFamily="49" charset="0"/>
+                        </a:rPr>
+                        <a:t>False</a:t>
+                      </a:r>
+                      <a:r>
+                        <a:rPr lang="en-US" sz="1600" b="0" i="0" u="none" strike="noStrike" dirty="0">
+                          <a:solidFill>
+                            <a:srgbClr val="000000"/>
+                          </a:solidFill>
+                          <a:effectLst/>
+                          <a:latin typeface="Courier New" panose="02070309020205020404" pitchFamily="49" charset="0"/>
+                        </a:rPr>
+                        <a:t>,</a:t>
+                      </a:r>
+                    </a:p>
+                    <a:p>
+                      <a:pPr algn="l"/>
+                      <a:r>
+                        <a:rPr lang="en-US" sz="1600" b="0" i="0" u="none" strike="noStrike" dirty="0">
+                          <a:solidFill>
+                            <a:srgbClr val="A31515"/>
+                          </a:solidFill>
+                          <a:effectLst/>
+                          <a:latin typeface="Courier New" panose="02070309020205020404" pitchFamily="49" charset="0"/>
+                        </a:rPr>
+                        <a:t>            '</a:t>
+                      </a:r>
+                      <a:r>
+                        <a:rPr lang="en-US" sz="1600" b="0" i="0" u="none" strike="noStrike" dirty="0" err="1">
+                          <a:solidFill>
+                            <a:srgbClr val="A31515"/>
+                          </a:solidFill>
+                          <a:effectLst/>
+                          <a:latin typeface="Courier New" panose="02070309020205020404" pitchFamily="49" charset="0"/>
+                        </a:rPr>
+                        <a:t>early_stopping_step</a:t>
+                      </a:r>
+                      <a:r>
+                        <a:rPr lang="en-US" sz="1600" b="0" i="0" u="none" strike="noStrike" dirty="0">
+                          <a:solidFill>
+                            <a:srgbClr val="A31515"/>
+                          </a:solidFill>
+                          <a:effectLst/>
+                          <a:latin typeface="Courier New" panose="02070309020205020404" pitchFamily="49" charset="0"/>
+                        </a:rPr>
+                        <a:t>'</a:t>
+                      </a:r>
+                      <a:r>
+                        <a:rPr lang="en-US" sz="1600" b="0" i="0" u="none" strike="noStrike" dirty="0">
+                          <a:solidFill>
+                            <a:srgbClr val="000000"/>
+                          </a:solidFill>
+                          <a:effectLst/>
+                          <a:latin typeface="Courier New" panose="02070309020205020404" pitchFamily="49" charset="0"/>
+                        </a:rPr>
+                        <a:t>: </a:t>
+                      </a:r>
+                      <a:r>
+                        <a:rPr lang="en-US" sz="1600" b="0" i="0" u="none" strike="noStrike" dirty="0">
+                          <a:solidFill>
+                            <a:srgbClr val="09885A"/>
+                          </a:solidFill>
+                          <a:effectLst/>
+                          <a:latin typeface="Courier New" panose="02070309020205020404" pitchFamily="49" charset="0"/>
+                        </a:rPr>
+                        <a:t>0</a:t>
+                      </a:r>
+                      <a:r>
+                        <a:rPr lang="en-US" sz="1600" b="0" i="0" u="none" strike="noStrike" dirty="0">
+                          <a:solidFill>
+                            <a:srgbClr val="000000"/>
+                          </a:solidFill>
+                          <a:effectLst/>
+                          <a:latin typeface="Courier New" panose="02070309020205020404" pitchFamily="49" charset="0"/>
+                        </a:rPr>
+                        <a:t>,</a:t>
+                      </a:r>
+                    </a:p>
+                    <a:p>
+                      <a:pPr algn="l"/>
+                      <a:r>
+                        <a:rPr lang="en-US" sz="1600" b="0" i="0" u="none" strike="noStrike" dirty="0">
+                          <a:solidFill>
+                            <a:srgbClr val="A31515"/>
+                          </a:solidFill>
+                          <a:effectLst/>
+                          <a:latin typeface="Courier New" panose="02070309020205020404" pitchFamily="49" charset="0"/>
+                        </a:rPr>
+                        <a:t>            '</a:t>
+                      </a:r>
+                      <a:r>
+                        <a:rPr lang="en-US" sz="1600" b="0" i="0" u="none" strike="noStrike" dirty="0" err="1">
+                          <a:solidFill>
+                            <a:srgbClr val="A31515"/>
+                          </a:solidFill>
+                          <a:effectLst/>
+                          <a:latin typeface="Courier New" panose="02070309020205020404" pitchFamily="49" charset="0"/>
+                        </a:rPr>
+                        <a:t>early_stopping_best_val</a:t>
+                      </a:r>
+                      <a:r>
+                        <a:rPr lang="en-US" sz="1600" b="0" i="0" u="none" strike="noStrike" dirty="0">
+                          <a:solidFill>
+                            <a:srgbClr val="A31515"/>
+                          </a:solidFill>
+                          <a:effectLst/>
+                          <a:latin typeface="Courier New" panose="02070309020205020404" pitchFamily="49" charset="0"/>
+                        </a:rPr>
+                        <a:t>'</a:t>
+                      </a:r>
+                      <a:r>
+                        <a:rPr lang="en-US" sz="1600" b="0" i="0" u="none" strike="noStrike" dirty="0">
+                          <a:solidFill>
+                            <a:srgbClr val="000000"/>
+                          </a:solidFill>
+                          <a:effectLst/>
+                          <a:latin typeface="Courier New" panose="02070309020205020404" pitchFamily="49" charset="0"/>
+                        </a:rPr>
+                        <a:t>: </a:t>
+                      </a:r>
+                      <a:r>
+                        <a:rPr lang="en-US" sz="1600" b="0" i="0" u="none" strike="noStrike" dirty="0">
+                          <a:solidFill>
+                            <a:srgbClr val="09885A"/>
+                          </a:solidFill>
+                          <a:effectLst/>
+                          <a:latin typeface="Courier New" panose="02070309020205020404" pitchFamily="49" charset="0"/>
+                        </a:rPr>
+                        <a:t>1e8</a:t>
+                      </a:r>
+                      <a:r>
+                        <a:rPr lang="en-US" sz="1600" b="0" i="0" u="none" strike="noStrike" dirty="0">
+                          <a:solidFill>
+                            <a:srgbClr val="000000"/>
+                          </a:solidFill>
+                          <a:effectLst/>
+                          <a:latin typeface="Courier New" panose="02070309020205020404" pitchFamily="49" charset="0"/>
+                        </a:rPr>
+                        <a:t>,</a:t>
+                      </a:r>
+                    </a:p>
+                    <a:p>
+                      <a:pPr algn="l"/>
+                      <a:r>
+                        <a:rPr lang="en-US" sz="1600" b="0" i="0" u="none" strike="noStrike" dirty="0">
+                          <a:solidFill>
+                            <a:srgbClr val="A31515"/>
+                          </a:solidFill>
+                          <a:effectLst/>
+                          <a:latin typeface="Courier New" panose="02070309020205020404" pitchFamily="49" charset="0"/>
+                        </a:rPr>
+                        <a:t>            '</a:t>
+                      </a:r>
+                      <a:r>
+                        <a:rPr lang="en-US" sz="1600" b="0" i="0" u="none" strike="noStrike" dirty="0" err="1">
+                          <a:solidFill>
+                            <a:srgbClr val="A31515"/>
+                          </a:solidFill>
+                          <a:effectLst/>
+                          <a:latin typeface="Courier New" panose="02070309020205020404" pitchFamily="49" charset="0"/>
+                        </a:rPr>
+                        <a:t>learning_rate</a:t>
+                      </a:r>
+                      <a:r>
+                        <a:rPr lang="en-US" sz="1600" b="0" i="0" u="none" strike="noStrike" dirty="0">
+                          <a:solidFill>
+                            <a:srgbClr val="A31515"/>
+                          </a:solidFill>
+                          <a:effectLst/>
+                          <a:latin typeface="Courier New" panose="02070309020205020404" pitchFamily="49" charset="0"/>
+                        </a:rPr>
+                        <a:t>'</a:t>
+                      </a:r>
+                      <a:r>
+                        <a:rPr lang="en-US" sz="1600" b="0" i="0" u="none" strike="noStrike" dirty="0">
+                          <a:solidFill>
+                            <a:srgbClr val="000000"/>
+                          </a:solidFill>
+                          <a:effectLst/>
+                          <a:latin typeface="Courier New" panose="02070309020205020404" pitchFamily="49" charset="0"/>
+                        </a:rPr>
+                        <a:t>: </a:t>
+                      </a:r>
+                      <a:r>
+                        <a:rPr lang="en-US" sz="1600" b="0" i="0" u="none" strike="noStrike" dirty="0" err="1">
+                          <a:solidFill>
+                            <a:srgbClr val="000000"/>
+                          </a:solidFill>
+                          <a:effectLst/>
+                          <a:latin typeface="Courier New" panose="02070309020205020404" pitchFamily="49" charset="0"/>
+                        </a:rPr>
+                        <a:t>args.learning_rate</a:t>
+                      </a:r>
+                      <a:r>
+                        <a:rPr lang="en-US" sz="1600" b="0" i="0" u="none" strike="noStrike" dirty="0">
+                          <a:solidFill>
+                            <a:srgbClr val="000000"/>
+                          </a:solidFill>
+                          <a:effectLst/>
+                          <a:latin typeface="Courier New" panose="02070309020205020404" pitchFamily="49" charset="0"/>
+                        </a:rPr>
+                        <a:t>,</a:t>
+                      </a:r>
+                    </a:p>
+                    <a:p>
+                      <a:pPr algn="l"/>
+                      <a:r>
+                        <a:rPr lang="en-US" sz="1600" b="0" i="0" u="none" strike="noStrike" dirty="0">
+                          <a:solidFill>
+                            <a:srgbClr val="A31515"/>
+                          </a:solidFill>
+                          <a:effectLst/>
+                          <a:latin typeface="Courier New" panose="02070309020205020404" pitchFamily="49" charset="0"/>
+                        </a:rPr>
+                        <a:t>            '</a:t>
+                      </a:r>
+                      <a:r>
+                        <a:rPr lang="en-US" sz="1600" b="0" i="0" u="none" strike="noStrike" dirty="0" err="1">
+                          <a:solidFill>
+                            <a:srgbClr val="A31515"/>
+                          </a:solidFill>
+                          <a:effectLst/>
+                          <a:latin typeface="Courier New" panose="02070309020205020404" pitchFamily="49" charset="0"/>
+                        </a:rPr>
+                        <a:t>epoch_index</a:t>
+                      </a:r>
+                      <a:r>
+                        <a:rPr lang="en-US" sz="1600" b="0" i="0" u="none" strike="noStrike" dirty="0">
+                          <a:solidFill>
+                            <a:srgbClr val="A31515"/>
+                          </a:solidFill>
+                          <a:effectLst/>
+                          <a:latin typeface="Courier New" panose="02070309020205020404" pitchFamily="49" charset="0"/>
+                        </a:rPr>
+                        <a:t>'</a:t>
+                      </a:r>
+                      <a:r>
+                        <a:rPr lang="en-US" sz="1600" b="0" i="0" u="none" strike="noStrike" dirty="0">
+                          <a:solidFill>
+                            <a:srgbClr val="000000"/>
+                          </a:solidFill>
+                          <a:effectLst/>
+                          <a:latin typeface="Courier New" panose="02070309020205020404" pitchFamily="49" charset="0"/>
+                        </a:rPr>
+                        <a:t>: </a:t>
+                      </a:r>
+                      <a:r>
+                        <a:rPr lang="en-US" sz="1600" b="0" i="0" u="none" strike="noStrike" dirty="0">
+                          <a:solidFill>
+                            <a:srgbClr val="09885A"/>
+                          </a:solidFill>
+                          <a:effectLst/>
+                          <a:latin typeface="Courier New" panose="02070309020205020404" pitchFamily="49" charset="0"/>
+                        </a:rPr>
+                        <a:t>0</a:t>
+                      </a:r>
+                      <a:r>
+                        <a:rPr lang="en-US" sz="1600" b="0" i="0" u="none" strike="noStrike" dirty="0">
+                          <a:solidFill>
+                            <a:srgbClr val="000000"/>
+                          </a:solidFill>
+                          <a:effectLst/>
+                          <a:latin typeface="Courier New" panose="02070309020205020404" pitchFamily="49" charset="0"/>
+                        </a:rPr>
+                        <a:t>,</a:t>
+                      </a:r>
+                    </a:p>
+                    <a:p>
+                      <a:pPr algn="l"/>
+                      <a:r>
+                        <a:rPr lang="en-US" sz="1600" b="0" i="0" u="none" strike="noStrike" dirty="0">
+                          <a:solidFill>
+                            <a:srgbClr val="A31515"/>
+                          </a:solidFill>
+                          <a:effectLst/>
+                          <a:latin typeface="Courier New" panose="02070309020205020404" pitchFamily="49" charset="0"/>
+                        </a:rPr>
+                        <a:t>            '</a:t>
+                      </a:r>
+                      <a:r>
+                        <a:rPr lang="en-US" sz="1600" b="0" i="0" u="none" strike="noStrike" dirty="0" err="1">
+                          <a:solidFill>
+                            <a:srgbClr val="A31515"/>
+                          </a:solidFill>
+                          <a:effectLst/>
+                          <a:latin typeface="Courier New" panose="02070309020205020404" pitchFamily="49" charset="0"/>
+                        </a:rPr>
+                        <a:t>train_loss</a:t>
+                      </a:r>
+                      <a:r>
+                        <a:rPr lang="en-US" sz="1600" b="0" i="0" u="none" strike="noStrike" dirty="0">
+                          <a:solidFill>
+                            <a:srgbClr val="A31515"/>
+                          </a:solidFill>
+                          <a:effectLst/>
+                          <a:latin typeface="Courier New" panose="02070309020205020404" pitchFamily="49" charset="0"/>
+                        </a:rPr>
+                        <a:t>'</a:t>
+                      </a:r>
+                      <a:r>
+                        <a:rPr lang="en-US" sz="1600" b="0" i="0" u="none" strike="noStrike" dirty="0">
+                          <a:solidFill>
+                            <a:srgbClr val="000000"/>
+                          </a:solidFill>
+                          <a:effectLst/>
+                          <a:latin typeface="Courier New" panose="02070309020205020404" pitchFamily="49" charset="0"/>
+                        </a:rPr>
+                        <a:t>: [],</a:t>
+                      </a:r>
+                    </a:p>
+                    <a:p>
+                      <a:pPr algn="l"/>
+                      <a:r>
+                        <a:rPr lang="en-US" sz="1600" b="0" i="0" u="none" strike="noStrike" dirty="0">
+                          <a:solidFill>
+                            <a:srgbClr val="A31515"/>
+                          </a:solidFill>
+                          <a:effectLst/>
+                          <a:latin typeface="Courier New" panose="02070309020205020404" pitchFamily="49" charset="0"/>
+                        </a:rPr>
+                        <a:t>            '</a:t>
+                      </a:r>
+                      <a:r>
+                        <a:rPr lang="en-US" sz="1600" b="0" i="0" u="none" strike="noStrike" dirty="0" err="1">
+                          <a:solidFill>
+                            <a:srgbClr val="A31515"/>
+                          </a:solidFill>
+                          <a:effectLst/>
+                          <a:latin typeface="Courier New" panose="02070309020205020404" pitchFamily="49" charset="0"/>
+                        </a:rPr>
+                        <a:t>train_acc</a:t>
+                      </a:r>
+                      <a:r>
+                        <a:rPr lang="en-US" sz="1600" b="0" i="0" u="none" strike="noStrike" dirty="0">
+                          <a:solidFill>
+                            <a:srgbClr val="A31515"/>
+                          </a:solidFill>
+                          <a:effectLst/>
+                          <a:latin typeface="Courier New" panose="02070309020205020404" pitchFamily="49" charset="0"/>
+                        </a:rPr>
+                        <a:t>'</a:t>
+                      </a:r>
+                      <a:r>
+                        <a:rPr lang="en-US" sz="1600" b="0" i="0" u="none" strike="noStrike" dirty="0">
+                          <a:solidFill>
+                            <a:srgbClr val="000000"/>
+                          </a:solidFill>
+                          <a:effectLst/>
+                          <a:latin typeface="Courier New" panose="02070309020205020404" pitchFamily="49" charset="0"/>
+                        </a:rPr>
+                        <a:t>: [],</a:t>
+                      </a:r>
+                    </a:p>
+                    <a:p>
+                      <a:pPr algn="l"/>
+                      <a:r>
+                        <a:rPr lang="en-US" sz="1600" b="0" i="0" u="none" strike="noStrike" dirty="0">
+                          <a:solidFill>
+                            <a:srgbClr val="A31515"/>
+                          </a:solidFill>
+                          <a:effectLst/>
+                          <a:latin typeface="Courier New" panose="02070309020205020404" pitchFamily="49" charset="0"/>
+                        </a:rPr>
+                        <a:t>            '</a:t>
+                      </a:r>
+                      <a:r>
+                        <a:rPr lang="en-US" sz="1600" b="0" i="0" u="none" strike="noStrike" dirty="0" err="1">
+                          <a:solidFill>
+                            <a:srgbClr val="A31515"/>
+                          </a:solidFill>
+                          <a:effectLst/>
+                          <a:latin typeface="Courier New" panose="02070309020205020404" pitchFamily="49" charset="0"/>
+                        </a:rPr>
+                        <a:t>val_loss</a:t>
+                      </a:r>
+                      <a:r>
+                        <a:rPr lang="en-US" sz="1600" b="0" i="0" u="none" strike="noStrike" dirty="0">
+                          <a:solidFill>
+                            <a:srgbClr val="A31515"/>
+                          </a:solidFill>
+                          <a:effectLst/>
+                          <a:latin typeface="Courier New" panose="02070309020205020404" pitchFamily="49" charset="0"/>
+                        </a:rPr>
+                        <a:t>'</a:t>
+                      </a:r>
+                      <a:r>
+                        <a:rPr lang="en-US" sz="1600" b="0" i="0" u="none" strike="noStrike" dirty="0">
+                          <a:solidFill>
+                            <a:srgbClr val="000000"/>
+                          </a:solidFill>
+                          <a:effectLst/>
+                          <a:latin typeface="Courier New" panose="02070309020205020404" pitchFamily="49" charset="0"/>
+                        </a:rPr>
+                        <a:t>: [],</a:t>
+                      </a:r>
+                    </a:p>
+                    <a:p>
+                      <a:pPr algn="l"/>
+                      <a:r>
+                        <a:rPr lang="en-US" sz="1600" b="0" i="0" u="none" strike="noStrike" dirty="0">
+                          <a:solidFill>
+                            <a:srgbClr val="A31515"/>
+                          </a:solidFill>
+                          <a:effectLst/>
+                          <a:latin typeface="Courier New" panose="02070309020205020404" pitchFamily="49" charset="0"/>
+                        </a:rPr>
+                        <a:t>            '</a:t>
+                      </a:r>
+                      <a:r>
+                        <a:rPr lang="en-US" sz="1600" b="0" i="0" u="none" strike="noStrike" dirty="0" err="1">
+                          <a:solidFill>
+                            <a:srgbClr val="A31515"/>
+                          </a:solidFill>
+                          <a:effectLst/>
+                          <a:latin typeface="Courier New" panose="02070309020205020404" pitchFamily="49" charset="0"/>
+                        </a:rPr>
+                        <a:t>val_acc</a:t>
+                      </a:r>
+                      <a:r>
+                        <a:rPr lang="en-US" sz="1600" b="0" i="0" u="none" strike="noStrike" dirty="0">
+                          <a:solidFill>
+                            <a:srgbClr val="A31515"/>
+                          </a:solidFill>
+                          <a:effectLst/>
+                          <a:latin typeface="Courier New" panose="02070309020205020404" pitchFamily="49" charset="0"/>
+                        </a:rPr>
+                        <a:t>'</a:t>
+                      </a:r>
+                      <a:r>
+                        <a:rPr lang="en-US" sz="1600" b="0" i="0" u="none" strike="noStrike" dirty="0">
+                          <a:solidFill>
+                            <a:srgbClr val="000000"/>
+                          </a:solidFill>
+                          <a:effectLst/>
+                          <a:latin typeface="Courier New" panose="02070309020205020404" pitchFamily="49" charset="0"/>
+                        </a:rPr>
+                        <a:t>: [],</a:t>
+                      </a:r>
+                    </a:p>
+                    <a:p>
+                      <a:pPr algn="l"/>
+                      <a:r>
+                        <a:rPr lang="en-US" sz="1600" b="0" i="0" u="none" strike="noStrike" dirty="0">
+                          <a:solidFill>
+                            <a:srgbClr val="A31515"/>
+                          </a:solidFill>
+                          <a:effectLst/>
+                          <a:latin typeface="Courier New" panose="02070309020205020404" pitchFamily="49" charset="0"/>
+                        </a:rPr>
+                        <a:t>            '</a:t>
+                      </a:r>
+                      <a:r>
+                        <a:rPr lang="en-US" sz="1600" b="0" i="0" u="none" strike="noStrike" dirty="0" err="1">
+                          <a:solidFill>
+                            <a:srgbClr val="A31515"/>
+                          </a:solidFill>
+                          <a:effectLst/>
+                          <a:latin typeface="Courier New" panose="02070309020205020404" pitchFamily="49" charset="0"/>
+                        </a:rPr>
+                        <a:t>test_loss</a:t>
+                      </a:r>
+                      <a:r>
+                        <a:rPr lang="en-US" sz="1600" b="0" i="0" u="none" strike="noStrike" dirty="0">
+                          <a:solidFill>
+                            <a:srgbClr val="A31515"/>
+                          </a:solidFill>
+                          <a:effectLst/>
+                          <a:latin typeface="Courier New" panose="02070309020205020404" pitchFamily="49" charset="0"/>
+                        </a:rPr>
+                        <a:t>'</a:t>
+                      </a:r>
+                      <a:r>
+                        <a:rPr lang="en-US" sz="1600" b="0" i="0" u="none" strike="noStrike" dirty="0">
+                          <a:solidFill>
+                            <a:srgbClr val="000000"/>
+                          </a:solidFill>
+                          <a:effectLst/>
+                          <a:latin typeface="Courier New" panose="02070309020205020404" pitchFamily="49" charset="0"/>
+                        </a:rPr>
+                        <a:t>: </a:t>
+                      </a:r>
+                      <a:r>
+                        <a:rPr lang="en-US" sz="1600" b="0" i="0" u="none" strike="noStrike" dirty="0">
+                          <a:solidFill>
+                            <a:srgbClr val="09885A"/>
+                          </a:solidFill>
+                          <a:effectLst/>
+                          <a:latin typeface="Courier New" panose="02070309020205020404" pitchFamily="49" charset="0"/>
+                        </a:rPr>
+                        <a:t>-1</a:t>
+                      </a:r>
+                      <a:r>
+                        <a:rPr lang="en-US" sz="1600" b="0" i="0" u="none" strike="noStrike" dirty="0">
+                          <a:solidFill>
+                            <a:srgbClr val="000000"/>
+                          </a:solidFill>
+                          <a:effectLst/>
+                          <a:latin typeface="Courier New" panose="02070309020205020404" pitchFamily="49" charset="0"/>
+                        </a:rPr>
+                        <a:t>,</a:t>
+                      </a:r>
+                    </a:p>
+                    <a:p>
+                      <a:pPr algn="l"/>
+                      <a:r>
+                        <a:rPr lang="en-US" sz="1600" b="0" i="0" u="none" strike="noStrike" dirty="0">
+                          <a:solidFill>
+                            <a:srgbClr val="A31515"/>
+                          </a:solidFill>
+                          <a:effectLst/>
+                          <a:latin typeface="Courier New" panose="02070309020205020404" pitchFamily="49" charset="0"/>
+                        </a:rPr>
+                        <a:t>            '</a:t>
+                      </a:r>
+                      <a:r>
+                        <a:rPr lang="en-US" sz="1600" b="0" i="0" u="none" strike="noStrike" dirty="0" err="1">
+                          <a:solidFill>
+                            <a:srgbClr val="A31515"/>
+                          </a:solidFill>
+                          <a:effectLst/>
+                          <a:latin typeface="Courier New" panose="02070309020205020404" pitchFamily="49" charset="0"/>
+                        </a:rPr>
+                        <a:t>test_acc</a:t>
+                      </a:r>
+                      <a:r>
+                        <a:rPr lang="en-US" sz="1600" b="0" i="0" u="none" strike="noStrike" dirty="0">
+                          <a:solidFill>
+                            <a:srgbClr val="A31515"/>
+                          </a:solidFill>
+                          <a:effectLst/>
+                          <a:latin typeface="Courier New" panose="02070309020205020404" pitchFamily="49" charset="0"/>
+                        </a:rPr>
+                        <a:t>'</a:t>
+                      </a:r>
+                      <a:r>
+                        <a:rPr lang="en-US" sz="1600" b="0" i="0" u="none" strike="noStrike" dirty="0">
+                          <a:solidFill>
+                            <a:srgbClr val="000000"/>
+                          </a:solidFill>
+                          <a:effectLst/>
+                          <a:latin typeface="Courier New" panose="02070309020205020404" pitchFamily="49" charset="0"/>
+                        </a:rPr>
+                        <a:t>: </a:t>
+                      </a:r>
+                      <a:r>
+                        <a:rPr lang="en-US" sz="1600" b="0" i="0" u="none" strike="noStrike" dirty="0">
+                          <a:solidFill>
+                            <a:srgbClr val="09885A"/>
+                          </a:solidFill>
+                          <a:effectLst/>
+                          <a:latin typeface="Courier New" panose="02070309020205020404" pitchFamily="49" charset="0"/>
+                        </a:rPr>
+                        <a:t>-1</a:t>
+                      </a:r>
+                      <a:r>
+                        <a:rPr lang="en-US" sz="1600" b="0" i="0" u="none" strike="noStrike" dirty="0">
+                          <a:solidFill>
+                            <a:srgbClr val="000000"/>
+                          </a:solidFill>
+                          <a:effectLst/>
+                          <a:latin typeface="Courier New" panose="02070309020205020404" pitchFamily="49" charset="0"/>
+                        </a:rPr>
+                        <a:t>,</a:t>
+                      </a:r>
+                    </a:p>
+                    <a:p>
+                      <a:pPr algn="l"/>
+                      <a:r>
+                        <a:rPr lang="en-US" sz="1600" b="0" i="0" u="none" strike="noStrike" dirty="0">
+                          <a:solidFill>
+                            <a:srgbClr val="A31515"/>
+                          </a:solidFill>
+                          <a:effectLst/>
+                          <a:latin typeface="Courier New" panose="02070309020205020404" pitchFamily="49" charset="0"/>
+                        </a:rPr>
+                        <a:t>            '</a:t>
+                      </a:r>
+                      <a:r>
+                        <a:rPr lang="en-US" sz="1600" b="0" i="0" u="none" strike="noStrike" dirty="0" err="1">
+                          <a:solidFill>
+                            <a:srgbClr val="A31515"/>
+                          </a:solidFill>
+                          <a:effectLst/>
+                          <a:latin typeface="Courier New" panose="02070309020205020404" pitchFamily="49" charset="0"/>
+                        </a:rPr>
+                        <a:t>model_filename</a:t>
+                      </a:r>
+                      <a:r>
+                        <a:rPr lang="en-US" sz="1600" b="0" i="0" u="none" strike="noStrike" dirty="0">
+                          <a:solidFill>
+                            <a:srgbClr val="A31515"/>
+                          </a:solidFill>
+                          <a:effectLst/>
+                          <a:latin typeface="Courier New" panose="02070309020205020404" pitchFamily="49" charset="0"/>
+                        </a:rPr>
+                        <a:t>'</a:t>
+                      </a:r>
+                      <a:r>
+                        <a:rPr lang="en-US" sz="1600" b="0" i="0" u="none" strike="noStrike" dirty="0">
+                          <a:solidFill>
+                            <a:srgbClr val="000000"/>
+                          </a:solidFill>
+                          <a:effectLst/>
+                          <a:latin typeface="Courier New" panose="02070309020205020404" pitchFamily="49" charset="0"/>
+                        </a:rPr>
+                        <a:t>: </a:t>
+                      </a:r>
+                      <a:r>
+                        <a:rPr lang="en-US" sz="1600" b="0" i="0" u="none" strike="noStrike" dirty="0" err="1">
+                          <a:solidFill>
+                            <a:srgbClr val="000000"/>
+                          </a:solidFill>
+                          <a:effectLst/>
+                          <a:latin typeface="Courier New" panose="02070309020205020404" pitchFamily="49" charset="0"/>
+                        </a:rPr>
+                        <a:t>args.model_state_file</a:t>
+                      </a:r>
+                      <a:r>
+                        <a:rPr lang="en-US" sz="1600" b="0" i="0" u="none" strike="noStrike" dirty="0">
+                          <a:solidFill>
+                            <a:srgbClr val="000000"/>
+                          </a:solidFill>
+                          <a:effectLst/>
+                          <a:latin typeface="Courier New" panose="02070309020205020404" pitchFamily="49" charset="0"/>
+                        </a:rPr>
+                        <a:t>}</a:t>
+                      </a:r>
+                      <a:endParaRPr lang="en-US" sz="1200" b="0" i="0" u="none" strike="noStrike" dirty="0">
+                        <a:solidFill>
+                          <a:srgbClr val="000000"/>
+                        </a:solidFill>
+                        <a:effectLst/>
+                        <a:latin typeface="Courier New" panose="02070309020205020404" pitchFamily="49" charset="0"/>
+                      </a:endParaRPr>
+                    </a:p>
+                  </a:txBody>
+                  <a:tcPr>
+                    <a:lnL w="12700" cap="flat" cmpd="sng" algn="ctr">
+                      <a:solidFill>
+                        <a:schemeClr val="accent1"/>
+                      </a:solidFill>
+                      <a:prstDash val="solid"/>
+                      <a:round/>
+                      <a:headEnd type="none" w="med" len="med"/>
+                      <a:tailEnd type="none" w="med" len="med"/>
+                    </a:lnL>
+                    <a:lnR w="12700" cap="flat" cmpd="sng" algn="ctr">
+                      <a:solidFill>
+                        <a:schemeClr val="accent1"/>
+                      </a:solidFill>
+                      <a:prstDash val="solid"/>
+                      <a:round/>
+                      <a:headEnd type="none" w="med" len="med"/>
+                      <a:tailEnd type="none" w="med" len="med"/>
+                    </a:lnR>
+                    <a:lnT w="12700" cap="flat" cmpd="sng" algn="ctr">
+                      <a:solidFill>
+                        <a:schemeClr val="accent1"/>
+                      </a:solidFill>
+                      <a:prstDash val="solid"/>
+                      <a:round/>
+                      <a:headEnd type="none" w="med" len="med"/>
+                      <a:tailEnd type="none" w="med" len="med"/>
+                    </a:lnT>
+                    <a:lnB w="12700" cap="flat" cmpd="sng" algn="ctr">
+                      <a:solidFill>
+                        <a:schemeClr val="accent1"/>
+                      </a:solidFill>
+                      <a:prstDash val="solid"/>
+                      <a:round/>
+                      <a:headEnd type="none" w="med" len="med"/>
+                      <a:tailEnd type="none" w="med" len="med"/>
+                    </a:lnB>
+                    <a:solidFill>
+                      <a:schemeClr val="bg1">
+                        <a:lumMod val="95000"/>
+                      </a:schemeClr>
+                    </a:solidFill>
+                  </a:tcPr>
+                </a:tc>
+                <a:extLst>
+                  <a:ext uri="{0D108BD9-81ED-4DB2-BD59-A6C34878D82A}">
+                    <a16:rowId xmlns:a16="http://schemas.microsoft.com/office/drawing/2014/main" val="2014089395"/>
+                  </a:ext>
+                </a:extLst>
+              </a:tr>
+            </a:tbl>
+          </a:graphicData>
+        </a:graphic>
+      </p:graphicFrame>
+    </p:spTree>
+    <p:extLst>
+      <p:ext uri="{BB962C8B-B14F-4D97-AF65-F5344CB8AC3E}">
+        <p14:creationId xmlns:p14="http://schemas.microsoft.com/office/powerpoint/2010/main" val="1964514427"/>
+      </p:ext>
+    </p:extLst>
+  </p:cSld>
+  <p:clrMapOvr>
+    <a:masterClrMapping/>
+  </p:clrMapOvr>
+</p:sld>
+</file>
+
+<file path=ppt/slides/slide11.xml><?xml version="1.0" encoding="utf-8"?>
+<p:sld xmlns:a="http://schemas.openxmlformats.org/drawingml/2006/main" xmlns:r="http://schemas.openxmlformats.org/officeDocument/2006/relationships" xmlns:p="http://schemas.openxmlformats.org/presentationml/2006/main">
+  <p:cSld>
+    <p:spTree>
+      <p:nvGrpSpPr>
+        <p:cNvPr id="1" name=""/>
+        <p:cNvGrpSpPr/>
+        <p:nvPr/>
+      </p:nvGrpSpPr>
+      <p:grpSpPr>
+        <a:xfrm>
+          <a:off x="0" y="0"/>
+          <a:ext cx="0" cy="0"/>
+          <a:chOff x="0" y="0"/>
+          <a:chExt cx="0" cy="0"/>
+        </a:xfrm>
+      </p:grpSpPr>
+      <p:sp>
+        <p:nvSpPr>
+          <p:cNvPr id="2" name="Title 1"/>
+          <p:cNvSpPr>
+            <a:spLocks noGrp="1"/>
+          </p:cNvSpPr>
+          <p:nvPr>
+            <p:ph type="title"/>
+          </p:nvPr>
+        </p:nvSpPr>
+        <p:spPr>
+          <a:xfrm>
+            <a:off x="-2631" y="0"/>
+            <a:ext cx="9144000" cy="500042"/>
+          </a:xfrm>
+        </p:spPr>
+        <p:txBody>
+          <a:bodyPr/>
+          <a:lstStyle/>
+          <a:p>
+            <a:r>
+              <a:rPr lang="en-US" dirty="0"/>
+              <a:t>The Training Routine</a:t>
+            </a:r>
+          </a:p>
+        </p:txBody>
+      </p:sp>
+      <p:graphicFrame>
+        <p:nvGraphicFramePr>
+          <p:cNvPr id="16" name="Table 16">
+            <a:extLst>
+              <a:ext uri="{FF2B5EF4-FFF2-40B4-BE49-F238E27FC236}">
+                <a16:creationId xmlns:a16="http://schemas.microsoft.com/office/drawing/2014/main" id="{93F44A5E-B3CE-3BA0-3C48-A4083A6F3496}"/>
+              </a:ext>
+            </a:extLst>
+          </p:cNvPr>
+          <p:cNvGraphicFramePr>
+            <a:graphicFrameLocks noGrp="1"/>
+          </p:cNvGraphicFramePr>
+          <p:nvPr>
+            <p:extLst>
+              <p:ext uri="{D42A27DB-BD31-4B8C-83A1-F6EECF244321}">
                 <p14:modId xmlns:p14="http://schemas.microsoft.com/office/powerpoint/2010/main" val="4267315385"/>
               </p:ext>
             </p:extLst>
@@ -5300,7 +6392,7 @@
 </p:sld>
 </file>
 
-<file path=ppt/slides/slide11.xml><?xml version="1.0" encoding="utf-8"?>
+<file path=ppt/slides/slide12.xml><?xml version="1.0" encoding="utf-8"?>
 <p:sld xmlns:a="http://schemas.openxmlformats.org/drawingml/2006/main" xmlns:r="http://schemas.openxmlformats.org/officeDocument/2006/relationships" xmlns:p="http://schemas.openxmlformats.org/presentationml/2006/main">
   <p:cSld>
     <p:spTree>
@@ -5359,7 +6451,7 @@
           <p:nvPr>
             <p:extLst>
               <p:ext uri="{D42A27DB-BD31-4B8C-83A1-F6EECF244321}">
-                <p14:modId xmlns:p14="http://schemas.microsoft.com/office/powerpoint/2010/main" val="3346829552"/>
+                <p14:modId xmlns:p14="http://schemas.microsoft.com/office/powerpoint/2010/main" val="865746638"/>
               </p:ext>
             </p:extLst>
           </p:nvPr>
@@ -5889,7 +6981,7 @@
                           <a:effectLst/>
                           <a:latin typeface="Courier New" panose="02070309020205020404" pitchFamily="49" charset="0"/>
                         </a:rPr>
-                        <a:t>hidden_dim</a:t>
+                        <a:t>num_channels</a:t>
                       </a:r>
                       <a:r>
                         <a:rPr lang="en-US" sz="1200" b="0" i="0" u="none" strike="noStrike" dirty="0">
@@ -5909,7 +7001,7 @@
                           <a:effectLst/>
                           <a:latin typeface="Courier New" panose="02070309020205020404" pitchFamily="49" charset="0"/>
                         </a:rPr>
-                        <a:t>300</a:t>
+                        <a:t>256</a:t>
                       </a:r>
                       <a:r>
                         <a:rPr lang="en-US" sz="1200" b="0" i="0" u="none" strike="noStrike" dirty="0">
@@ -6782,7 +7874,7 @@
 </p:sld>
 </file>
 
-<file path=ppt/slides/slide12.xml><?xml version="1.0" encoding="utf-8"?>
+<file path=ppt/slides/slide13.xml><?xml version="1.0" encoding="utf-8"?>
 <p:sld xmlns:a="http://schemas.openxmlformats.org/drawingml/2006/main" xmlns:r="http://schemas.openxmlformats.org/officeDocument/2006/relationships" xmlns:p="http://schemas.openxmlformats.org/presentationml/2006/main">
   <p:cSld>
     <p:spTree>
@@ -7931,7 +9023,7 @@
 </p:sld>
 </file>
 
-<file path=ppt/slides/slide13.xml><?xml version="1.0" encoding="utf-8"?>
+<file path=ppt/slides/slide14.xml><?xml version="1.0" encoding="utf-8"?>
 <p:sld xmlns:a="http://schemas.openxmlformats.org/drawingml/2006/main" xmlns:r="http://schemas.openxmlformats.org/officeDocument/2006/relationships" xmlns:p="http://schemas.openxmlformats.org/presentationml/2006/main">
   <p:cSld>
     <p:spTree>
@@ -8783,7 +9875,7 @@
 </p:sld>
 </file>
 
-<file path=ppt/slides/slide14.xml><?xml version="1.0" encoding="utf-8"?>
+<file path=ppt/slides/slide15.xml><?xml version="1.0" encoding="utf-8"?>
 <p:sld xmlns:a="http://schemas.openxmlformats.org/drawingml/2006/main" xmlns:r="http://schemas.openxmlformats.org/officeDocument/2006/relationships" xmlns:p="http://schemas.openxmlformats.org/presentationml/2006/main">
   <p:cSld>
     <p:spTree>
@@ -11028,7 +12120,7 @@
 </p:sld>
 </file>
 
-<file path=ppt/slides/slide15.xml><?xml version="1.0" encoding="utf-8"?>
+<file path=ppt/slides/slide16.xml><?xml version="1.0" encoding="utf-8"?>
 <p:sld xmlns:a="http://schemas.openxmlformats.org/drawingml/2006/main" xmlns:r="http://schemas.openxmlformats.org/officeDocument/2006/relationships" xmlns:p="http://schemas.openxmlformats.org/presentationml/2006/main">
   <p:cSld>
     <p:spTree>
@@ -13526,7 +14618,7 @@
 </p:sld>
 </file>
 
-<file path=ppt/slides/slide16.xml><?xml version="1.0" encoding="utf-8"?>
+<file path=ppt/slides/slide17.xml><?xml version="1.0" encoding="utf-8"?>
 <p:sld xmlns:a="http://schemas.openxmlformats.org/drawingml/2006/main" xmlns:r="http://schemas.openxmlformats.org/officeDocument/2006/relationships" xmlns:p="http://schemas.openxmlformats.org/presentationml/2006/main">
   <p:cSld>
     <p:spTree>
@@ -15807,7 +16899,7 @@
 </p:sld>
 </file>
 
-<file path=ppt/slides/slide17.xml><?xml version="1.0" encoding="utf-8"?>
+<file path=ppt/slides/slide18.xml><?xml version="1.0" encoding="utf-8"?>
 <p:sld xmlns:a="http://schemas.openxmlformats.org/drawingml/2006/main" xmlns:r="http://schemas.openxmlformats.org/officeDocument/2006/relationships" xmlns:p="http://schemas.openxmlformats.org/presentationml/2006/main">
   <p:cSld>
     <p:spTree>
@@ -17241,7 +18333,7 @@
 </p:sld>
 </file>
 
-<file path=ppt/slides/slide18.xml><?xml version="1.0" encoding="utf-8"?>
+<file path=ppt/slides/slide19.xml><?xml version="1.0" encoding="utf-8"?>
 <p:sld xmlns:a="http://schemas.openxmlformats.org/drawingml/2006/main" xmlns:r="http://schemas.openxmlformats.org/officeDocument/2006/relationships" xmlns:p="http://schemas.openxmlformats.org/presentationml/2006/main">
   <p:cSld>
     <p:spTree>
@@ -17319,1053 +18411,6 @@
     <p:extLst>
       <p:ext uri="{BB962C8B-B14F-4D97-AF65-F5344CB8AC3E}">
         <p14:creationId xmlns:p14="http://schemas.microsoft.com/office/powerpoint/2010/main" val="2517949759"/>
-      </p:ext>
-    </p:extLst>
-  </p:cSld>
-  <p:clrMapOvr>
-    <a:masterClrMapping/>
-  </p:clrMapOvr>
-</p:sld>
-</file>
-
-<file path=ppt/slides/slide19.xml><?xml version="1.0" encoding="utf-8"?>
-<p:sld xmlns:a="http://schemas.openxmlformats.org/drawingml/2006/main" xmlns:r="http://schemas.openxmlformats.org/officeDocument/2006/relationships" xmlns:p="http://schemas.openxmlformats.org/presentationml/2006/main">
-  <p:cSld>
-    <p:spTree>
-      <p:nvGrpSpPr>
-        <p:cNvPr id="1" name=""/>
-        <p:cNvGrpSpPr/>
-        <p:nvPr/>
-      </p:nvGrpSpPr>
-      <p:grpSpPr>
-        <a:xfrm>
-          <a:off x="0" y="0"/>
-          <a:ext cx="0" cy="0"/>
-          <a:chOff x="0" y="0"/>
-          <a:chExt cx="0" cy="0"/>
-        </a:xfrm>
-      </p:grpSpPr>
-      <p:sp>
-        <p:nvSpPr>
-          <p:cNvPr id="2" name="Title 1"/>
-          <p:cNvSpPr>
-            <a:spLocks noGrp="1"/>
-          </p:cNvSpPr>
-          <p:nvPr>
-            <p:ph type="title"/>
-          </p:nvPr>
-        </p:nvSpPr>
-        <p:spPr>
-          <a:xfrm>
-            <a:off x="-2631" y="0"/>
-            <a:ext cx="9144000" cy="500042"/>
-          </a:xfrm>
-        </p:spPr>
-        <p:txBody>
-          <a:bodyPr/>
-          <a:lstStyle/>
-          <a:p>
-            <a:r>
-              <a:rPr lang="en-US" dirty="0"/>
-              <a:t>Inference</a:t>
-            </a:r>
-          </a:p>
-        </p:txBody>
-      </p:sp>
-      <p:graphicFrame>
-        <p:nvGraphicFramePr>
-          <p:cNvPr id="16" name="Table 16">
-            <a:extLst>
-              <a:ext uri="{FF2B5EF4-FFF2-40B4-BE49-F238E27FC236}">
-                <a16:creationId xmlns:a16="http://schemas.microsoft.com/office/drawing/2014/main" id="{93F44A5E-B3CE-3BA0-3C48-A4083A6F3496}"/>
-              </a:ext>
-            </a:extLst>
-          </p:cNvPr>
-          <p:cNvGraphicFramePr>
-            <a:graphicFrameLocks noGrp="1"/>
-          </p:cNvGraphicFramePr>
-          <p:nvPr>
-            <p:extLst>
-              <p:ext uri="{D42A27DB-BD31-4B8C-83A1-F6EECF244321}">
-                <p14:modId xmlns:p14="http://schemas.microsoft.com/office/powerpoint/2010/main" val="1289736318"/>
-              </p:ext>
-            </p:extLst>
-          </p:nvPr>
-        </p:nvGraphicFramePr>
-        <p:xfrm>
-          <a:off x="179512" y="548680"/>
-          <a:ext cx="8640960" cy="4419600"/>
-        </p:xfrm>
-        <a:graphic>
-          <a:graphicData uri="http://schemas.openxmlformats.org/drawingml/2006/table">
-            <a:tbl>
-              <a:tblPr>
-                <a:tableStyleId>{5C22544A-7EE6-4342-B048-85BDC9FD1C3A}</a:tableStyleId>
-              </a:tblPr>
-              <a:tblGrid>
-                <a:gridCol w="8640960">
-                  <a:extLst>
-                    <a:ext uri="{9D8B030D-6E8A-4147-A177-3AD203B41FA5}">
-                      <a16:colId xmlns:a16="http://schemas.microsoft.com/office/drawing/2014/main" val="2706851558"/>
-                    </a:ext>
-                  </a:extLst>
-                </a:gridCol>
-              </a:tblGrid>
-              <a:tr h="202515">
-                <a:tc>
-                  <a:txBody>
-                    <a:bodyPr/>
-                    <a:lstStyle/>
-                    <a:p>
-                      <a:pPr marL="0" indent="0">
-                        <a:buNone/>
-                      </a:pPr>
-                      <a:r>
-                        <a:rPr lang="en-GB" sz="1600" b="0" i="0" kern="1200" dirty="0">
-                          <a:solidFill>
-                            <a:schemeClr val="dk1"/>
-                          </a:solidFill>
-                          <a:effectLst/>
-                          <a:latin typeface="+mn-lt"/>
-                          <a:ea typeface="+mn-ea"/>
-                          <a:cs typeface="Courier New" panose="02070309020205020404" pitchFamily="49" charset="0"/>
-                        </a:rPr>
-                        <a:t>Another method for evaluating the model is to do inference on new data and make qualitative judgments about whether the model is working.</a:t>
-                      </a:r>
-                    </a:p>
-                    <a:p>
-                      <a:pPr marL="0" marR="0" lvl="0" indent="0" algn="l" defTabSz="914400" rtl="0" eaLnBrk="1" fontAlgn="auto" latinLnBrk="0" hangingPunct="1">
-                        <a:lnSpc>
-                          <a:spcPct val="100000"/>
-                        </a:lnSpc>
-                        <a:spcBef>
-                          <a:spcPts val="0"/>
-                        </a:spcBef>
-                        <a:spcAft>
-                          <a:spcPts val="0"/>
-                        </a:spcAft>
-                        <a:buClrTx/>
-                        <a:buSzTx/>
-                        <a:buFontTx/>
-                        <a:buNone/>
-                        <a:tabLst/>
-                        <a:defRPr/>
-                      </a:pPr>
-                      <a:r>
-                        <a:rPr lang="en-GB" sz="1600" b="0" i="0" kern="1200" dirty="0">
-                          <a:solidFill>
-                            <a:schemeClr val="dk1"/>
-                          </a:solidFill>
-                          <a:effectLst/>
-                          <a:latin typeface="+mn-lt"/>
-                          <a:ea typeface="+mn-ea"/>
-                          <a:cs typeface="Courier New" panose="02070309020205020404" pitchFamily="49" charset="0"/>
-                        </a:rPr>
-                        <a:t>Given a surname as a string, the function will first apply the vectorization process and then get the model prediction. Notice that we include the </a:t>
-                      </a:r>
-                      <a:r>
-                        <a:rPr lang="en-GB" sz="1600" b="0" i="0" kern="1200" dirty="0" err="1">
-                          <a:solidFill>
-                            <a:schemeClr val="dk1"/>
-                          </a:solidFill>
-                          <a:effectLst/>
-                          <a:latin typeface="Courier New" panose="02070309020205020404" pitchFamily="49" charset="0"/>
-                          <a:ea typeface="+mn-ea"/>
-                          <a:cs typeface="Courier New" panose="02070309020205020404" pitchFamily="49" charset="0"/>
-                        </a:rPr>
-                        <a:t>apply_softmax</a:t>
-                      </a:r>
-                      <a:r>
-                        <a:rPr lang="en-GB" sz="1600" b="0" i="0" kern="1200" dirty="0">
-                          <a:solidFill>
-                            <a:schemeClr val="dk1"/>
-                          </a:solidFill>
-                          <a:effectLst/>
-                          <a:latin typeface="+mn-lt"/>
-                          <a:ea typeface="+mn-ea"/>
-                          <a:cs typeface="Courier New" panose="02070309020205020404" pitchFamily="49" charset="0"/>
-                        </a:rPr>
-                        <a:t> flag so that result contains probabilities. The model prediction, in the multinomial case, is the list of class probabilities. </a:t>
-                      </a:r>
-                      <a:r>
-                        <a:rPr lang="en-GB" sz="1600" b="0" i="0" kern="1200" dirty="0" err="1">
-                          <a:solidFill>
-                            <a:schemeClr val="dk1"/>
-                          </a:solidFill>
-                          <a:effectLst/>
-                          <a:latin typeface="+mn-lt"/>
-                          <a:ea typeface="+mn-ea"/>
-                          <a:cs typeface="Courier New" panose="02070309020205020404" pitchFamily="49" charset="0"/>
-                        </a:rPr>
-                        <a:t>PyTorch</a:t>
-                      </a:r>
-                      <a:r>
-                        <a:rPr lang="en-GB" sz="1600" b="0" i="0" kern="1200" dirty="0">
-                          <a:solidFill>
-                            <a:schemeClr val="dk1"/>
-                          </a:solidFill>
-                          <a:effectLst/>
-                          <a:latin typeface="+mn-lt"/>
-                          <a:ea typeface="+mn-ea"/>
-                          <a:cs typeface="Courier New" panose="02070309020205020404" pitchFamily="49" charset="0"/>
-                        </a:rPr>
-                        <a:t> tensor </a:t>
-                      </a:r>
-                      <a:r>
-                        <a:rPr lang="en-GB" sz="1600" b="0" i="0" kern="1200" dirty="0">
-                          <a:solidFill>
-                            <a:schemeClr val="dk1"/>
-                          </a:solidFill>
-                          <a:effectLst/>
-                          <a:latin typeface="Courier New" panose="02070309020205020404" pitchFamily="49" charset="0"/>
-                          <a:ea typeface="+mn-ea"/>
-                          <a:cs typeface="Courier New" panose="02070309020205020404" pitchFamily="49" charset="0"/>
-                        </a:rPr>
-                        <a:t>max()</a:t>
-                      </a:r>
-                      <a:r>
-                        <a:rPr lang="en-GB" sz="1600" b="0" i="0" kern="1200" dirty="0">
-                          <a:solidFill>
-                            <a:schemeClr val="dk1"/>
-                          </a:solidFill>
-                          <a:effectLst/>
-                          <a:latin typeface="+mn-lt"/>
-                          <a:ea typeface="+mn-ea"/>
-                          <a:cs typeface="Courier New" panose="02070309020205020404" pitchFamily="49" charset="0"/>
-                        </a:rPr>
-                        <a:t> function gets the best class, represented by the highest predicted probability.</a:t>
-                      </a:r>
-                    </a:p>
-                  </a:txBody>
-                  <a:tcPr>
-                    <a:lnL w="12700" cap="flat" cmpd="sng" algn="ctr">
-                      <a:noFill/>
-                      <a:prstDash val="solid"/>
-                      <a:round/>
-                      <a:headEnd type="none" w="med" len="med"/>
-                      <a:tailEnd type="none" w="med" len="med"/>
-                    </a:lnL>
-                    <a:lnR w="12700" cap="flat" cmpd="sng" algn="ctr">
-                      <a:noFill/>
-                      <a:prstDash val="solid"/>
-                      <a:round/>
-                      <a:headEnd type="none" w="med" len="med"/>
-                      <a:tailEnd type="none" w="med" len="med"/>
-                    </a:lnR>
-                    <a:lnT w="12700" cap="flat" cmpd="sng" algn="ctr">
-                      <a:noFill/>
-                      <a:prstDash val="solid"/>
-                      <a:round/>
-                      <a:headEnd type="none" w="med" len="med"/>
-                      <a:tailEnd type="none" w="med" len="med"/>
-                    </a:lnT>
-                    <a:lnB w="12700" cap="flat" cmpd="sng" algn="ctr">
-                      <a:solidFill>
-                        <a:schemeClr val="accent1"/>
-                      </a:solidFill>
-                      <a:prstDash val="solid"/>
-                      <a:round/>
-                      <a:headEnd type="none" w="med" len="med"/>
-                      <a:tailEnd type="none" w="med" len="med"/>
-                    </a:lnB>
-                    <a:lnTlToBr w="12700" cmpd="sng">
-                      <a:noFill/>
-                      <a:prstDash val="solid"/>
-                    </a:lnTlToBr>
-                    <a:lnBlToTr w="12700" cmpd="sng">
-                      <a:noFill/>
-                      <a:prstDash val="solid"/>
-                    </a:lnBlToTr>
-                    <a:noFill/>
-                  </a:tcPr>
-                </a:tc>
-                <a:extLst>
-                  <a:ext uri="{0D108BD9-81ED-4DB2-BD59-A6C34878D82A}">
-                    <a16:rowId xmlns:a16="http://schemas.microsoft.com/office/drawing/2014/main" val="533612861"/>
-                  </a:ext>
-                </a:extLst>
-              </a:tr>
-              <a:tr h="202515">
-                <a:tc>
-                  <a:txBody>
-                    <a:bodyPr/>
-                    <a:lstStyle/>
-                    <a:p>
-                      <a:pPr algn="l"/>
-                      <a:r>
-                        <a:rPr lang="en-US" sz="1400" b="0" i="0" u="none" strike="noStrike" dirty="0">
-                          <a:solidFill>
-                            <a:srgbClr val="0000FF"/>
-                          </a:solidFill>
-                          <a:effectLst/>
-                          <a:latin typeface="Courier New" panose="02070309020205020404" pitchFamily="49" charset="0"/>
-                        </a:rPr>
-                        <a:t>def</a:t>
-                      </a:r>
-                      <a:r>
-                        <a:rPr lang="en-US" sz="1400" b="0" i="0" u="none" strike="noStrike" dirty="0">
-                          <a:solidFill>
-                            <a:srgbClr val="000000"/>
-                          </a:solidFill>
-                          <a:effectLst/>
-                          <a:latin typeface="Courier New" panose="02070309020205020404" pitchFamily="49" charset="0"/>
-                        </a:rPr>
-                        <a:t> </a:t>
-                      </a:r>
-                      <a:r>
-                        <a:rPr lang="en-US" sz="1400" b="0" i="0" u="none" strike="noStrike" dirty="0" err="1">
-                          <a:solidFill>
-                            <a:srgbClr val="795E26"/>
-                          </a:solidFill>
-                          <a:effectLst/>
-                          <a:latin typeface="Courier New" panose="02070309020205020404" pitchFamily="49" charset="0"/>
-                        </a:rPr>
-                        <a:t>predict_nationality</a:t>
-                      </a:r>
-                      <a:r>
-                        <a:rPr lang="en-US" sz="1400" b="0" i="0" u="none" strike="noStrike" dirty="0">
-                          <a:solidFill>
-                            <a:srgbClr val="000000"/>
-                          </a:solidFill>
-                          <a:effectLst/>
-                          <a:latin typeface="Courier New" panose="02070309020205020404" pitchFamily="49" charset="0"/>
-                        </a:rPr>
-                        <a:t>(</a:t>
-                      </a:r>
-                      <a:r>
-                        <a:rPr lang="en-US" sz="1400" b="0" i="0" u="none" strike="noStrike" dirty="0">
-                          <a:solidFill>
-                            <a:srgbClr val="001080"/>
-                          </a:solidFill>
-                          <a:effectLst/>
-                          <a:latin typeface="Courier New" panose="02070309020205020404" pitchFamily="49" charset="0"/>
-                        </a:rPr>
-                        <a:t>surname</a:t>
-                      </a:r>
-                      <a:r>
-                        <a:rPr lang="en-US" sz="1400" b="0" i="0" u="none" strike="noStrike" dirty="0">
-                          <a:solidFill>
-                            <a:srgbClr val="000000"/>
-                          </a:solidFill>
-                          <a:effectLst/>
-                          <a:latin typeface="Courier New" panose="02070309020205020404" pitchFamily="49" charset="0"/>
-                        </a:rPr>
-                        <a:t>, </a:t>
-                      </a:r>
-                      <a:r>
-                        <a:rPr lang="en-US" sz="1400" b="0" i="0" u="none" strike="noStrike" dirty="0">
-                          <a:solidFill>
-                            <a:srgbClr val="001080"/>
-                          </a:solidFill>
-                          <a:effectLst/>
-                          <a:latin typeface="Courier New" panose="02070309020205020404" pitchFamily="49" charset="0"/>
-                        </a:rPr>
-                        <a:t>classifier</a:t>
-                      </a:r>
-                      <a:r>
-                        <a:rPr lang="en-US" sz="1400" b="0" i="0" u="none" strike="noStrike" dirty="0">
-                          <a:solidFill>
-                            <a:srgbClr val="000000"/>
-                          </a:solidFill>
-                          <a:effectLst/>
-                          <a:latin typeface="Courier New" panose="02070309020205020404" pitchFamily="49" charset="0"/>
-                        </a:rPr>
-                        <a:t>, </a:t>
-                      </a:r>
-                      <a:r>
-                        <a:rPr lang="en-US" sz="1400" b="0" i="0" u="none" strike="noStrike" dirty="0">
-                          <a:solidFill>
-                            <a:srgbClr val="001080"/>
-                          </a:solidFill>
-                          <a:effectLst/>
-                          <a:latin typeface="Courier New" panose="02070309020205020404" pitchFamily="49" charset="0"/>
-                        </a:rPr>
-                        <a:t>vectorizer</a:t>
-                      </a:r>
-                      <a:r>
-                        <a:rPr lang="en-US" sz="1400" b="0" i="0" u="none" strike="noStrike" dirty="0">
-                          <a:solidFill>
-                            <a:srgbClr val="000000"/>
-                          </a:solidFill>
-                          <a:effectLst/>
-                          <a:latin typeface="Courier New" panose="02070309020205020404" pitchFamily="49" charset="0"/>
-                        </a:rPr>
-                        <a:t>):</a:t>
-                      </a:r>
-                    </a:p>
-                    <a:p>
-                      <a:pPr algn="l"/>
-                      <a:r>
-                        <a:rPr lang="en-US" sz="1400" b="0" i="0" u="none" strike="noStrike" dirty="0">
-                          <a:solidFill>
-                            <a:srgbClr val="000000"/>
-                          </a:solidFill>
-                          <a:effectLst/>
-                          <a:latin typeface="Courier New" panose="02070309020205020404" pitchFamily="49" charset="0"/>
-                        </a:rPr>
-                        <a:t>    </a:t>
-                      </a:r>
-                      <a:r>
-                        <a:rPr lang="en-US" sz="1400" b="0" i="0" u="none" strike="noStrike" dirty="0" err="1">
-                          <a:solidFill>
-                            <a:srgbClr val="000000"/>
-                          </a:solidFill>
-                          <a:effectLst/>
-                          <a:latin typeface="Courier New" panose="02070309020205020404" pitchFamily="49" charset="0"/>
-                        </a:rPr>
-                        <a:t>vectorized_surname</a:t>
-                      </a:r>
-                      <a:r>
-                        <a:rPr lang="en-US" sz="1400" b="0" i="0" u="none" strike="noStrike" dirty="0">
-                          <a:solidFill>
-                            <a:srgbClr val="000000"/>
-                          </a:solidFill>
-                          <a:effectLst/>
-                          <a:latin typeface="Courier New" panose="02070309020205020404" pitchFamily="49" charset="0"/>
-                        </a:rPr>
-                        <a:t> = </a:t>
-                      </a:r>
-                      <a:r>
-                        <a:rPr lang="en-US" sz="1400" b="0" i="0" u="none" strike="noStrike" dirty="0" err="1">
-                          <a:solidFill>
-                            <a:srgbClr val="000000"/>
-                          </a:solidFill>
-                          <a:effectLst/>
-                          <a:latin typeface="Courier New" panose="02070309020205020404" pitchFamily="49" charset="0"/>
-                        </a:rPr>
-                        <a:t>vectorizer.vectorize</a:t>
-                      </a:r>
-                      <a:r>
-                        <a:rPr lang="en-US" sz="1400" b="0" i="0" u="none" strike="noStrike" dirty="0">
-                          <a:solidFill>
-                            <a:srgbClr val="000000"/>
-                          </a:solidFill>
-                          <a:effectLst/>
-                          <a:latin typeface="Courier New" panose="02070309020205020404" pitchFamily="49" charset="0"/>
-                        </a:rPr>
-                        <a:t>(surname)</a:t>
-                      </a:r>
-                    </a:p>
-                    <a:p>
-                      <a:pPr algn="l"/>
-                      <a:r>
-                        <a:rPr lang="en-US" sz="1400" b="0" i="0" u="none" strike="noStrike" dirty="0">
-                          <a:solidFill>
-                            <a:srgbClr val="000000"/>
-                          </a:solidFill>
-                          <a:effectLst/>
-                          <a:latin typeface="Courier New" panose="02070309020205020404" pitchFamily="49" charset="0"/>
-                        </a:rPr>
-                        <a:t>    </a:t>
-                      </a:r>
-                      <a:r>
-                        <a:rPr lang="en-US" sz="1400" b="0" i="0" u="none" strike="noStrike" dirty="0" err="1">
-                          <a:solidFill>
-                            <a:srgbClr val="000000"/>
-                          </a:solidFill>
-                          <a:effectLst/>
-                          <a:latin typeface="Courier New" panose="02070309020205020404" pitchFamily="49" charset="0"/>
-                        </a:rPr>
-                        <a:t>vectorized_surname</a:t>
-                      </a:r>
-                      <a:r>
-                        <a:rPr lang="en-US" sz="1400" b="0" i="0" u="none" strike="noStrike" dirty="0">
-                          <a:solidFill>
-                            <a:srgbClr val="000000"/>
-                          </a:solidFill>
-                          <a:effectLst/>
-                          <a:latin typeface="Courier New" panose="02070309020205020404" pitchFamily="49" charset="0"/>
-                        </a:rPr>
-                        <a:t> = </a:t>
-                      </a:r>
-                      <a:r>
-                        <a:rPr lang="en-US" sz="1400" b="0" i="0" u="none" strike="noStrike" dirty="0" err="1">
-                          <a:solidFill>
-                            <a:srgbClr val="000000"/>
-                          </a:solidFill>
-                          <a:effectLst/>
-                          <a:latin typeface="Courier New" panose="02070309020205020404" pitchFamily="49" charset="0"/>
-                        </a:rPr>
-                        <a:t>torch.tensor</a:t>
-                      </a:r>
-                      <a:r>
-                        <a:rPr lang="en-US" sz="1400" b="0" i="0" u="none" strike="noStrike" dirty="0">
-                          <a:solidFill>
-                            <a:srgbClr val="000000"/>
-                          </a:solidFill>
-                          <a:effectLst/>
-                          <a:latin typeface="Courier New" panose="02070309020205020404" pitchFamily="49" charset="0"/>
-                        </a:rPr>
-                        <a:t>(</a:t>
-                      </a:r>
-                      <a:r>
-                        <a:rPr lang="en-US" sz="1400" b="0" i="0" u="none" strike="noStrike" dirty="0" err="1">
-                          <a:solidFill>
-                            <a:srgbClr val="000000"/>
-                          </a:solidFill>
-                          <a:effectLst/>
-                          <a:latin typeface="Courier New" panose="02070309020205020404" pitchFamily="49" charset="0"/>
-                        </a:rPr>
-                        <a:t>vectorized_surname</a:t>
-                      </a:r>
-                      <a:r>
-                        <a:rPr lang="en-US" sz="1400" b="0" i="0" u="none" strike="noStrike" dirty="0">
-                          <a:solidFill>
-                            <a:srgbClr val="000000"/>
-                          </a:solidFill>
-                          <a:effectLst/>
-                          <a:latin typeface="Courier New" panose="02070309020205020404" pitchFamily="49" charset="0"/>
-                        </a:rPr>
-                        <a:t>).</a:t>
-                      </a:r>
-                      <a:r>
-                        <a:rPr lang="en-US" sz="1400" b="0" i="0" u="none" strike="noStrike" dirty="0" err="1">
-                          <a:solidFill>
-                            <a:srgbClr val="000000"/>
-                          </a:solidFill>
-                          <a:effectLst/>
-                          <a:latin typeface="Courier New" panose="02070309020205020404" pitchFamily="49" charset="0"/>
-                        </a:rPr>
-                        <a:t>unsqueeze</a:t>
-                      </a:r>
-                      <a:r>
-                        <a:rPr lang="en-US" sz="1400" b="0" i="0" u="none" strike="noStrike" dirty="0">
-                          <a:solidFill>
-                            <a:srgbClr val="000000"/>
-                          </a:solidFill>
-                          <a:effectLst/>
-                          <a:latin typeface="Courier New" panose="02070309020205020404" pitchFamily="49" charset="0"/>
-                        </a:rPr>
-                        <a:t>(</a:t>
-                      </a:r>
-                      <a:r>
-                        <a:rPr lang="en-US" sz="1400" b="0" i="0" u="none" strike="noStrike" dirty="0">
-                          <a:solidFill>
-                            <a:srgbClr val="09885A"/>
-                          </a:solidFill>
-                          <a:effectLst/>
-                          <a:latin typeface="Courier New" panose="02070309020205020404" pitchFamily="49" charset="0"/>
-                        </a:rPr>
-                        <a:t>0</a:t>
-                      </a:r>
-                      <a:r>
-                        <a:rPr lang="en-US" sz="1400" b="0" i="0" u="none" strike="noStrike" dirty="0">
-                          <a:solidFill>
-                            <a:srgbClr val="000000"/>
-                          </a:solidFill>
-                          <a:effectLst/>
-                          <a:latin typeface="Courier New" panose="02070309020205020404" pitchFamily="49" charset="0"/>
-                        </a:rPr>
-                        <a:t>)</a:t>
-                      </a:r>
-                    </a:p>
-                    <a:p>
-                      <a:pPr algn="l"/>
-                      <a:r>
-                        <a:rPr lang="en-US" sz="1400" b="0" i="0" u="none" strike="noStrike" dirty="0">
-                          <a:solidFill>
-                            <a:srgbClr val="000000"/>
-                          </a:solidFill>
-                          <a:effectLst/>
-                          <a:latin typeface="Courier New" panose="02070309020205020404" pitchFamily="49" charset="0"/>
-                        </a:rPr>
-                        <a:t>    result = classifier(</a:t>
-                      </a:r>
-                      <a:r>
-                        <a:rPr lang="en-US" sz="1400" b="0" i="0" u="none" strike="noStrike" dirty="0" err="1">
-                          <a:solidFill>
-                            <a:srgbClr val="000000"/>
-                          </a:solidFill>
-                          <a:effectLst/>
-                          <a:latin typeface="Courier New" panose="02070309020205020404" pitchFamily="49" charset="0"/>
-                        </a:rPr>
-                        <a:t>vectorized_surname</a:t>
-                      </a:r>
-                      <a:r>
-                        <a:rPr lang="en-US" sz="1400" b="0" i="0" u="none" strike="noStrike" dirty="0">
-                          <a:solidFill>
-                            <a:srgbClr val="000000"/>
-                          </a:solidFill>
-                          <a:effectLst/>
-                          <a:latin typeface="Courier New" panose="02070309020205020404" pitchFamily="49" charset="0"/>
-                        </a:rPr>
-                        <a:t>, </a:t>
-                      </a:r>
-                      <a:r>
-                        <a:rPr lang="en-US" sz="1400" b="0" i="0" u="none" strike="noStrike" dirty="0" err="1">
-                          <a:solidFill>
-                            <a:srgbClr val="000000"/>
-                          </a:solidFill>
-                          <a:effectLst/>
-                          <a:latin typeface="Courier New" panose="02070309020205020404" pitchFamily="49" charset="0"/>
-                        </a:rPr>
-                        <a:t>apply_softmax</a:t>
-                      </a:r>
-                      <a:r>
-                        <a:rPr lang="en-US" sz="1400" b="0" i="0" u="none" strike="noStrike" dirty="0">
-                          <a:solidFill>
-                            <a:srgbClr val="000000"/>
-                          </a:solidFill>
-                          <a:effectLst/>
-                          <a:latin typeface="Courier New" panose="02070309020205020404" pitchFamily="49" charset="0"/>
-                        </a:rPr>
-                        <a:t>=</a:t>
-                      </a:r>
-                      <a:r>
-                        <a:rPr lang="en-US" sz="1400" b="0" i="0" u="none" strike="noStrike" dirty="0">
-                          <a:solidFill>
-                            <a:srgbClr val="0000FF"/>
-                          </a:solidFill>
-                          <a:effectLst/>
-                          <a:latin typeface="Courier New" panose="02070309020205020404" pitchFamily="49" charset="0"/>
-                        </a:rPr>
-                        <a:t>True</a:t>
-                      </a:r>
-                      <a:r>
-                        <a:rPr lang="en-US" sz="1400" b="0" i="0" u="none" strike="noStrike" dirty="0">
-                          <a:solidFill>
-                            <a:srgbClr val="000000"/>
-                          </a:solidFill>
-                          <a:effectLst/>
-                          <a:latin typeface="Courier New" panose="02070309020205020404" pitchFamily="49" charset="0"/>
-                        </a:rPr>
-                        <a:t>)</a:t>
-                      </a:r>
-                    </a:p>
-                    <a:p>
-                      <a:pPr algn="l"/>
-                      <a:br>
-                        <a:rPr lang="en-US" sz="1400" b="0" i="0" u="none" strike="noStrike" dirty="0">
-                          <a:solidFill>
-                            <a:srgbClr val="000000"/>
-                          </a:solidFill>
-                          <a:effectLst/>
-                          <a:latin typeface="Courier New" panose="02070309020205020404" pitchFamily="49" charset="0"/>
-                        </a:rPr>
-                      </a:br>
-                      <a:r>
-                        <a:rPr lang="en-US" sz="1400" b="0" i="0" u="none" strike="noStrike" dirty="0">
-                          <a:solidFill>
-                            <a:srgbClr val="000000"/>
-                          </a:solidFill>
-                          <a:effectLst/>
-                          <a:latin typeface="Courier New" panose="02070309020205020404" pitchFamily="49" charset="0"/>
-                        </a:rPr>
-                        <a:t>    </a:t>
-                      </a:r>
-                      <a:r>
-                        <a:rPr lang="en-US" sz="1400" b="0" i="0" u="none" strike="noStrike" dirty="0" err="1">
-                          <a:solidFill>
-                            <a:srgbClr val="000000"/>
-                          </a:solidFill>
-                          <a:effectLst/>
-                          <a:latin typeface="Courier New" panose="02070309020205020404" pitchFamily="49" charset="0"/>
-                        </a:rPr>
-                        <a:t>probability_values</a:t>
-                      </a:r>
-                      <a:r>
-                        <a:rPr lang="en-US" sz="1400" b="0" i="0" u="none" strike="noStrike" dirty="0">
-                          <a:solidFill>
-                            <a:srgbClr val="000000"/>
-                          </a:solidFill>
-                          <a:effectLst/>
-                          <a:latin typeface="Courier New" panose="02070309020205020404" pitchFamily="49" charset="0"/>
-                        </a:rPr>
-                        <a:t>, indices = </a:t>
-                      </a:r>
-                      <a:r>
-                        <a:rPr lang="en-US" sz="1400" b="0" i="0" u="none" strike="noStrike" dirty="0" err="1">
-                          <a:solidFill>
-                            <a:srgbClr val="000000"/>
-                          </a:solidFill>
-                          <a:effectLst/>
-                          <a:latin typeface="Courier New" panose="02070309020205020404" pitchFamily="49" charset="0"/>
-                        </a:rPr>
-                        <a:t>result.</a:t>
-                      </a:r>
-                      <a:r>
-                        <a:rPr lang="en-US" sz="1400" b="0" i="0" u="none" strike="noStrike" dirty="0" err="1">
-                          <a:solidFill>
-                            <a:srgbClr val="795E26"/>
-                          </a:solidFill>
-                          <a:effectLst/>
-                          <a:latin typeface="Courier New" panose="02070309020205020404" pitchFamily="49" charset="0"/>
-                        </a:rPr>
-                        <a:t>max</a:t>
-                      </a:r>
-                      <a:r>
-                        <a:rPr lang="en-US" sz="1400" b="0" i="0" u="none" strike="noStrike" dirty="0">
-                          <a:solidFill>
-                            <a:srgbClr val="000000"/>
-                          </a:solidFill>
-                          <a:effectLst/>
-                          <a:latin typeface="Courier New" panose="02070309020205020404" pitchFamily="49" charset="0"/>
-                        </a:rPr>
-                        <a:t>(dim=</a:t>
-                      </a:r>
-                      <a:r>
-                        <a:rPr lang="en-US" sz="1400" b="0" i="0" u="none" strike="noStrike" dirty="0">
-                          <a:solidFill>
-                            <a:srgbClr val="09885A"/>
-                          </a:solidFill>
-                          <a:effectLst/>
-                          <a:latin typeface="Courier New" panose="02070309020205020404" pitchFamily="49" charset="0"/>
-                        </a:rPr>
-                        <a:t>1</a:t>
-                      </a:r>
-                      <a:r>
-                        <a:rPr lang="en-US" sz="1400" b="0" i="0" u="none" strike="noStrike" dirty="0">
-                          <a:solidFill>
-                            <a:srgbClr val="000000"/>
-                          </a:solidFill>
-                          <a:effectLst/>
-                          <a:latin typeface="Courier New" panose="02070309020205020404" pitchFamily="49" charset="0"/>
-                        </a:rPr>
-                        <a:t>)</a:t>
-                      </a:r>
-                    </a:p>
-                    <a:p>
-                      <a:pPr algn="l"/>
-                      <a:r>
-                        <a:rPr lang="en-US" sz="1400" b="0" i="0" u="none" strike="noStrike" dirty="0">
-                          <a:solidFill>
-                            <a:srgbClr val="000000"/>
-                          </a:solidFill>
-                          <a:effectLst/>
-                          <a:latin typeface="Courier New" panose="02070309020205020404" pitchFamily="49" charset="0"/>
-                        </a:rPr>
-                        <a:t>    index = </a:t>
-                      </a:r>
-                      <a:r>
-                        <a:rPr lang="en-US" sz="1400" b="0" i="0" u="none" strike="noStrike" dirty="0" err="1">
-                          <a:solidFill>
-                            <a:srgbClr val="000000"/>
-                          </a:solidFill>
-                          <a:effectLst/>
-                          <a:latin typeface="Courier New" panose="02070309020205020404" pitchFamily="49" charset="0"/>
-                        </a:rPr>
-                        <a:t>indices.item</a:t>
-                      </a:r>
-                      <a:r>
-                        <a:rPr lang="en-US" sz="1400" b="0" i="0" u="none" strike="noStrike" dirty="0">
-                          <a:solidFill>
-                            <a:srgbClr val="000000"/>
-                          </a:solidFill>
-                          <a:effectLst/>
-                          <a:latin typeface="Courier New" panose="02070309020205020404" pitchFamily="49" charset="0"/>
-                        </a:rPr>
-                        <a:t>()</a:t>
-                      </a:r>
-                    </a:p>
-                    <a:p>
-                      <a:pPr algn="l"/>
-                      <a:br>
-                        <a:rPr lang="en-US" sz="1400" b="0" i="0" u="none" strike="noStrike" dirty="0">
-                          <a:solidFill>
-                            <a:srgbClr val="000000"/>
-                          </a:solidFill>
-                          <a:effectLst/>
-                          <a:latin typeface="Courier New" panose="02070309020205020404" pitchFamily="49" charset="0"/>
-                        </a:rPr>
-                      </a:br>
-                      <a:r>
-                        <a:rPr lang="en-US" sz="1400" b="0" i="0" u="none" strike="noStrike" dirty="0">
-                          <a:solidFill>
-                            <a:srgbClr val="000000"/>
-                          </a:solidFill>
-                          <a:effectLst/>
-                          <a:latin typeface="Courier New" panose="02070309020205020404" pitchFamily="49" charset="0"/>
-                        </a:rPr>
-                        <a:t>    </a:t>
-                      </a:r>
-                      <a:r>
-                        <a:rPr lang="en-US" sz="1400" b="0" i="0" u="none" strike="noStrike" dirty="0" err="1">
-                          <a:solidFill>
-                            <a:srgbClr val="000000"/>
-                          </a:solidFill>
-                          <a:effectLst/>
-                          <a:latin typeface="Courier New" panose="02070309020205020404" pitchFamily="49" charset="0"/>
-                        </a:rPr>
-                        <a:t>predicted_nationality</a:t>
-                      </a:r>
-                      <a:r>
-                        <a:rPr lang="en-US" sz="1400" b="0" i="0" u="none" strike="noStrike" dirty="0">
-                          <a:solidFill>
-                            <a:srgbClr val="000000"/>
-                          </a:solidFill>
-                          <a:effectLst/>
-                          <a:latin typeface="Courier New" panose="02070309020205020404" pitchFamily="49" charset="0"/>
-                        </a:rPr>
-                        <a:t> = </a:t>
-                      </a:r>
-                      <a:r>
-                        <a:rPr lang="en-US" sz="1400" b="0" i="0" u="none" strike="noStrike" dirty="0" err="1">
-                          <a:solidFill>
-                            <a:srgbClr val="000000"/>
-                          </a:solidFill>
-                          <a:effectLst/>
-                          <a:latin typeface="Courier New" panose="02070309020205020404" pitchFamily="49" charset="0"/>
-                        </a:rPr>
-                        <a:t>vectorizer.nationality_vocab.lookup_index</a:t>
-                      </a:r>
-                      <a:r>
-                        <a:rPr lang="en-US" sz="1400" b="0" i="0" u="none" strike="noStrike" dirty="0">
-                          <a:solidFill>
-                            <a:srgbClr val="000000"/>
-                          </a:solidFill>
-                          <a:effectLst/>
-                          <a:latin typeface="Courier New" panose="02070309020205020404" pitchFamily="49" charset="0"/>
-                        </a:rPr>
-                        <a:t>(index)</a:t>
-                      </a:r>
-                    </a:p>
-                    <a:p>
-                      <a:pPr algn="l"/>
-                      <a:r>
-                        <a:rPr lang="en-US" sz="1400" b="0" i="0" u="none" strike="noStrike" dirty="0">
-                          <a:solidFill>
-                            <a:srgbClr val="000000"/>
-                          </a:solidFill>
-                          <a:effectLst/>
-                          <a:latin typeface="Courier New" panose="02070309020205020404" pitchFamily="49" charset="0"/>
-                        </a:rPr>
-                        <a:t>    </a:t>
-                      </a:r>
-                      <a:r>
-                        <a:rPr lang="en-US" sz="1400" b="0" i="0" u="none" strike="noStrike" dirty="0" err="1">
-                          <a:solidFill>
-                            <a:srgbClr val="000000"/>
-                          </a:solidFill>
-                          <a:effectLst/>
-                          <a:latin typeface="Courier New" panose="02070309020205020404" pitchFamily="49" charset="0"/>
-                        </a:rPr>
-                        <a:t>probability_value</a:t>
-                      </a:r>
-                      <a:r>
-                        <a:rPr lang="en-US" sz="1400" b="0" i="0" u="none" strike="noStrike" dirty="0">
-                          <a:solidFill>
-                            <a:srgbClr val="000000"/>
-                          </a:solidFill>
-                          <a:effectLst/>
-                          <a:latin typeface="Courier New" panose="02070309020205020404" pitchFamily="49" charset="0"/>
-                        </a:rPr>
-                        <a:t> = </a:t>
-                      </a:r>
-                      <a:r>
-                        <a:rPr lang="en-US" sz="1400" b="0" i="0" u="none" strike="noStrike" dirty="0" err="1">
-                          <a:solidFill>
-                            <a:srgbClr val="000000"/>
-                          </a:solidFill>
-                          <a:effectLst/>
-                          <a:latin typeface="Courier New" panose="02070309020205020404" pitchFamily="49" charset="0"/>
-                        </a:rPr>
-                        <a:t>probability_values.item</a:t>
-                      </a:r>
-                      <a:r>
-                        <a:rPr lang="en-US" sz="1400" b="0" i="0" u="none" strike="noStrike" dirty="0">
-                          <a:solidFill>
-                            <a:srgbClr val="000000"/>
-                          </a:solidFill>
-                          <a:effectLst/>
-                          <a:latin typeface="Courier New" panose="02070309020205020404" pitchFamily="49" charset="0"/>
-                        </a:rPr>
-                        <a:t>()</a:t>
-                      </a:r>
-                    </a:p>
-                    <a:p>
-                      <a:pPr algn="l"/>
-                      <a:br>
-                        <a:rPr lang="en-US" sz="1400" b="0" i="0" u="none" strike="noStrike" dirty="0">
-                          <a:solidFill>
-                            <a:srgbClr val="000000"/>
-                          </a:solidFill>
-                          <a:effectLst/>
-                          <a:latin typeface="Courier New" panose="02070309020205020404" pitchFamily="49" charset="0"/>
-                        </a:rPr>
-                      </a:br>
-                      <a:r>
-                        <a:rPr lang="en-US" sz="1400" b="0" i="0" u="none" strike="noStrike" dirty="0">
-                          <a:solidFill>
-                            <a:srgbClr val="000000"/>
-                          </a:solidFill>
-                          <a:effectLst/>
-                          <a:latin typeface="Courier New" panose="02070309020205020404" pitchFamily="49" charset="0"/>
-                        </a:rPr>
-                        <a:t>    </a:t>
-                      </a:r>
-                      <a:r>
-                        <a:rPr lang="en-US" sz="1400" b="0" i="0" u="none" strike="noStrike" dirty="0">
-                          <a:solidFill>
-                            <a:srgbClr val="AF00DB"/>
-                          </a:solidFill>
-                          <a:effectLst/>
-                          <a:latin typeface="Courier New" panose="02070309020205020404" pitchFamily="49" charset="0"/>
-                        </a:rPr>
-                        <a:t>return</a:t>
-                      </a:r>
-                      <a:r>
-                        <a:rPr lang="en-US" sz="1400" b="0" i="0" u="none" strike="noStrike" dirty="0">
-                          <a:solidFill>
-                            <a:srgbClr val="000000"/>
-                          </a:solidFill>
-                          <a:effectLst/>
-                          <a:latin typeface="Courier New" panose="02070309020205020404" pitchFamily="49" charset="0"/>
-                        </a:rPr>
-                        <a:t> {</a:t>
-                      </a:r>
-                      <a:r>
-                        <a:rPr lang="en-US" sz="1400" b="0" i="0" u="none" strike="noStrike" dirty="0">
-                          <a:solidFill>
-                            <a:srgbClr val="A31515"/>
-                          </a:solidFill>
-                          <a:effectLst/>
-                          <a:latin typeface="Courier New" panose="02070309020205020404" pitchFamily="49" charset="0"/>
-                        </a:rPr>
-                        <a:t>'nationality'</a:t>
-                      </a:r>
-                      <a:r>
-                        <a:rPr lang="en-US" sz="1400" b="0" i="0" u="none" strike="noStrike" dirty="0">
-                          <a:solidFill>
-                            <a:srgbClr val="000000"/>
-                          </a:solidFill>
-                          <a:effectLst/>
-                          <a:latin typeface="Courier New" panose="02070309020205020404" pitchFamily="49" charset="0"/>
-                        </a:rPr>
-                        <a:t>: </a:t>
-                      </a:r>
-                      <a:r>
-                        <a:rPr lang="en-US" sz="1400" b="0" i="0" u="none" strike="noStrike" dirty="0" err="1">
-                          <a:solidFill>
-                            <a:srgbClr val="000000"/>
-                          </a:solidFill>
-                          <a:effectLst/>
-                          <a:latin typeface="Courier New" panose="02070309020205020404" pitchFamily="49" charset="0"/>
-                        </a:rPr>
-                        <a:t>predicted_nationality</a:t>
-                      </a:r>
-                      <a:r>
-                        <a:rPr lang="en-US" sz="1400" b="0" i="0" u="none" strike="noStrike" dirty="0">
-                          <a:solidFill>
-                            <a:srgbClr val="000000"/>
-                          </a:solidFill>
-                          <a:effectLst/>
-                          <a:latin typeface="Courier New" panose="02070309020205020404" pitchFamily="49" charset="0"/>
-                        </a:rPr>
-                        <a:t>, </a:t>
-                      </a:r>
-                    </a:p>
-                    <a:p>
-                      <a:pPr algn="l"/>
-                      <a:r>
-                        <a:rPr lang="en-US" sz="1400" b="0" i="0" u="none" strike="noStrike" dirty="0">
-                          <a:solidFill>
-                            <a:srgbClr val="000000"/>
-                          </a:solidFill>
-                          <a:effectLst/>
-                          <a:latin typeface="Courier New" panose="02070309020205020404" pitchFamily="49" charset="0"/>
-                        </a:rPr>
-                        <a:t>            </a:t>
-                      </a:r>
-                      <a:r>
-                        <a:rPr lang="en-US" sz="1400" b="0" i="0" u="none" strike="noStrike" dirty="0">
-                          <a:solidFill>
-                            <a:srgbClr val="A31515"/>
-                          </a:solidFill>
-                          <a:effectLst/>
-                          <a:latin typeface="Courier New" panose="02070309020205020404" pitchFamily="49" charset="0"/>
-                        </a:rPr>
-                        <a:t>'probability'</a:t>
-                      </a:r>
-                      <a:r>
-                        <a:rPr lang="en-US" sz="1400" b="0" i="0" u="none" strike="noStrike" dirty="0">
-                          <a:solidFill>
-                            <a:srgbClr val="000000"/>
-                          </a:solidFill>
-                          <a:effectLst/>
-                          <a:latin typeface="Courier New" panose="02070309020205020404" pitchFamily="49" charset="0"/>
-                        </a:rPr>
-                        <a:t>: </a:t>
-                      </a:r>
-                      <a:r>
-                        <a:rPr lang="en-US" sz="1400" b="0" i="0" u="none" strike="noStrike" dirty="0" err="1">
-                          <a:solidFill>
-                            <a:srgbClr val="000000"/>
-                          </a:solidFill>
-                          <a:effectLst/>
-                          <a:latin typeface="Courier New" panose="02070309020205020404" pitchFamily="49" charset="0"/>
-                        </a:rPr>
-                        <a:t>probability_value</a:t>
-                      </a:r>
-                      <a:r>
-                        <a:rPr lang="en-US" sz="1400" b="0" i="0" u="none" strike="noStrike" dirty="0">
-                          <a:solidFill>
-                            <a:srgbClr val="000000"/>
-                          </a:solidFill>
-                          <a:effectLst/>
-                          <a:latin typeface="Courier New" panose="02070309020205020404" pitchFamily="49" charset="0"/>
-                        </a:rPr>
-                        <a:t>}</a:t>
-                      </a:r>
-                    </a:p>
-                  </a:txBody>
-                  <a:tcPr>
-                    <a:lnL w="12700" cap="flat" cmpd="sng" algn="ctr">
-                      <a:solidFill>
-                        <a:schemeClr val="accent1"/>
-                      </a:solidFill>
-                      <a:prstDash val="solid"/>
-                      <a:round/>
-                      <a:headEnd type="none" w="med" len="med"/>
-                      <a:tailEnd type="none" w="med" len="med"/>
-                    </a:lnL>
-                    <a:lnR w="12700" cap="flat" cmpd="sng" algn="ctr">
-                      <a:solidFill>
-                        <a:schemeClr val="accent1"/>
-                      </a:solidFill>
-                      <a:prstDash val="solid"/>
-                      <a:round/>
-                      <a:headEnd type="none" w="med" len="med"/>
-                      <a:tailEnd type="none" w="med" len="med"/>
-                    </a:lnR>
-                    <a:lnT w="12700" cap="flat" cmpd="sng" algn="ctr">
-                      <a:solidFill>
-                        <a:schemeClr val="accent1"/>
-                      </a:solidFill>
-                      <a:prstDash val="solid"/>
-                      <a:round/>
-                      <a:headEnd type="none" w="med" len="med"/>
-                      <a:tailEnd type="none" w="med" len="med"/>
-                    </a:lnT>
-                    <a:lnB w="12700" cap="flat" cmpd="sng" algn="ctr">
-                      <a:solidFill>
-                        <a:schemeClr val="accent1"/>
-                      </a:solidFill>
-                      <a:prstDash val="solid"/>
-                      <a:round/>
-                      <a:headEnd type="none" w="med" len="med"/>
-                      <a:tailEnd type="none" w="med" len="med"/>
-                    </a:lnB>
-                    <a:solidFill>
-                      <a:schemeClr val="bg1">
-                        <a:lumMod val="95000"/>
-                      </a:schemeClr>
-                    </a:solidFill>
-                  </a:tcPr>
-                </a:tc>
-                <a:extLst>
-                  <a:ext uri="{0D108BD9-81ED-4DB2-BD59-A6C34878D82A}">
-                    <a16:rowId xmlns:a16="http://schemas.microsoft.com/office/drawing/2014/main" val="2014089395"/>
-                  </a:ext>
-                </a:extLst>
-              </a:tr>
-            </a:tbl>
-          </a:graphicData>
-        </a:graphic>
-      </p:graphicFrame>
-    </p:spTree>
-    <p:extLst>
-      <p:ext uri="{BB962C8B-B14F-4D97-AF65-F5344CB8AC3E}">
-        <p14:creationId xmlns:p14="http://schemas.microsoft.com/office/powerpoint/2010/main" val="1485600371"/>
       </p:ext>
     </p:extLst>
   </p:cSld>
@@ -18510,6 +18555,1053 @@
 </file>
 
 <file path=ppt/slides/slide20.xml><?xml version="1.0" encoding="utf-8"?>
+<p:sld xmlns:a="http://schemas.openxmlformats.org/drawingml/2006/main" xmlns:r="http://schemas.openxmlformats.org/officeDocument/2006/relationships" xmlns:p="http://schemas.openxmlformats.org/presentationml/2006/main">
+  <p:cSld>
+    <p:spTree>
+      <p:nvGrpSpPr>
+        <p:cNvPr id="1" name=""/>
+        <p:cNvGrpSpPr/>
+        <p:nvPr/>
+      </p:nvGrpSpPr>
+      <p:grpSpPr>
+        <a:xfrm>
+          <a:off x="0" y="0"/>
+          <a:ext cx="0" cy="0"/>
+          <a:chOff x="0" y="0"/>
+          <a:chExt cx="0" cy="0"/>
+        </a:xfrm>
+      </p:grpSpPr>
+      <p:sp>
+        <p:nvSpPr>
+          <p:cNvPr id="2" name="Title 1"/>
+          <p:cNvSpPr>
+            <a:spLocks noGrp="1"/>
+          </p:cNvSpPr>
+          <p:nvPr>
+            <p:ph type="title"/>
+          </p:nvPr>
+        </p:nvSpPr>
+        <p:spPr>
+          <a:xfrm>
+            <a:off x="-2631" y="0"/>
+            <a:ext cx="9144000" cy="500042"/>
+          </a:xfrm>
+        </p:spPr>
+        <p:txBody>
+          <a:bodyPr/>
+          <a:lstStyle/>
+          <a:p>
+            <a:r>
+              <a:rPr lang="en-US" dirty="0"/>
+              <a:t>Inference</a:t>
+            </a:r>
+          </a:p>
+        </p:txBody>
+      </p:sp>
+      <p:graphicFrame>
+        <p:nvGraphicFramePr>
+          <p:cNvPr id="16" name="Table 16">
+            <a:extLst>
+              <a:ext uri="{FF2B5EF4-FFF2-40B4-BE49-F238E27FC236}">
+                <a16:creationId xmlns:a16="http://schemas.microsoft.com/office/drawing/2014/main" id="{93F44A5E-B3CE-3BA0-3C48-A4083A6F3496}"/>
+              </a:ext>
+            </a:extLst>
+          </p:cNvPr>
+          <p:cNvGraphicFramePr>
+            <a:graphicFrameLocks noGrp="1"/>
+          </p:cNvGraphicFramePr>
+          <p:nvPr>
+            <p:extLst>
+              <p:ext uri="{D42A27DB-BD31-4B8C-83A1-F6EECF244321}">
+                <p14:modId xmlns:p14="http://schemas.microsoft.com/office/powerpoint/2010/main" val="1289736318"/>
+              </p:ext>
+            </p:extLst>
+          </p:nvPr>
+        </p:nvGraphicFramePr>
+        <p:xfrm>
+          <a:off x="179512" y="548680"/>
+          <a:ext cx="8640960" cy="4419600"/>
+        </p:xfrm>
+        <a:graphic>
+          <a:graphicData uri="http://schemas.openxmlformats.org/drawingml/2006/table">
+            <a:tbl>
+              <a:tblPr>
+                <a:tableStyleId>{5C22544A-7EE6-4342-B048-85BDC9FD1C3A}</a:tableStyleId>
+              </a:tblPr>
+              <a:tblGrid>
+                <a:gridCol w="8640960">
+                  <a:extLst>
+                    <a:ext uri="{9D8B030D-6E8A-4147-A177-3AD203B41FA5}">
+                      <a16:colId xmlns:a16="http://schemas.microsoft.com/office/drawing/2014/main" val="2706851558"/>
+                    </a:ext>
+                  </a:extLst>
+                </a:gridCol>
+              </a:tblGrid>
+              <a:tr h="202515">
+                <a:tc>
+                  <a:txBody>
+                    <a:bodyPr/>
+                    <a:lstStyle/>
+                    <a:p>
+                      <a:pPr marL="0" indent="0">
+                        <a:buNone/>
+                      </a:pPr>
+                      <a:r>
+                        <a:rPr lang="en-GB" sz="1600" b="0" i="0" kern="1200" dirty="0">
+                          <a:solidFill>
+                            <a:schemeClr val="dk1"/>
+                          </a:solidFill>
+                          <a:effectLst/>
+                          <a:latin typeface="+mn-lt"/>
+                          <a:ea typeface="+mn-ea"/>
+                          <a:cs typeface="Courier New" panose="02070309020205020404" pitchFamily="49" charset="0"/>
+                        </a:rPr>
+                        <a:t>Another method for evaluating the model is to do inference on new data and make qualitative judgments about whether the model is working.</a:t>
+                      </a:r>
+                    </a:p>
+                    <a:p>
+                      <a:pPr marL="0" marR="0" lvl="0" indent="0" algn="l" defTabSz="914400" rtl="0" eaLnBrk="1" fontAlgn="auto" latinLnBrk="0" hangingPunct="1">
+                        <a:lnSpc>
+                          <a:spcPct val="100000"/>
+                        </a:lnSpc>
+                        <a:spcBef>
+                          <a:spcPts val="0"/>
+                        </a:spcBef>
+                        <a:spcAft>
+                          <a:spcPts val="0"/>
+                        </a:spcAft>
+                        <a:buClrTx/>
+                        <a:buSzTx/>
+                        <a:buFontTx/>
+                        <a:buNone/>
+                        <a:tabLst/>
+                        <a:defRPr/>
+                      </a:pPr>
+                      <a:r>
+                        <a:rPr lang="en-GB" sz="1600" b="0" i="0" kern="1200" dirty="0">
+                          <a:solidFill>
+                            <a:schemeClr val="dk1"/>
+                          </a:solidFill>
+                          <a:effectLst/>
+                          <a:latin typeface="+mn-lt"/>
+                          <a:ea typeface="+mn-ea"/>
+                          <a:cs typeface="Courier New" panose="02070309020205020404" pitchFamily="49" charset="0"/>
+                        </a:rPr>
+                        <a:t>Given a surname as a string, the function will first apply the vectorization process and then get the model prediction. Notice that we include the </a:t>
+                      </a:r>
+                      <a:r>
+                        <a:rPr lang="en-GB" sz="1600" b="0" i="0" kern="1200" dirty="0" err="1">
+                          <a:solidFill>
+                            <a:schemeClr val="dk1"/>
+                          </a:solidFill>
+                          <a:effectLst/>
+                          <a:latin typeface="Courier New" panose="02070309020205020404" pitchFamily="49" charset="0"/>
+                          <a:ea typeface="+mn-ea"/>
+                          <a:cs typeface="Courier New" panose="02070309020205020404" pitchFamily="49" charset="0"/>
+                        </a:rPr>
+                        <a:t>apply_softmax</a:t>
+                      </a:r>
+                      <a:r>
+                        <a:rPr lang="en-GB" sz="1600" b="0" i="0" kern="1200" dirty="0">
+                          <a:solidFill>
+                            <a:schemeClr val="dk1"/>
+                          </a:solidFill>
+                          <a:effectLst/>
+                          <a:latin typeface="+mn-lt"/>
+                          <a:ea typeface="+mn-ea"/>
+                          <a:cs typeface="Courier New" panose="02070309020205020404" pitchFamily="49" charset="0"/>
+                        </a:rPr>
+                        <a:t> flag so that result contains probabilities. The model prediction, in the multinomial case, is the list of class probabilities. </a:t>
+                      </a:r>
+                      <a:r>
+                        <a:rPr lang="en-GB" sz="1600" b="0" i="0" kern="1200" dirty="0" err="1">
+                          <a:solidFill>
+                            <a:schemeClr val="dk1"/>
+                          </a:solidFill>
+                          <a:effectLst/>
+                          <a:latin typeface="+mn-lt"/>
+                          <a:ea typeface="+mn-ea"/>
+                          <a:cs typeface="Courier New" panose="02070309020205020404" pitchFamily="49" charset="0"/>
+                        </a:rPr>
+                        <a:t>PyTorch</a:t>
+                      </a:r>
+                      <a:r>
+                        <a:rPr lang="en-GB" sz="1600" b="0" i="0" kern="1200" dirty="0">
+                          <a:solidFill>
+                            <a:schemeClr val="dk1"/>
+                          </a:solidFill>
+                          <a:effectLst/>
+                          <a:latin typeface="+mn-lt"/>
+                          <a:ea typeface="+mn-ea"/>
+                          <a:cs typeface="Courier New" panose="02070309020205020404" pitchFamily="49" charset="0"/>
+                        </a:rPr>
+                        <a:t> tensor </a:t>
+                      </a:r>
+                      <a:r>
+                        <a:rPr lang="en-GB" sz="1600" b="0" i="0" kern="1200" dirty="0">
+                          <a:solidFill>
+                            <a:schemeClr val="dk1"/>
+                          </a:solidFill>
+                          <a:effectLst/>
+                          <a:latin typeface="Courier New" panose="02070309020205020404" pitchFamily="49" charset="0"/>
+                          <a:ea typeface="+mn-ea"/>
+                          <a:cs typeface="Courier New" panose="02070309020205020404" pitchFamily="49" charset="0"/>
+                        </a:rPr>
+                        <a:t>max()</a:t>
+                      </a:r>
+                      <a:r>
+                        <a:rPr lang="en-GB" sz="1600" b="0" i="0" kern="1200" dirty="0">
+                          <a:solidFill>
+                            <a:schemeClr val="dk1"/>
+                          </a:solidFill>
+                          <a:effectLst/>
+                          <a:latin typeface="+mn-lt"/>
+                          <a:ea typeface="+mn-ea"/>
+                          <a:cs typeface="Courier New" panose="02070309020205020404" pitchFamily="49" charset="0"/>
+                        </a:rPr>
+                        <a:t> function gets the best class, represented by the highest predicted probability.</a:t>
+                      </a:r>
+                    </a:p>
+                  </a:txBody>
+                  <a:tcPr>
+                    <a:lnL w="12700" cap="flat" cmpd="sng" algn="ctr">
+                      <a:noFill/>
+                      <a:prstDash val="solid"/>
+                      <a:round/>
+                      <a:headEnd type="none" w="med" len="med"/>
+                      <a:tailEnd type="none" w="med" len="med"/>
+                    </a:lnL>
+                    <a:lnR w="12700" cap="flat" cmpd="sng" algn="ctr">
+                      <a:noFill/>
+                      <a:prstDash val="solid"/>
+                      <a:round/>
+                      <a:headEnd type="none" w="med" len="med"/>
+                      <a:tailEnd type="none" w="med" len="med"/>
+                    </a:lnR>
+                    <a:lnT w="12700" cap="flat" cmpd="sng" algn="ctr">
+                      <a:noFill/>
+                      <a:prstDash val="solid"/>
+                      <a:round/>
+                      <a:headEnd type="none" w="med" len="med"/>
+                      <a:tailEnd type="none" w="med" len="med"/>
+                    </a:lnT>
+                    <a:lnB w="12700" cap="flat" cmpd="sng" algn="ctr">
+                      <a:solidFill>
+                        <a:schemeClr val="accent1"/>
+                      </a:solidFill>
+                      <a:prstDash val="solid"/>
+                      <a:round/>
+                      <a:headEnd type="none" w="med" len="med"/>
+                      <a:tailEnd type="none" w="med" len="med"/>
+                    </a:lnB>
+                    <a:lnTlToBr w="12700" cmpd="sng">
+                      <a:noFill/>
+                      <a:prstDash val="solid"/>
+                    </a:lnTlToBr>
+                    <a:lnBlToTr w="12700" cmpd="sng">
+                      <a:noFill/>
+                      <a:prstDash val="solid"/>
+                    </a:lnBlToTr>
+                    <a:noFill/>
+                  </a:tcPr>
+                </a:tc>
+                <a:extLst>
+                  <a:ext uri="{0D108BD9-81ED-4DB2-BD59-A6C34878D82A}">
+                    <a16:rowId xmlns:a16="http://schemas.microsoft.com/office/drawing/2014/main" val="533612861"/>
+                  </a:ext>
+                </a:extLst>
+              </a:tr>
+              <a:tr h="202515">
+                <a:tc>
+                  <a:txBody>
+                    <a:bodyPr/>
+                    <a:lstStyle/>
+                    <a:p>
+                      <a:pPr algn="l"/>
+                      <a:r>
+                        <a:rPr lang="en-US" sz="1400" b="0" i="0" u="none" strike="noStrike" dirty="0">
+                          <a:solidFill>
+                            <a:srgbClr val="0000FF"/>
+                          </a:solidFill>
+                          <a:effectLst/>
+                          <a:latin typeface="Courier New" panose="02070309020205020404" pitchFamily="49" charset="0"/>
+                        </a:rPr>
+                        <a:t>def</a:t>
+                      </a:r>
+                      <a:r>
+                        <a:rPr lang="en-US" sz="1400" b="0" i="0" u="none" strike="noStrike" dirty="0">
+                          <a:solidFill>
+                            <a:srgbClr val="000000"/>
+                          </a:solidFill>
+                          <a:effectLst/>
+                          <a:latin typeface="Courier New" panose="02070309020205020404" pitchFamily="49" charset="0"/>
+                        </a:rPr>
+                        <a:t> </a:t>
+                      </a:r>
+                      <a:r>
+                        <a:rPr lang="en-US" sz="1400" b="0" i="0" u="none" strike="noStrike" dirty="0" err="1">
+                          <a:solidFill>
+                            <a:srgbClr val="795E26"/>
+                          </a:solidFill>
+                          <a:effectLst/>
+                          <a:latin typeface="Courier New" panose="02070309020205020404" pitchFamily="49" charset="0"/>
+                        </a:rPr>
+                        <a:t>predict_nationality</a:t>
+                      </a:r>
+                      <a:r>
+                        <a:rPr lang="en-US" sz="1400" b="0" i="0" u="none" strike="noStrike" dirty="0">
+                          <a:solidFill>
+                            <a:srgbClr val="000000"/>
+                          </a:solidFill>
+                          <a:effectLst/>
+                          <a:latin typeface="Courier New" panose="02070309020205020404" pitchFamily="49" charset="0"/>
+                        </a:rPr>
+                        <a:t>(</a:t>
+                      </a:r>
+                      <a:r>
+                        <a:rPr lang="en-US" sz="1400" b="0" i="0" u="none" strike="noStrike" dirty="0">
+                          <a:solidFill>
+                            <a:srgbClr val="001080"/>
+                          </a:solidFill>
+                          <a:effectLst/>
+                          <a:latin typeface="Courier New" panose="02070309020205020404" pitchFamily="49" charset="0"/>
+                        </a:rPr>
+                        <a:t>surname</a:t>
+                      </a:r>
+                      <a:r>
+                        <a:rPr lang="en-US" sz="1400" b="0" i="0" u="none" strike="noStrike" dirty="0">
+                          <a:solidFill>
+                            <a:srgbClr val="000000"/>
+                          </a:solidFill>
+                          <a:effectLst/>
+                          <a:latin typeface="Courier New" panose="02070309020205020404" pitchFamily="49" charset="0"/>
+                        </a:rPr>
+                        <a:t>, </a:t>
+                      </a:r>
+                      <a:r>
+                        <a:rPr lang="en-US" sz="1400" b="0" i="0" u="none" strike="noStrike" dirty="0">
+                          <a:solidFill>
+                            <a:srgbClr val="001080"/>
+                          </a:solidFill>
+                          <a:effectLst/>
+                          <a:latin typeface="Courier New" panose="02070309020205020404" pitchFamily="49" charset="0"/>
+                        </a:rPr>
+                        <a:t>classifier</a:t>
+                      </a:r>
+                      <a:r>
+                        <a:rPr lang="en-US" sz="1400" b="0" i="0" u="none" strike="noStrike" dirty="0">
+                          <a:solidFill>
+                            <a:srgbClr val="000000"/>
+                          </a:solidFill>
+                          <a:effectLst/>
+                          <a:latin typeface="Courier New" panose="02070309020205020404" pitchFamily="49" charset="0"/>
+                        </a:rPr>
+                        <a:t>, </a:t>
+                      </a:r>
+                      <a:r>
+                        <a:rPr lang="en-US" sz="1400" b="0" i="0" u="none" strike="noStrike" dirty="0">
+                          <a:solidFill>
+                            <a:srgbClr val="001080"/>
+                          </a:solidFill>
+                          <a:effectLst/>
+                          <a:latin typeface="Courier New" panose="02070309020205020404" pitchFamily="49" charset="0"/>
+                        </a:rPr>
+                        <a:t>vectorizer</a:t>
+                      </a:r>
+                      <a:r>
+                        <a:rPr lang="en-US" sz="1400" b="0" i="0" u="none" strike="noStrike" dirty="0">
+                          <a:solidFill>
+                            <a:srgbClr val="000000"/>
+                          </a:solidFill>
+                          <a:effectLst/>
+                          <a:latin typeface="Courier New" panose="02070309020205020404" pitchFamily="49" charset="0"/>
+                        </a:rPr>
+                        <a:t>):</a:t>
+                      </a:r>
+                    </a:p>
+                    <a:p>
+                      <a:pPr algn="l"/>
+                      <a:r>
+                        <a:rPr lang="en-US" sz="1400" b="0" i="0" u="none" strike="noStrike" dirty="0">
+                          <a:solidFill>
+                            <a:srgbClr val="000000"/>
+                          </a:solidFill>
+                          <a:effectLst/>
+                          <a:latin typeface="Courier New" panose="02070309020205020404" pitchFamily="49" charset="0"/>
+                        </a:rPr>
+                        <a:t>    </a:t>
+                      </a:r>
+                      <a:r>
+                        <a:rPr lang="en-US" sz="1400" b="0" i="0" u="none" strike="noStrike" dirty="0" err="1">
+                          <a:solidFill>
+                            <a:srgbClr val="000000"/>
+                          </a:solidFill>
+                          <a:effectLst/>
+                          <a:latin typeface="Courier New" panose="02070309020205020404" pitchFamily="49" charset="0"/>
+                        </a:rPr>
+                        <a:t>vectorized_surname</a:t>
+                      </a:r>
+                      <a:r>
+                        <a:rPr lang="en-US" sz="1400" b="0" i="0" u="none" strike="noStrike" dirty="0">
+                          <a:solidFill>
+                            <a:srgbClr val="000000"/>
+                          </a:solidFill>
+                          <a:effectLst/>
+                          <a:latin typeface="Courier New" panose="02070309020205020404" pitchFamily="49" charset="0"/>
+                        </a:rPr>
+                        <a:t> = </a:t>
+                      </a:r>
+                      <a:r>
+                        <a:rPr lang="en-US" sz="1400" b="0" i="0" u="none" strike="noStrike" dirty="0" err="1">
+                          <a:solidFill>
+                            <a:srgbClr val="000000"/>
+                          </a:solidFill>
+                          <a:effectLst/>
+                          <a:latin typeface="Courier New" panose="02070309020205020404" pitchFamily="49" charset="0"/>
+                        </a:rPr>
+                        <a:t>vectorizer.vectorize</a:t>
+                      </a:r>
+                      <a:r>
+                        <a:rPr lang="en-US" sz="1400" b="0" i="0" u="none" strike="noStrike" dirty="0">
+                          <a:solidFill>
+                            <a:srgbClr val="000000"/>
+                          </a:solidFill>
+                          <a:effectLst/>
+                          <a:latin typeface="Courier New" panose="02070309020205020404" pitchFamily="49" charset="0"/>
+                        </a:rPr>
+                        <a:t>(surname)</a:t>
+                      </a:r>
+                    </a:p>
+                    <a:p>
+                      <a:pPr algn="l"/>
+                      <a:r>
+                        <a:rPr lang="en-US" sz="1400" b="0" i="0" u="none" strike="noStrike" dirty="0">
+                          <a:solidFill>
+                            <a:srgbClr val="000000"/>
+                          </a:solidFill>
+                          <a:effectLst/>
+                          <a:latin typeface="Courier New" panose="02070309020205020404" pitchFamily="49" charset="0"/>
+                        </a:rPr>
+                        <a:t>    </a:t>
+                      </a:r>
+                      <a:r>
+                        <a:rPr lang="en-US" sz="1400" b="0" i="0" u="none" strike="noStrike" dirty="0" err="1">
+                          <a:solidFill>
+                            <a:srgbClr val="000000"/>
+                          </a:solidFill>
+                          <a:effectLst/>
+                          <a:latin typeface="Courier New" panose="02070309020205020404" pitchFamily="49" charset="0"/>
+                        </a:rPr>
+                        <a:t>vectorized_surname</a:t>
+                      </a:r>
+                      <a:r>
+                        <a:rPr lang="en-US" sz="1400" b="0" i="0" u="none" strike="noStrike" dirty="0">
+                          <a:solidFill>
+                            <a:srgbClr val="000000"/>
+                          </a:solidFill>
+                          <a:effectLst/>
+                          <a:latin typeface="Courier New" panose="02070309020205020404" pitchFamily="49" charset="0"/>
+                        </a:rPr>
+                        <a:t> = </a:t>
+                      </a:r>
+                      <a:r>
+                        <a:rPr lang="en-US" sz="1400" b="0" i="0" u="none" strike="noStrike" dirty="0" err="1">
+                          <a:solidFill>
+                            <a:srgbClr val="000000"/>
+                          </a:solidFill>
+                          <a:effectLst/>
+                          <a:latin typeface="Courier New" panose="02070309020205020404" pitchFamily="49" charset="0"/>
+                        </a:rPr>
+                        <a:t>torch.tensor</a:t>
+                      </a:r>
+                      <a:r>
+                        <a:rPr lang="en-US" sz="1400" b="0" i="0" u="none" strike="noStrike" dirty="0">
+                          <a:solidFill>
+                            <a:srgbClr val="000000"/>
+                          </a:solidFill>
+                          <a:effectLst/>
+                          <a:latin typeface="Courier New" panose="02070309020205020404" pitchFamily="49" charset="0"/>
+                        </a:rPr>
+                        <a:t>(</a:t>
+                      </a:r>
+                      <a:r>
+                        <a:rPr lang="en-US" sz="1400" b="0" i="0" u="none" strike="noStrike" dirty="0" err="1">
+                          <a:solidFill>
+                            <a:srgbClr val="000000"/>
+                          </a:solidFill>
+                          <a:effectLst/>
+                          <a:latin typeface="Courier New" panose="02070309020205020404" pitchFamily="49" charset="0"/>
+                        </a:rPr>
+                        <a:t>vectorized_surname</a:t>
+                      </a:r>
+                      <a:r>
+                        <a:rPr lang="en-US" sz="1400" b="0" i="0" u="none" strike="noStrike" dirty="0">
+                          <a:solidFill>
+                            <a:srgbClr val="000000"/>
+                          </a:solidFill>
+                          <a:effectLst/>
+                          <a:latin typeface="Courier New" panose="02070309020205020404" pitchFamily="49" charset="0"/>
+                        </a:rPr>
+                        <a:t>).</a:t>
+                      </a:r>
+                      <a:r>
+                        <a:rPr lang="en-US" sz="1400" b="0" i="0" u="none" strike="noStrike" dirty="0" err="1">
+                          <a:solidFill>
+                            <a:srgbClr val="000000"/>
+                          </a:solidFill>
+                          <a:effectLst/>
+                          <a:latin typeface="Courier New" panose="02070309020205020404" pitchFamily="49" charset="0"/>
+                        </a:rPr>
+                        <a:t>unsqueeze</a:t>
+                      </a:r>
+                      <a:r>
+                        <a:rPr lang="en-US" sz="1400" b="0" i="0" u="none" strike="noStrike" dirty="0">
+                          <a:solidFill>
+                            <a:srgbClr val="000000"/>
+                          </a:solidFill>
+                          <a:effectLst/>
+                          <a:latin typeface="Courier New" panose="02070309020205020404" pitchFamily="49" charset="0"/>
+                        </a:rPr>
+                        <a:t>(</a:t>
+                      </a:r>
+                      <a:r>
+                        <a:rPr lang="en-US" sz="1400" b="0" i="0" u="none" strike="noStrike" dirty="0">
+                          <a:solidFill>
+                            <a:srgbClr val="09885A"/>
+                          </a:solidFill>
+                          <a:effectLst/>
+                          <a:latin typeface="Courier New" panose="02070309020205020404" pitchFamily="49" charset="0"/>
+                        </a:rPr>
+                        <a:t>0</a:t>
+                      </a:r>
+                      <a:r>
+                        <a:rPr lang="en-US" sz="1400" b="0" i="0" u="none" strike="noStrike" dirty="0">
+                          <a:solidFill>
+                            <a:srgbClr val="000000"/>
+                          </a:solidFill>
+                          <a:effectLst/>
+                          <a:latin typeface="Courier New" panose="02070309020205020404" pitchFamily="49" charset="0"/>
+                        </a:rPr>
+                        <a:t>)</a:t>
+                      </a:r>
+                    </a:p>
+                    <a:p>
+                      <a:pPr algn="l"/>
+                      <a:r>
+                        <a:rPr lang="en-US" sz="1400" b="0" i="0" u="none" strike="noStrike" dirty="0">
+                          <a:solidFill>
+                            <a:srgbClr val="000000"/>
+                          </a:solidFill>
+                          <a:effectLst/>
+                          <a:latin typeface="Courier New" panose="02070309020205020404" pitchFamily="49" charset="0"/>
+                        </a:rPr>
+                        <a:t>    result = classifier(</a:t>
+                      </a:r>
+                      <a:r>
+                        <a:rPr lang="en-US" sz="1400" b="0" i="0" u="none" strike="noStrike" dirty="0" err="1">
+                          <a:solidFill>
+                            <a:srgbClr val="000000"/>
+                          </a:solidFill>
+                          <a:effectLst/>
+                          <a:latin typeface="Courier New" panose="02070309020205020404" pitchFamily="49" charset="0"/>
+                        </a:rPr>
+                        <a:t>vectorized_surname</a:t>
+                      </a:r>
+                      <a:r>
+                        <a:rPr lang="en-US" sz="1400" b="0" i="0" u="none" strike="noStrike" dirty="0">
+                          <a:solidFill>
+                            <a:srgbClr val="000000"/>
+                          </a:solidFill>
+                          <a:effectLst/>
+                          <a:latin typeface="Courier New" panose="02070309020205020404" pitchFamily="49" charset="0"/>
+                        </a:rPr>
+                        <a:t>, </a:t>
+                      </a:r>
+                      <a:r>
+                        <a:rPr lang="en-US" sz="1400" b="0" i="0" u="none" strike="noStrike" dirty="0" err="1">
+                          <a:solidFill>
+                            <a:srgbClr val="000000"/>
+                          </a:solidFill>
+                          <a:effectLst/>
+                          <a:latin typeface="Courier New" panose="02070309020205020404" pitchFamily="49" charset="0"/>
+                        </a:rPr>
+                        <a:t>apply_softmax</a:t>
+                      </a:r>
+                      <a:r>
+                        <a:rPr lang="en-US" sz="1400" b="0" i="0" u="none" strike="noStrike" dirty="0">
+                          <a:solidFill>
+                            <a:srgbClr val="000000"/>
+                          </a:solidFill>
+                          <a:effectLst/>
+                          <a:latin typeface="Courier New" panose="02070309020205020404" pitchFamily="49" charset="0"/>
+                        </a:rPr>
+                        <a:t>=</a:t>
+                      </a:r>
+                      <a:r>
+                        <a:rPr lang="en-US" sz="1400" b="0" i="0" u="none" strike="noStrike" dirty="0">
+                          <a:solidFill>
+                            <a:srgbClr val="0000FF"/>
+                          </a:solidFill>
+                          <a:effectLst/>
+                          <a:latin typeface="Courier New" panose="02070309020205020404" pitchFamily="49" charset="0"/>
+                        </a:rPr>
+                        <a:t>True</a:t>
+                      </a:r>
+                      <a:r>
+                        <a:rPr lang="en-US" sz="1400" b="0" i="0" u="none" strike="noStrike" dirty="0">
+                          <a:solidFill>
+                            <a:srgbClr val="000000"/>
+                          </a:solidFill>
+                          <a:effectLst/>
+                          <a:latin typeface="Courier New" panose="02070309020205020404" pitchFamily="49" charset="0"/>
+                        </a:rPr>
+                        <a:t>)</a:t>
+                      </a:r>
+                    </a:p>
+                    <a:p>
+                      <a:pPr algn="l"/>
+                      <a:br>
+                        <a:rPr lang="en-US" sz="1400" b="0" i="0" u="none" strike="noStrike" dirty="0">
+                          <a:solidFill>
+                            <a:srgbClr val="000000"/>
+                          </a:solidFill>
+                          <a:effectLst/>
+                          <a:latin typeface="Courier New" panose="02070309020205020404" pitchFamily="49" charset="0"/>
+                        </a:rPr>
+                      </a:br>
+                      <a:r>
+                        <a:rPr lang="en-US" sz="1400" b="0" i="0" u="none" strike="noStrike" dirty="0">
+                          <a:solidFill>
+                            <a:srgbClr val="000000"/>
+                          </a:solidFill>
+                          <a:effectLst/>
+                          <a:latin typeface="Courier New" panose="02070309020205020404" pitchFamily="49" charset="0"/>
+                        </a:rPr>
+                        <a:t>    </a:t>
+                      </a:r>
+                      <a:r>
+                        <a:rPr lang="en-US" sz="1400" b="0" i="0" u="none" strike="noStrike" dirty="0" err="1">
+                          <a:solidFill>
+                            <a:srgbClr val="000000"/>
+                          </a:solidFill>
+                          <a:effectLst/>
+                          <a:latin typeface="Courier New" panose="02070309020205020404" pitchFamily="49" charset="0"/>
+                        </a:rPr>
+                        <a:t>probability_values</a:t>
+                      </a:r>
+                      <a:r>
+                        <a:rPr lang="en-US" sz="1400" b="0" i="0" u="none" strike="noStrike" dirty="0">
+                          <a:solidFill>
+                            <a:srgbClr val="000000"/>
+                          </a:solidFill>
+                          <a:effectLst/>
+                          <a:latin typeface="Courier New" panose="02070309020205020404" pitchFamily="49" charset="0"/>
+                        </a:rPr>
+                        <a:t>, indices = </a:t>
+                      </a:r>
+                      <a:r>
+                        <a:rPr lang="en-US" sz="1400" b="0" i="0" u="none" strike="noStrike" dirty="0" err="1">
+                          <a:solidFill>
+                            <a:srgbClr val="000000"/>
+                          </a:solidFill>
+                          <a:effectLst/>
+                          <a:latin typeface="Courier New" panose="02070309020205020404" pitchFamily="49" charset="0"/>
+                        </a:rPr>
+                        <a:t>result.</a:t>
+                      </a:r>
+                      <a:r>
+                        <a:rPr lang="en-US" sz="1400" b="0" i="0" u="none" strike="noStrike" dirty="0" err="1">
+                          <a:solidFill>
+                            <a:srgbClr val="795E26"/>
+                          </a:solidFill>
+                          <a:effectLst/>
+                          <a:latin typeface="Courier New" panose="02070309020205020404" pitchFamily="49" charset="0"/>
+                        </a:rPr>
+                        <a:t>max</a:t>
+                      </a:r>
+                      <a:r>
+                        <a:rPr lang="en-US" sz="1400" b="0" i="0" u="none" strike="noStrike" dirty="0">
+                          <a:solidFill>
+                            <a:srgbClr val="000000"/>
+                          </a:solidFill>
+                          <a:effectLst/>
+                          <a:latin typeface="Courier New" panose="02070309020205020404" pitchFamily="49" charset="0"/>
+                        </a:rPr>
+                        <a:t>(dim=</a:t>
+                      </a:r>
+                      <a:r>
+                        <a:rPr lang="en-US" sz="1400" b="0" i="0" u="none" strike="noStrike" dirty="0">
+                          <a:solidFill>
+                            <a:srgbClr val="09885A"/>
+                          </a:solidFill>
+                          <a:effectLst/>
+                          <a:latin typeface="Courier New" panose="02070309020205020404" pitchFamily="49" charset="0"/>
+                        </a:rPr>
+                        <a:t>1</a:t>
+                      </a:r>
+                      <a:r>
+                        <a:rPr lang="en-US" sz="1400" b="0" i="0" u="none" strike="noStrike" dirty="0">
+                          <a:solidFill>
+                            <a:srgbClr val="000000"/>
+                          </a:solidFill>
+                          <a:effectLst/>
+                          <a:latin typeface="Courier New" panose="02070309020205020404" pitchFamily="49" charset="0"/>
+                        </a:rPr>
+                        <a:t>)</a:t>
+                      </a:r>
+                    </a:p>
+                    <a:p>
+                      <a:pPr algn="l"/>
+                      <a:r>
+                        <a:rPr lang="en-US" sz="1400" b="0" i="0" u="none" strike="noStrike" dirty="0">
+                          <a:solidFill>
+                            <a:srgbClr val="000000"/>
+                          </a:solidFill>
+                          <a:effectLst/>
+                          <a:latin typeface="Courier New" panose="02070309020205020404" pitchFamily="49" charset="0"/>
+                        </a:rPr>
+                        <a:t>    index = </a:t>
+                      </a:r>
+                      <a:r>
+                        <a:rPr lang="en-US" sz="1400" b="0" i="0" u="none" strike="noStrike" dirty="0" err="1">
+                          <a:solidFill>
+                            <a:srgbClr val="000000"/>
+                          </a:solidFill>
+                          <a:effectLst/>
+                          <a:latin typeface="Courier New" panose="02070309020205020404" pitchFamily="49" charset="0"/>
+                        </a:rPr>
+                        <a:t>indices.item</a:t>
+                      </a:r>
+                      <a:r>
+                        <a:rPr lang="en-US" sz="1400" b="0" i="0" u="none" strike="noStrike" dirty="0">
+                          <a:solidFill>
+                            <a:srgbClr val="000000"/>
+                          </a:solidFill>
+                          <a:effectLst/>
+                          <a:latin typeface="Courier New" panose="02070309020205020404" pitchFamily="49" charset="0"/>
+                        </a:rPr>
+                        <a:t>()</a:t>
+                      </a:r>
+                    </a:p>
+                    <a:p>
+                      <a:pPr algn="l"/>
+                      <a:br>
+                        <a:rPr lang="en-US" sz="1400" b="0" i="0" u="none" strike="noStrike" dirty="0">
+                          <a:solidFill>
+                            <a:srgbClr val="000000"/>
+                          </a:solidFill>
+                          <a:effectLst/>
+                          <a:latin typeface="Courier New" panose="02070309020205020404" pitchFamily="49" charset="0"/>
+                        </a:rPr>
+                      </a:br>
+                      <a:r>
+                        <a:rPr lang="en-US" sz="1400" b="0" i="0" u="none" strike="noStrike" dirty="0">
+                          <a:solidFill>
+                            <a:srgbClr val="000000"/>
+                          </a:solidFill>
+                          <a:effectLst/>
+                          <a:latin typeface="Courier New" panose="02070309020205020404" pitchFamily="49" charset="0"/>
+                        </a:rPr>
+                        <a:t>    </a:t>
+                      </a:r>
+                      <a:r>
+                        <a:rPr lang="en-US" sz="1400" b="0" i="0" u="none" strike="noStrike" dirty="0" err="1">
+                          <a:solidFill>
+                            <a:srgbClr val="000000"/>
+                          </a:solidFill>
+                          <a:effectLst/>
+                          <a:latin typeface="Courier New" panose="02070309020205020404" pitchFamily="49" charset="0"/>
+                        </a:rPr>
+                        <a:t>predicted_nationality</a:t>
+                      </a:r>
+                      <a:r>
+                        <a:rPr lang="en-US" sz="1400" b="0" i="0" u="none" strike="noStrike" dirty="0">
+                          <a:solidFill>
+                            <a:srgbClr val="000000"/>
+                          </a:solidFill>
+                          <a:effectLst/>
+                          <a:latin typeface="Courier New" panose="02070309020205020404" pitchFamily="49" charset="0"/>
+                        </a:rPr>
+                        <a:t> = </a:t>
+                      </a:r>
+                      <a:r>
+                        <a:rPr lang="en-US" sz="1400" b="0" i="0" u="none" strike="noStrike" dirty="0" err="1">
+                          <a:solidFill>
+                            <a:srgbClr val="000000"/>
+                          </a:solidFill>
+                          <a:effectLst/>
+                          <a:latin typeface="Courier New" panose="02070309020205020404" pitchFamily="49" charset="0"/>
+                        </a:rPr>
+                        <a:t>vectorizer.nationality_vocab.lookup_index</a:t>
+                      </a:r>
+                      <a:r>
+                        <a:rPr lang="en-US" sz="1400" b="0" i="0" u="none" strike="noStrike" dirty="0">
+                          <a:solidFill>
+                            <a:srgbClr val="000000"/>
+                          </a:solidFill>
+                          <a:effectLst/>
+                          <a:latin typeface="Courier New" panose="02070309020205020404" pitchFamily="49" charset="0"/>
+                        </a:rPr>
+                        <a:t>(index)</a:t>
+                      </a:r>
+                    </a:p>
+                    <a:p>
+                      <a:pPr algn="l"/>
+                      <a:r>
+                        <a:rPr lang="en-US" sz="1400" b="0" i="0" u="none" strike="noStrike" dirty="0">
+                          <a:solidFill>
+                            <a:srgbClr val="000000"/>
+                          </a:solidFill>
+                          <a:effectLst/>
+                          <a:latin typeface="Courier New" panose="02070309020205020404" pitchFamily="49" charset="0"/>
+                        </a:rPr>
+                        <a:t>    </a:t>
+                      </a:r>
+                      <a:r>
+                        <a:rPr lang="en-US" sz="1400" b="0" i="0" u="none" strike="noStrike" dirty="0" err="1">
+                          <a:solidFill>
+                            <a:srgbClr val="000000"/>
+                          </a:solidFill>
+                          <a:effectLst/>
+                          <a:latin typeface="Courier New" panose="02070309020205020404" pitchFamily="49" charset="0"/>
+                        </a:rPr>
+                        <a:t>probability_value</a:t>
+                      </a:r>
+                      <a:r>
+                        <a:rPr lang="en-US" sz="1400" b="0" i="0" u="none" strike="noStrike" dirty="0">
+                          <a:solidFill>
+                            <a:srgbClr val="000000"/>
+                          </a:solidFill>
+                          <a:effectLst/>
+                          <a:latin typeface="Courier New" panose="02070309020205020404" pitchFamily="49" charset="0"/>
+                        </a:rPr>
+                        <a:t> = </a:t>
+                      </a:r>
+                      <a:r>
+                        <a:rPr lang="en-US" sz="1400" b="0" i="0" u="none" strike="noStrike" dirty="0" err="1">
+                          <a:solidFill>
+                            <a:srgbClr val="000000"/>
+                          </a:solidFill>
+                          <a:effectLst/>
+                          <a:latin typeface="Courier New" panose="02070309020205020404" pitchFamily="49" charset="0"/>
+                        </a:rPr>
+                        <a:t>probability_values.item</a:t>
+                      </a:r>
+                      <a:r>
+                        <a:rPr lang="en-US" sz="1400" b="0" i="0" u="none" strike="noStrike" dirty="0">
+                          <a:solidFill>
+                            <a:srgbClr val="000000"/>
+                          </a:solidFill>
+                          <a:effectLst/>
+                          <a:latin typeface="Courier New" panose="02070309020205020404" pitchFamily="49" charset="0"/>
+                        </a:rPr>
+                        <a:t>()</a:t>
+                      </a:r>
+                    </a:p>
+                    <a:p>
+                      <a:pPr algn="l"/>
+                      <a:br>
+                        <a:rPr lang="en-US" sz="1400" b="0" i="0" u="none" strike="noStrike" dirty="0">
+                          <a:solidFill>
+                            <a:srgbClr val="000000"/>
+                          </a:solidFill>
+                          <a:effectLst/>
+                          <a:latin typeface="Courier New" panose="02070309020205020404" pitchFamily="49" charset="0"/>
+                        </a:rPr>
+                      </a:br>
+                      <a:r>
+                        <a:rPr lang="en-US" sz="1400" b="0" i="0" u="none" strike="noStrike" dirty="0">
+                          <a:solidFill>
+                            <a:srgbClr val="000000"/>
+                          </a:solidFill>
+                          <a:effectLst/>
+                          <a:latin typeface="Courier New" panose="02070309020205020404" pitchFamily="49" charset="0"/>
+                        </a:rPr>
+                        <a:t>    </a:t>
+                      </a:r>
+                      <a:r>
+                        <a:rPr lang="en-US" sz="1400" b="0" i="0" u="none" strike="noStrike" dirty="0">
+                          <a:solidFill>
+                            <a:srgbClr val="AF00DB"/>
+                          </a:solidFill>
+                          <a:effectLst/>
+                          <a:latin typeface="Courier New" panose="02070309020205020404" pitchFamily="49" charset="0"/>
+                        </a:rPr>
+                        <a:t>return</a:t>
+                      </a:r>
+                      <a:r>
+                        <a:rPr lang="en-US" sz="1400" b="0" i="0" u="none" strike="noStrike" dirty="0">
+                          <a:solidFill>
+                            <a:srgbClr val="000000"/>
+                          </a:solidFill>
+                          <a:effectLst/>
+                          <a:latin typeface="Courier New" panose="02070309020205020404" pitchFamily="49" charset="0"/>
+                        </a:rPr>
+                        <a:t> {</a:t>
+                      </a:r>
+                      <a:r>
+                        <a:rPr lang="en-US" sz="1400" b="0" i="0" u="none" strike="noStrike" dirty="0">
+                          <a:solidFill>
+                            <a:srgbClr val="A31515"/>
+                          </a:solidFill>
+                          <a:effectLst/>
+                          <a:latin typeface="Courier New" panose="02070309020205020404" pitchFamily="49" charset="0"/>
+                        </a:rPr>
+                        <a:t>'nationality'</a:t>
+                      </a:r>
+                      <a:r>
+                        <a:rPr lang="en-US" sz="1400" b="0" i="0" u="none" strike="noStrike" dirty="0">
+                          <a:solidFill>
+                            <a:srgbClr val="000000"/>
+                          </a:solidFill>
+                          <a:effectLst/>
+                          <a:latin typeface="Courier New" panose="02070309020205020404" pitchFamily="49" charset="0"/>
+                        </a:rPr>
+                        <a:t>: </a:t>
+                      </a:r>
+                      <a:r>
+                        <a:rPr lang="en-US" sz="1400" b="0" i="0" u="none" strike="noStrike" dirty="0" err="1">
+                          <a:solidFill>
+                            <a:srgbClr val="000000"/>
+                          </a:solidFill>
+                          <a:effectLst/>
+                          <a:latin typeface="Courier New" panose="02070309020205020404" pitchFamily="49" charset="0"/>
+                        </a:rPr>
+                        <a:t>predicted_nationality</a:t>
+                      </a:r>
+                      <a:r>
+                        <a:rPr lang="en-US" sz="1400" b="0" i="0" u="none" strike="noStrike" dirty="0">
+                          <a:solidFill>
+                            <a:srgbClr val="000000"/>
+                          </a:solidFill>
+                          <a:effectLst/>
+                          <a:latin typeface="Courier New" panose="02070309020205020404" pitchFamily="49" charset="0"/>
+                        </a:rPr>
+                        <a:t>, </a:t>
+                      </a:r>
+                    </a:p>
+                    <a:p>
+                      <a:pPr algn="l"/>
+                      <a:r>
+                        <a:rPr lang="en-US" sz="1400" b="0" i="0" u="none" strike="noStrike" dirty="0">
+                          <a:solidFill>
+                            <a:srgbClr val="000000"/>
+                          </a:solidFill>
+                          <a:effectLst/>
+                          <a:latin typeface="Courier New" panose="02070309020205020404" pitchFamily="49" charset="0"/>
+                        </a:rPr>
+                        <a:t>            </a:t>
+                      </a:r>
+                      <a:r>
+                        <a:rPr lang="en-US" sz="1400" b="0" i="0" u="none" strike="noStrike" dirty="0">
+                          <a:solidFill>
+                            <a:srgbClr val="A31515"/>
+                          </a:solidFill>
+                          <a:effectLst/>
+                          <a:latin typeface="Courier New" panose="02070309020205020404" pitchFamily="49" charset="0"/>
+                        </a:rPr>
+                        <a:t>'probability'</a:t>
+                      </a:r>
+                      <a:r>
+                        <a:rPr lang="en-US" sz="1400" b="0" i="0" u="none" strike="noStrike" dirty="0">
+                          <a:solidFill>
+                            <a:srgbClr val="000000"/>
+                          </a:solidFill>
+                          <a:effectLst/>
+                          <a:latin typeface="Courier New" panose="02070309020205020404" pitchFamily="49" charset="0"/>
+                        </a:rPr>
+                        <a:t>: </a:t>
+                      </a:r>
+                      <a:r>
+                        <a:rPr lang="en-US" sz="1400" b="0" i="0" u="none" strike="noStrike" dirty="0" err="1">
+                          <a:solidFill>
+                            <a:srgbClr val="000000"/>
+                          </a:solidFill>
+                          <a:effectLst/>
+                          <a:latin typeface="Courier New" panose="02070309020205020404" pitchFamily="49" charset="0"/>
+                        </a:rPr>
+                        <a:t>probability_value</a:t>
+                      </a:r>
+                      <a:r>
+                        <a:rPr lang="en-US" sz="1400" b="0" i="0" u="none" strike="noStrike" dirty="0">
+                          <a:solidFill>
+                            <a:srgbClr val="000000"/>
+                          </a:solidFill>
+                          <a:effectLst/>
+                          <a:latin typeface="Courier New" panose="02070309020205020404" pitchFamily="49" charset="0"/>
+                        </a:rPr>
+                        <a:t>}</a:t>
+                      </a:r>
+                    </a:p>
+                  </a:txBody>
+                  <a:tcPr>
+                    <a:lnL w="12700" cap="flat" cmpd="sng" algn="ctr">
+                      <a:solidFill>
+                        <a:schemeClr val="accent1"/>
+                      </a:solidFill>
+                      <a:prstDash val="solid"/>
+                      <a:round/>
+                      <a:headEnd type="none" w="med" len="med"/>
+                      <a:tailEnd type="none" w="med" len="med"/>
+                    </a:lnL>
+                    <a:lnR w="12700" cap="flat" cmpd="sng" algn="ctr">
+                      <a:solidFill>
+                        <a:schemeClr val="accent1"/>
+                      </a:solidFill>
+                      <a:prstDash val="solid"/>
+                      <a:round/>
+                      <a:headEnd type="none" w="med" len="med"/>
+                      <a:tailEnd type="none" w="med" len="med"/>
+                    </a:lnR>
+                    <a:lnT w="12700" cap="flat" cmpd="sng" algn="ctr">
+                      <a:solidFill>
+                        <a:schemeClr val="accent1"/>
+                      </a:solidFill>
+                      <a:prstDash val="solid"/>
+                      <a:round/>
+                      <a:headEnd type="none" w="med" len="med"/>
+                      <a:tailEnd type="none" w="med" len="med"/>
+                    </a:lnT>
+                    <a:lnB w="12700" cap="flat" cmpd="sng" algn="ctr">
+                      <a:solidFill>
+                        <a:schemeClr val="accent1"/>
+                      </a:solidFill>
+                      <a:prstDash val="solid"/>
+                      <a:round/>
+                      <a:headEnd type="none" w="med" len="med"/>
+                      <a:tailEnd type="none" w="med" len="med"/>
+                    </a:lnB>
+                    <a:solidFill>
+                      <a:schemeClr val="bg1">
+                        <a:lumMod val="95000"/>
+                      </a:schemeClr>
+                    </a:solidFill>
+                  </a:tcPr>
+                </a:tc>
+                <a:extLst>
+                  <a:ext uri="{0D108BD9-81ED-4DB2-BD59-A6C34878D82A}">
+                    <a16:rowId xmlns:a16="http://schemas.microsoft.com/office/drawing/2014/main" val="2014089395"/>
+                  </a:ext>
+                </a:extLst>
+              </a:tr>
+            </a:tbl>
+          </a:graphicData>
+        </a:graphic>
+      </p:graphicFrame>
+    </p:spTree>
+    <p:extLst>
+      <p:ext uri="{BB962C8B-B14F-4D97-AF65-F5344CB8AC3E}">
+        <p14:creationId xmlns:p14="http://schemas.microsoft.com/office/powerpoint/2010/main" val="1485600371"/>
+      </p:ext>
+    </p:extLst>
+  </p:cSld>
+  <p:clrMapOvr>
+    <a:masterClrMapping/>
+  </p:clrMapOvr>
+</p:sld>
+</file>
+
+<file path=ppt/slides/slide21.xml><?xml version="1.0" encoding="utf-8"?>
 <p:sld xmlns:a="http://schemas.openxmlformats.org/drawingml/2006/main" xmlns:r="http://schemas.openxmlformats.org/officeDocument/2006/relationships" xmlns:p="http://schemas.openxmlformats.org/presentationml/2006/main">
   <p:cSld>
     <p:spTree>
@@ -27708,14 +28800,14 @@
           <p:nvPr>
             <p:extLst>
               <p:ext uri="{D42A27DB-BD31-4B8C-83A1-F6EECF244321}">
-                <p14:modId xmlns:p14="http://schemas.microsoft.com/office/powerpoint/2010/main" val="3314117732"/>
+                <p14:modId xmlns:p14="http://schemas.microsoft.com/office/powerpoint/2010/main" val="1706977817"/>
               </p:ext>
             </p:extLst>
           </p:nvPr>
         </p:nvGraphicFramePr>
         <p:xfrm>
           <a:off x="179512" y="548680"/>
-          <a:ext cx="8640960" cy="6096000"/>
+          <a:ext cx="8640960" cy="5852160"/>
         </p:xfrm>
         <a:graphic>
           <a:graphicData uri="http://schemas.openxmlformats.org/drawingml/2006/table">
@@ -27756,20 +28848,19 @@
                         <a:defRPr/>
                       </a:pPr>
                       <a:r>
-                        <a:rPr lang="en-US" sz="2000" b="0" noProof="0" dirty="0" err="1"/>
-                        <a:t>SurnameClassifier</a:t>
-                      </a:r>
-                      <a:r>
                         <a:rPr lang="en-US" sz="2000" b="0" noProof="0" dirty="0"/>
-                        <a:t> is an implementation of MLP. The first Linear layer maps the input vectors to an intermediate vector, and a nonlinearity is applied to that vector. A second Linear layer maps the intermediate vector to the prediction vector. In the last step, the </a:t>
-                      </a:r>
-                      <a:r>
-                        <a:rPr lang="en-US" sz="2000" b="0" noProof="0" dirty="0" err="1"/>
-                        <a:t>softmax</a:t>
+                        <a:t>The number of channels for each of the convolutions is tied with the </a:t>
+                      </a:r>
+                      <a:r>
+                        <a:rPr lang="en-US" sz="2000" b="0" noProof="0" dirty="0" err="1">
+                          <a:latin typeface="Courier New" panose="02070309020205020404" pitchFamily="49" charset="0"/>
+                          <a:cs typeface="Courier New" panose="02070309020205020404" pitchFamily="49" charset="0"/>
+                        </a:rPr>
+                        <a:t>num_channels</a:t>
                       </a:r>
                       <a:r>
                         <a:rPr lang="en-US" sz="2000" b="0" noProof="0" dirty="0"/>
-                        <a:t> function is optionally applied to make sure the outputs sum to 1; that is, are interpreted as "probabilities."</a:t>
+                        <a:t> hyperparameter. 256 was large enough for the model to achieve a reasonable performance.</a:t>
                       </a:r>
                     </a:p>
                   </a:txBody>
@@ -27829,7 +28920,7 @@
                     <a:p>
                       <a:pPr algn="l"/>
                       <a:r>
-                        <a:rPr lang="en-US" b="0" i="0" u="none" strike="noStrike" dirty="0">
+                        <a:rPr lang="en-GB" sz="1200" b="0" i="0" u="none" strike="noStrike" dirty="0">
                           <a:solidFill>
                             <a:srgbClr val="0000FF"/>
                           </a:solidFill>
@@ -27839,7 +28930,7 @@
                         <a:t>class</a:t>
                       </a:r>
                       <a:r>
-                        <a:rPr lang="en-US" b="0" i="0" u="none" strike="noStrike" dirty="0">
+                        <a:rPr lang="en-GB" sz="1200" b="0" i="0" u="none" strike="noStrike" dirty="0">
                           <a:solidFill>
                             <a:srgbClr val="000000"/>
                           </a:solidFill>
@@ -27849,7 +28940,7 @@
                         <a:t> </a:t>
                       </a:r>
                       <a:r>
-                        <a:rPr lang="en-US" b="0" i="0" u="none" strike="noStrike" dirty="0" err="1">
+                        <a:rPr lang="en-GB" sz="1200" b="0" i="0" u="none" strike="noStrike" dirty="0" err="1">
                           <a:solidFill>
                             <a:srgbClr val="267F99"/>
                           </a:solidFill>
@@ -27859,7 +28950,7 @@
                         <a:t>SurnameClassifier</a:t>
                       </a:r>
                       <a:r>
-                        <a:rPr lang="en-US" b="0" i="0" u="none" strike="noStrike" dirty="0">
+                        <a:rPr lang="en-GB" sz="1200" b="0" i="0" u="none" strike="noStrike" dirty="0">
                           <a:solidFill>
                             <a:srgbClr val="000000"/>
                           </a:solidFill>
@@ -27869,7 +28960,7 @@
                         <a:t>(</a:t>
                       </a:r>
                       <a:r>
-                        <a:rPr lang="en-US" b="0" i="0" u="none" strike="noStrike" dirty="0" err="1">
+                        <a:rPr lang="en-GB" sz="1200" b="0" i="0" u="none" strike="noStrike" dirty="0" err="1">
                           <a:solidFill>
                             <a:srgbClr val="267F99"/>
                           </a:solidFill>
@@ -27879,7 +28970,7 @@
                         <a:t>nn</a:t>
                       </a:r>
                       <a:r>
-                        <a:rPr lang="en-US" b="0" i="0" u="none" strike="noStrike" dirty="0" err="1">
+                        <a:rPr lang="en-GB" sz="1200" b="0" i="0" u="none" strike="noStrike" dirty="0" err="1">
                           <a:solidFill>
                             <a:srgbClr val="000000"/>
                           </a:solidFill>
@@ -27889,7 +28980,7 @@
                         <a:t>.</a:t>
                       </a:r>
                       <a:r>
-                        <a:rPr lang="en-US" b="0" i="0" u="none" strike="noStrike" dirty="0" err="1">
+                        <a:rPr lang="en-GB" sz="1200" b="0" i="0" u="none" strike="noStrike" dirty="0" err="1">
                           <a:solidFill>
                             <a:srgbClr val="267F99"/>
                           </a:solidFill>
@@ -27899,7 +28990,7 @@
                         <a:t>Module</a:t>
                       </a:r>
                       <a:r>
-                        <a:rPr lang="en-US" b="0" i="0" u="none" strike="noStrike" dirty="0">
+                        <a:rPr lang="en-GB" sz="1200" b="0" i="0" u="none" strike="noStrike" dirty="0">
                           <a:solidFill>
                             <a:srgbClr val="000000"/>
                           </a:solidFill>
@@ -27912,7 +29003,7 @@
                     <a:p>
                       <a:pPr algn="l"/>
                       <a:br>
-                        <a:rPr lang="en-US" b="0" i="0" u="none" strike="noStrike" dirty="0">
+                        <a:rPr lang="en-GB" sz="1200" b="0" i="0" u="none" strike="noStrike" dirty="0">
                           <a:solidFill>
                             <a:srgbClr val="000000"/>
                           </a:solidFill>
@@ -27921,7 +29012,7 @@
                         </a:rPr>
                       </a:br>
                       <a:r>
-                        <a:rPr lang="en-US" b="0" i="0" u="none" strike="noStrike" dirty="0">
+                        <a:rPr lang="en-GB" sz="1200" b="0" i="0" u="none" strike="noStrike" dirty="0">
                           <a:solidFill>
                             <a:srgbClr val="000000"/>
                           </a:solidFill>
@@ -27931,7 +29022,7 @@
                         <a:t>    </a:t>
                       </a:r>
                       <a:r>
-                        <a:rPr lang="en-US" b="0" i="0" u="none" strike="noStrike" dirty="0">
+                        <a:rPr lang="en-GB" sz="1200" b="0" i="0" u="none" strike="noStrike" dirty="0">
                           <a:solidFill>
                             <a:srgbClr val="0000FF"/>
                           </a:solidFill>
@@ -27941,7 +29032,7 @@
                         <a:t>def</a:t>
                       </a:r>
                       <a:r>
-                        <a:rPr lang="en-US" b="0" i="0" u="none" strike="noStrike" dirty="0">
+                        <a:rPr lang="en-GB" sz="1200" b="0" i="0" u="none" strike="noStrike" dirty="0">
                           <a:solidFill>
                             <a:srgbClr val="000000"/>
                           </a:solidFill>
@@ -27951,7 +29042,7 @@
                         <a:t> </a:t>
                       </a:r>
                       <a:r>
-                        <a:rPr lang="en-US" b="0" i="0" u="none" strike="noStrike" dirty="0">
+                        <a:rPr lang="en-GB" sz="1200" b="0" i="0" u="none" strike="noStrike" dirty="0">
                           <a:solidFill>
                             <a:srgbClr val="795E26"/>
                           </a:solidFill>
@@ -27961,7 +29052,7 @@
                         <a:t>__</a:t>
                       </a:r>
                       <a:r>
-                        <a:rPr lang="en-US" b="0" i="0" u="none" strike="noStrike" dirty="0" err="1">
+                        <a:rPr lang="en-GB" sz="1200" b="0" i="0" u="none" strike="noStrike" dirty="0" err="1">
                           <a:solidFill>
                             <a:srgbClr val="795E26"/>
                           </a:solidFill>
@@ -27971,7 +29062,7 @@
                         <a:t>init</a:t>
                       </a:r>
                       <a:r>
-                        <a:rPr lang="en-US" b="0" i="0" u="none" strike="noStrike" dirty="0">
+                        <a:rPr lang="en-GB" sz="1200" b="0" i="0" u="none" strike="noStrike" dirty="0">
                           <a:solidFill>
                             <a:srgbClr val="795E26"/>
                           </a:solidFill>
@@ -27981,7 +29072,7 @@
                         <a:t>__</a:t>
                       </a:r>
                       <a:r>
-                        <a:rPr lang="en-US" b="0" i="0" u="none" strike="noStrike" dirty="0">
+                        <a:rPr lang="en-GB" sz="1200" b="0" i="0" u="none" strike="noStrike" dirty="0">
                           <a:solidFill>
                             <a:srgbClr val="000000"/>
                           </a:solidFill>
@@ -27991,7 +29082,7 @@
                         <a:t>(</a:t>
                       </a:r>
                       <a:r>
-                        <a:rPr lang="en-US" b="0" i="0" u="none" strike="noStrike" dirty="0">
+                        <a:rPr lang="en-GB" sz="1200" b="0" i="0" u="none" strike="noStrike" dirty="0">
                           <a:solidFill>
                             <a:srgbClr val="001080"/>
                           </a:solidFill>
@@ -28001,7 +29092,7 @@
                         <a:t>self</a:t>
                       </a:r>
                       <a:r>
-                        <a:rPr lang="en-US" b="0" i="0" u="none" strike="noStrike" dirty="0">
+                        <a:rPr lang="en-GB" sz="1200" b="0" i="0" u="none" strike="noStrike" dirty="0">
                           <a:solidFill>
                             <a:srgbClr val="000000"/>
                           </a:solidFill>
@@ -28011,17 +29102,17 @@
                         <a:t>, </a:t>
                       </a:r>
                       <a:r>
-                        <a:rPr lang="en-US" b="0" i="0" u="none" strike="noStrike" dirty="0" err="1">
+                        <a:rPr lang="en-GB" sz="1200" b="0" i="0" u="none" strike="noStrike" dirty="0" err="1">
                           <a:solidFill>
                             <a:srgbClr val="001080"/>
                           </a:solidFill>
                           <a:effectLst/>
                           <a:latin typeface="Courier New" panose="02070309020205020404" pitchFamily="49" charset="0"/>
                         </a:rPr>
-                        <a:t>input_dim</a:t>
-                      </a:r>
-                      <a:r>
-                        <a:rPr lang="en-US" b="0" i="0" u="none" strike="noStrike" dirty="0">
+                        <a:t>initial_num_channels</a:t>
+                      </a:r>
+                      <a:r>
+                        <a:rPr lang="en-GB" sz="1200" b="0" i="0" u="none" strike="noStrike" dirty="0">
                           <a:solidFill>
                             <a:srgbClr val="000000"/>
                           </a:solidFill>
@@ -28031,17 +29122,17 @@
                         <a:t>, </a:t>
                       </a:r>
                       <a:r>
-                        <a:rPr lang="en-US" b="0" i="0" u="none" strike="noStrike" dirty="0" err="1">
+                        <a:rPr lang="en-GB" sz="1200" b="0" i="0" u="none" strike="noStrike" dirty="0" err="1">
                           <a:solidFill>
                             <a:srgbClr val="001080"/>
                           </a:solidFill>
                           <a:effectLst/>
                           <a:latin typeface="Courier New" panose="02070309020205020404" pitchFamily="49" charset="0"/>
                         </a:rPr>
-                        <a:t>hidden_dim</a:t>
-                      </a:r>
-                      <a:r>
-                        <a:rPr lang="en-US" b="0" i="0" u="none" strike="noStrike" dirty="0">
+                        <a:t>num_classes</a:t>
+                      </a:r>
+                      <a:r>
+                        <a:rPr lang="en-GB" sz="1200" b="0" i="0" u="none" strike="noStrike" dirty="0">
                           <a:solidFill>
                             <a:srgbClr val="000000"/>
                           </a:solidFill>
@@ -28051,17 +29142,17 @@
                         <a:t>, </a:t>
                       </a:r>
                       <a:r>
-                        <a:rPr lang="en-US" b="0" i="0" u="none" strike="noStrike" dirty="0" err="1">
+                        <a:rPr lang="en-GB" sz="1200" b="0" i="0" u="none" strike="noStrike" dirty="0" err="1">
                           <a:solidFill>
                             <a:srgbClr val="001080"/>
                           </a:solidFill>
                           <a:effectLst/>
                           <a:latin typeface="Courier New" panose="02070309020205020404" pitchFamily="49" charset="0"/>
                         </a:rPr>
-                        <a:t>output_dim</a:t>
-                      </a:r>
-                      <a:r>
-                        <a:rPr lang="en-US" b="0" i="0" u="none" strike="noStrike" dirty="0">
+                        <a:t>num_channels</a:t>
+                      </a:r>
+                      <a:r>
+                        <a:rPr lang="en-GB" sz="1200" b="0" i="0" u="none" strike="noStrike" dirty="0">
                           <a:solidFill>
                             <a:srgbClr val="000000"/>
                           </a:solidFill>
@@ -28074,7 +29165,7 @@
                     <a:p>
                       <a:pPr algn="l"/>
                       <a:r>
-                        <a:rPr lang="en-US" b="0" i="0" u="none" strike="noStrike" dirty="0">
+                        <a:rPr lang="en-GB" sz="1200" b="0" i="0" u="none" strike="noStrike" dirty="0">
                           <a:solidFill>
                             <a:srgbClr val="000000"/>
                           </a:solidFill>
@@ -28084,7 +29175,7 @@
                         <a:t>        super(</a:t>
                       </a:r>
                       <a:r>
-                        <a:rPr lang="en-US" b="0" i="0" u="none" strike="noStrike" dirty="0" err="1">
+                        <a:rPr lang="en-GB" sz="1200" b="0" i="0" u="none" strike="noStrike" dirty="0" err="1">
                           <a:solidFill>
                             <a:srgbClr val="000000"/>
                           </a:solidFill>
@@ -28094,7 +29185,7 @@
                         <a:t>SurnameClassifier</a:t>
                       </a:r>
                       <a:r>
-                        <a:rPr lang="en-US" b="0" i="0" u="none" strike="noStrike" dirty="0">
+                        <a:rPr lang="en-GB" sz="1200" b="0" i="0" u="none" strike="noStrike" dirty="0">
                           <a:solidFill>
                             <a:srgbClr val="000000"/>
                           </a:solidFill>
@@ -28104,7 +29195,7 @@
                         <a:t>, </a:t>
                       </a:r>
                       <a:r>
-                        <a:rPr lang="en-US" b="0" i="0" u="none" strike="noStrike" dirty="0">
+                        <a:rPr lang="en-GB" sz="1200" b="0" i="0" u="none" strike="noStrike" dirty="0">
                           <a:solidFill>
                             <a:srgbClr val="001080"/>
                           </a:solidFill>
@@ -28114,7 +29205,7 @@
                         <a:t>self</a:t>
                       </a:r>
                       <a:r>
-                        <a:rPr lang="en-US" b="0" i="0" u="none" strike="noStrike" dirty="0">
+                        <a:rPr lang="en-GB" sz="1200" b="0" i="0" u="none" strike="noStrike" dirty="0">
                           <a:solidFill>
                             <a:srgbClr val="000000"/>
                           </a:solidFill>
@@ -28124,7 +29215,7 @@
                         <a:t>).</a:t>
                       </a:r>
                       <a:r>
-                        <a:rPr lang="en-US" b="0" i="0" u="none" strike="noStrike" dirty="0">
+                        <a:rPr lang="en-GB" sz="1200" b="0" i="0" u="none" strike="noStrike" dirty="0">
                           <a:solidFill>
                             <a:srgbClr val="795E26"/>
                           </a:solidFill>
@@ -28134,7 +29225,7 @@
                         <a:t>__</a:t>
                       </a:r>
                       <a:r>
-                        <a:rPr lang="en-US" b="0" i="0" u="none" strike="noStrike" dirty="0" err="1">
+                        <a:rPr lang="en-GB" sz="1200" b="0" i="0" u="none" strike="noStrike" dirty="0" err="1">
                           <a:solidFill>
                             <a:srgbClr val="795E26"/>
                           </a:solidFill>
@@ -28144,7 +29235,7 @@
                         <a:t>init</a:t>
                       </a:r>
                       <a:r>
-                        <a:rPr lang="en-US" b="0" i="0" u="none" strike="noStrike" dirty="0">
+                        <a:rPr lang="en-GB" sz="1200" b="0" i="0" u="none" strike="noStrike" dirty="0">
                           <a:solidFill>
                             <a:srgbClr val="795E26"/>
                           </a:solidFill>
@@ -28154,7 +29245,7 @@
                         <a:t>__</a:t>
                       </a:r>
                       <a:r>
-                        <a:rPr lang="en-US" b="0" i="0" u="none" strike="noStrike" dirty="0">
+                        <a:rPr lang="en-GB" sz="1200" b="0" i="0" u="none" strike="noStrike" dirty="0">
                           <a:solidFill>
                             <a:srgbClr val="000000"/>
                           </a:solidFill>
@@ -28167,27 +29258,866 @@
                     <a:p>
                       <a:pPr algn="l"/>
                       <a:r>
-                        <a:rPr lang="en-US" b="0" i="0" u="none" strike="noStrike" dirty="0">
+                        <a:rPr lang="en-GB" sz="1200" b="0" i="0" u="none" strike="noStrike" dirty="0">
                           <a:solidFill>
                             <a:srgbClr val="001080"/>
                           </a:solidFill>
                           <a:effectLst/>
                           <a:latin typeface="Courier New" panose="02070309020205020404" pitchFamily="49" charset="0"/>
                         </a:rPr>
-                        <a:t>        self</a:t>
-                      </a:r>
-                      <a:r>
-                        <a:rPr lang="en-US" b="0" i="0" u="none" strike="noStrike" dirty="0">
-                          <a:solidFill>
-                            <a:srgbClr val="000000"/>
-                          </a:solidFill>
-                          <a:effectLst/>
-                          <a:latin typeface="Courier New" panose="02070309020205020404" pitchFamily="49" charset="0"/>
-                        </a:rPr>
-                        <a:t>.fc1 = </a:t>
-                      </a:r>
-                      <a:r>
-                        <a:rPr lang="en-US" b="0" i="0" u="none" strike="noStrike" dirty="0" err="1">
+                        <a:t>        </a:t>
+                      </a:r>
+                      <a:r>
+                        <a:rPr lang="en-GB" sz="1200" b="0" i="0" u="none" strike="noStrike" dirty="0" err="1">
+                          <a:solidFill>
+                            <a:srgbClr val="001080"/>
+                          </a:solidFill>
+                          <a:effectLst/>
+                          <a:latin typeface="Courier New" panose="02070309020205020404" pitchFamily="49" charset="0"/>
+                        </a:rPr>
+                        <a:t>self</a:t>
+                      </a:r>
+                      <a:r>
+                        <a:rPr lang="en-GB" sz="1200" b="0" i="0" u="none" strike="noStrike" dirty="0" err="1">
+                          <a:solidFill>
+                            <a:srgbClr val="000000"/>
+                          </a:solidFill>
+                          <a:effectLst/>
+                          <a:latin typeface="Courier New" panose="02070309020205020404" pitchFamily="49" charset="0"/>
+                        </a:rPr>
+                        <a:t>.convnet</a:t>
+                      </a:r>
+                      <a:r>
+                        <a:rPr lang="en-GB" sz="1200" b="0" i="0" u="none" strike="noStrike" dirty="0">
+                          <a:solidFill>
+                            <a:srgbClr val="000000"/>
+                          </a:solidFill>
+                          <a:effectLst/>
+                          <a:latin typeface="Courier New" panose="02070309020205020404" pitchFamily="49" charset="0"/>
+                        </a:rPr>
+                        <a:t> = </a:t>
+                      </a:r>
+                      <a:r>
+                        <a:rPr lang="en-GB" sz="1200" b="0" i="0" u="none" strike="noStrike" dirty="0" err="1">
+                          <a:solidFill>
+                            <a:srgbClr val="000000"/>
+                          </a:solidFill>
+                          <a:effectLst/>
+                          <a:latin typeface="Courier New" panose="02070309020205020404" pitchFamily="49" charset="0"/>
+                        </a:rPr>
+                        <a:t>nn.Sequential</a:t>
+                      </a:r>
+                      <a:r>
+                        <a:rPr lang="en-GB" sz="1200" b="0" i="0" u="none" strike="noStrike" dirty="0">
+                          <a:solidFill>
+                            <a:srgbClr val="000000"/>
+                          </a:solidFill>
+                          <a:effectLst/>
+                          <a:latin typeface="Courier New" panose="02070309020205020404" pitchFamily="49" charset="0"/>
+                        </a:rPr>
+                        <a:t>(</a:t>
+                      </a:r>
+                    </a:p>
+                    <a:p>
+                      <a:pPr algn="l"/>
+                      <a:r>
+                        <a:rPr lang="en-GB" sz="1200" b="0" i="0" u="none" strike="noStrike" dirty="0">
+                          <a:solidFill>
+                            <a:srgbClr val="000000"/>
+                          </a:solidFill>
+                          <a:effectLst/>
+                          <a:latin typeface="Courier New" panose="02070309020205020404" pitchFamily="49" charset="0"/>
+                        </a:rPr>
+                        <a:t>                           nn.Conv1d(</a:t>
+                      </a:r>
+                      <a:r>
+                        <a:rPr lang="en-GB" sz="1200" b="0" i="0" u="none" strike="noStrike" dirty="0" err="1">
+                          <a:solidFill>
+                            <a:srgbClr val="000000"/>
+                          </a:solidFill>
+                          <a:effectLst/>
+                          <a:latin typeface="Courier New" panose="02070309020205020404" pitchFamily="49" charset="0"/>
+                        </a:rPr>
+                        <a:t>in_channels</a:t>
+                      </a:r>
+                      <a:r>
+                        <a:rPr lang="en-GB" sz="1200" b="0" i="0" u="none" strike="noStrike" dirty="0">
+                          <a:solidFill>
+                            <a:srgbClr val="000000"/>
+                          </a:solidFill>
+                          <a:effectLst/>
+                          <a:latin typeface="Courier New" panose="02070309020205020404" pitchFamily="49" charset="0"/>
+                        </a:rPr>
+                        <a:t>=</a:t>
+                      </a:r>
+                      <a:r>
+                        <a:rPr lang="en-GB" sz="1200" b="0" i="0" u="none" strike="noStrike" dirty="0" err="1">
+                          <a:solidFill>
+                            <a:srgbClr val="000000"/>
+                          </a:solidFill>
+                          <a:effectLst/>
+                          <a:latin typeface="Courier New" panose="02070309020205020404" pitchFamily="49" charset="0"/>
+                        </a:rPr>
+                        <a:t>initial_num_channels</a:t>
+                      </a:r>
+                      <a:r>
+                        <a:rPr lang="en-GB" sz="1200" b="0" i="0" u="none" strike="noStrike" dirty="0">
+                          <a:solidFill>
+                            <a:srgbClr val="000000"/>
+                          </a:solidFill>
+                          <a:effectLst/>
+                          <a:latin typeface="Courier New" panose="02070309020205020404" pitchFamily="49" charset="0"/>
+                        </a:rPr>
+                        <a:t>, </a:t>
+                      </a:r>
+                    </a:p>
+                    <a:p>
+                      <a:pPr algn="l"/>
+                      <a:r>
+                        <a:rPr lang="en-GB" sz="1200" b="0" i="0" u="none" strike="noStrike" dirty="0">
+                          <a:solidFill>
+                            <a:srgbClr val="000000"/>
+                          </a:solidFill>
+                          <a:effectLst/>
+                          <a:latin typeface="Courier New" panose="02070309020205020404" pitchFamily="49" charset="0"/>
+                        </a:rPr>
+                        <a:t>                                     </a:t>
+                      </a:r>
+                      <a:r>
+                        <a:rPr lang="en-GB" sz="1200" b="0" i="0" u="none" strike="noStrike" dirty="0" err="1">
+                          <a:solidFill>
+                            <a:srgbClr val="000000"/>
+                          </a:solidFill>
+                          <a:effectLst/>
+                          <a:latin typeface="Courier New" panose="02070309020205020404" pitchFamily="49" charset="0"/>
+                        </a:rPr>
+                        <a:t>out_channels</a:t>
+                      </a:r>
+                      <a:r>
+                        <a:rPr lang="en-GB" sz="1200" b="0" i="0" u="none" strike="noStrike" dirty="0">
+                          <a:solidFill>
+                            <a:srgbClr val="000000"/>
+                          </a:solidFill>
+                          <a:effectLst/>
+                          <a:latin typeface="Courier New" panose="02070309020205020404" pitchFamily="49" charset="0"/>
+                        </a:rPr>
+                        <a:t>=</a:t>
+                      </a:r>
+                      <a:r>
+                        <a:rPr lang="en-GB" sz="1200" b="0" i="0" u="none" strike="noStrike" dirty="0" err="1">
+                          <a:solidFill>
+                            <a:srgbClr val="000000"/>
+                          </a:solidFill>
+                          <a:effectLst/>
+                          <a:latin typeface="Courier New" panose="02070309020205020404" pitchFamily="49" charset="0"/>
+                        </a:rPr>
+                        <a:t>num_channels</a:t>
+                      </a:r>
+                      <a:r>
+                        <a:rPr lang="en-GB" sz="1200" b="0" i="0" u="none" strike="noStrike" dirty="0">
+                          <a:solidFill>
+                            <a:srgbClr val="000000"/>
+                          </a:solidFill>
+                          <a:effectLst/>
+                          <a:latin typeface="Courier New" panose="02070309020205020404" pitchFamily="49" charset="0"/>
+                        </a:rPr>
+                        <a:t>, </a:t>
+                      </a:r>
+                      <a:r>
+                        <a:rPr lang="en-GB" sz="1200" b="0" i="0" u="none" strike="noStrike" dirty="0" err="1">
+                          <a:solidFill>
+                            <a:srgbClr val="000000"/>
+                          </a:solidFill>
+                          <a:effectLst/>
+                          <a:latin typeface="Courier New" panose="02070309020205020404" pitchFamily="49" charset="0"/>
+                        </a:rPr>
+                        <a:t>kernel_size</a:t>
+                      </a:r>
+                      <a:r>
+                        <a:rPr lang="en-GB" sz="1200" b="0" i="0" u="none" strike="noStrike" dirty="0">
+                          <a:solidFill>
+                            <a:srgbClr val="000000"/>
+                          </a:solidFill>
+                          <a:effectLst/>
+                          <a:latin typeface="Courier New" panose="02070309020205020404" pitchFamily="49" charset="0"/>
+                        </a:rPr>
+                        <a:t>=</a:t>
+                      </a:r>
+                      <a:r>
+                        <a:rPr lang="en-GB" sz="1200" b="0" i="0" u="none" strike="noStrike" dirty="0">
+                          <a:solidFill>
+                            <a:srgbClr val="09885A"/>
+                          </a:solidFill>
+                          <a:effectLst/>
+                          <a:latin typeface="Courier New" panose="02070309020205020404" pitchFamily="49" charset="0"/>
+                        </a:rPr>
+                        <a:t>3</a:t>
+                      </a:r>
+                      <a:r>
+                        <a:rPr lang="en-GB" sz="1200" b="0" i="0" u="none" strike="noStrike" dirty="0">
+                          <a:solidFill>
+                            <a:srgbClr val="000000"/>
+                          </a:solidFill>
+                          <a:effectLst/>
+                          <a:latin typeface="Courier New" panose="02070309020205020404" pitchFamily="49" charset="0"/>
+                        </a:rPr>
+                        <a:t>),</a:t>
+                      </a:r>
+                    </a:p>
+                    <a:p>
+                      <a:pPr algn="l"/>
+                      <a:r>
+                        <a:rPr lang="en-GB" sz="1200" b="0" i="0" u="none" strike="noStrike" dirty="0">
+                          <a:solidFill>
+                            <a:srgbClr val="000000"/>
+                          </a:solidFill>
+                          <a:effectLst/>
+                          <a:latin typeface="Courier New" panose="02070309020205020404" pitchFamily="49" charset="0"/>
+                        </a:rPr>
+                        <a:t>                           </a:t>
+                      </a:r>
+                      <a:r>
+                        <a:rPr lang="en-GB" sz="1200" b="0" i="0" u="none" strike="noStrike" dirty="0" err="1">
+                          <a:solidFill>
+                            <a:srgbClr val="000000"/>
+                          </a:solidFill>
+                          <a:effectLst/>
+                          <a:latin typeface="Courier New" panose="02070309020205020404" pitchFamily="49" charset="0"/>
+                        </a:rPr>
+                        <a:t>nn.ELU</a:t>
+                      </a:r>
+                      <a:r>
+                        <a:rPr lang="en-GB" sz="1200" b="0" i="0" u="none" strike="noStrike" dirty="0">
+                          <a:solidFill>
+                            <a:srgbClr val="000000"/>
+                          </a:solidFill>
+                          <a:effectLst/>
+                          <a:latin typeface="Courier New" panose="02070309020205020404" pitchFamily="49" charset="0"/>
+                        </a:rPr>
+                        <a:t>(),</a:t>
+                      </a:r>
+                    </a:p>
+                    <a:p>
+                      <a:pPr algn="l"/>
+                      <a:r>
+                        <a:rPr lang="en-GB" sz="1200" b="0" i="0" u="none" strike="noStrike" dirty="0">
+                          <a:solidFill>
+                            <a:srgbClr val="000000"/>
+                          </a:solidFill>
+                          <a:effectLst/>
+                          <a:latin typeface="Courier New" panose="02070309020205020404" pitchFamily="49" charset="0"/>
+                        </a:rPr>
+                        <a:t>                           nn.Conv1d(</a:t>
+                      </a:r>
+                      <a:r>
+                        <a:rPr lang="en-GB" sz="1200" b="0" i="0" u="none" strike="noStrike" dirty="0" err="1">
+                          <a:solidFill>
+                            <a:srgbClr val="000000"/>
+                          </a:solidFill>
+                          <a:effectLst/>
+                          <a:latin typeface="Courier New" panose="02070309020205020404" pitchFamily="49" charset="0"/>
+                        </a:rPr>
+                        <a:t>in_channels</a:t>
+                      </a:r>
+                      <a:r>
+                        <a:rPr lang="en-GB" sz="1200" b="0" i="0" u="none" strike="noStrike" dirty="0">
+                          <a:solidFill>
+                            <a:srgbClr val="000000"/>
+                          </a:solidFill>
+                          <a:effectLst/>
+                          <a:latin typeface="Courier New" panose="02070309020205020404" pitchFamily="49" charset="0"/>
+                        </a:rPr>
+                        <a:t>=</a:t>
+                      </a:r>
+                      <a:r>
+                        <a:rPr lang="en-GB" sz="1200" b="0" i="0" u="none" strike="noStrike" dirty="0" err="1">
+                          <a:solidFill>
+                            <a:srgbClr val="000000"/>
+                          </a:solidFill>
+                          <a:effectLst/>
+                          <a:latin typeface="Courier New" panose="02070309020205020404" pitchFamily="49" charset="0"/>
+                        </a:rPr>
+                        <a:t>num_channels</a:t>
+                      </a:r>
+                      <a:r>
+                        <a:rPr lang="en-GB" sz="1200" b="0" i="0" u="none" strike="noStrike" dirty="0">
+                          <a:solidFill>
+                            <a:srgbClr val="000000"/>
+                          </a:solidFill>
+                          <a:effectLst/>
+                          <a:latin typeface="Courier New" panose="02070309020205020404" pitchFamily="49" charset="0"/>
+                        </a:rPr>
+                        <a:t>, </a:t>
+                      </a:r>
+                      <a:r>
+                        <a:rPr lang="en-GB" sz="1200" b="0" i="0" u="none" strike="noStrike" dirty="0" err="1">
+                          <a:solidFill>
+                            <a:srgbClr val="000000"/>
+                          </a:solidFill>
+                          <a:effectLst/>
+                          <a:latin typeface="Courier New" panose="02070309020205020404" pitchFamily="49" charset="0"/>
+                        </a:rPr>
+                        <a:t>out_channels</a:t>
+                      </a:r>
+                      <a:r>
+                        <a:rPr lang="en-GB" sz="1200" b="0" i="0" u="none" strike="noStrike" dirty="0">
+                          <a:solidFill>
+                            <a:srgbClr val="000000"/>
+                          </a:solidFill>
+                          <a:effectLst/>
+                          <a:latin typeface="Courier New" panose="02070309020205020404" pitchFamily="49" charset="0"/>
+                        </a:rPr>
+                        <a:t>=</a:t>
+                      </a:r>
+                      <a:r>
+                        <a:rPr lang="en-GB" sz="1200" b="0" i="0" u="none" strike="noStrike" dirty="0" err="1">
+                          <a:solidFill>
+                            <a:srgbClr val="000000"/>
+                          </a:solidFill>
+                          <a:effectLst/>
+                          <a:latin typeface="Courier New" panose="02070309020205020404" pitchFamily="49" charset="0"/>
+                        </a:rPr>
+                        <a:t>num_channels</a:t>
+                      </a:r>
+                      <a:r>
+                        <a:rPr lang="en-GB" sz="1200" b="0" i="0" u="none" strike="noStrike" dirty="0">
+                          <a:solidFill>
+                            <a:srgbClr val="000000"/>
+                          </a:solidFill>
+                          <a:effectLst/>
+                          <a:latin typeface="Courier New" panose="02070309020205020404" pitchFamily="49" charset="0"/>
+                        </a:rPr>
+                        <a:t>, </a:t>
+                      </a:r>
+                    </a:p>
+                    <a:p>
+                      <a:pPr algn="l"/>
+                      <a:r>
+                        <a:rPr lang="en-GB" sz="1200" b="0" i="0" u="none" strike="noStrike" dirty="0">
+                          <a:solidFill>
+                            <a:srgbClr val="000000"/>
+                          </a:solidFill>
+                          <a:effectLst/>
+                          <a:latin typeface="Courier New" panose="02070309020205020404" pitchFamily="49" charset="0"/>
+                        </a:rPr>
+                        <a:t>                                     </a:t>
+                      </a:r>
+                      <a:r>
+                        <a:rPr lang="en-GB" sz="1200" b="0" i="0" u="none" strike="noStrike" dirty="0" err="1">
+                          <a:solidFill>
+                            <a:srgbClr val="000000"/>
+                          </a:solidFill>
+                          <a:effectLst/>
+                          <a:latin typeface="Courier New" panose="02070309020205020404" pitchFamily="49" charset="0"/>
+                        </a:rPr>
+                        <a:t>kernel_size</a:t>
+                      </a:r>
+                      <a:r>
+                        <a:rPr lang="en-GB" sz="1200" b="0" i="0" u="none" strike="noStrike" dirty="0">
+                          <a:solidFill>
+                            <a:srgbClr val="000000"/>
+                          </a:solidFill>
+                          <a:effectLst/>
+                          <a:latin typeface="Courier New" panose="02070309020205020404" pitchFamily="49" charset="0"/>
+                        </a:rPr>
+                        <a:t>=</a:t>
+                      </a:r>
+                      <a:r>
+                        <a:rPr lang="en-GB" sz="1200" b="0" i="0" u="none" strike="noStrike" dirty="0">
+                          <a:solidFill>
+                            <a:srgbClr val="09885A"/>
+                          </a:solidFill>
+                          <a:effectLst/>
+                          <a:latin typeface="Courier New" panose="02070309020205020404" pitchFamily="49" charset="0"/>
+                        </a:rPr>
+                        <a:t>3</a:t>
+                      </a:r>
+                      <a:r>
+                        <a:rPr lang="en-GB" sz="1200" b="0" i="0" u="none" strike="noStrike" dirty="0">
+                          <a:solidFill>
+                            <a:srgbClr val="000000"/>
+                          </a:solidFill>
+                          <a:effectLst/>
+                          <a:latin typeface="Courier New" panose="02070309020205020404" pitchFamily="49" charset="0"/>
+                        </a:rPr>
+                        <a:t>, stride=</a:t>
+                      </a:r>
+                      <a:r>
+                        <a:rPr lang="en-GB" sz="1200" b="0" i="0" u="none" strike="noStrike" dirty="0">
+                          <a:solidFill>
+                            <a:srgbClr val="09885A"/>
+                          </a:solidFill>
+                          <a:effectLst/>
+                          <a:latin typeface="Courier New" panose="02070309020205020404" pitchFamily="49" charset="0"/>
+                        </a:rPr>
+                        <a:t>2</a:t>
+                      </a:r>
+                      <a:r>
+                        <a:rPr lang="en-GB" sz="1200" b="0" i="0" u="none" strike="noStrike" dirty="0">
+                          <a:solidFill>
+                            <a:srgbClr val="000000"/>
+                          </a:solidFill>
+                          <a:effectLst/>
+                          <a:latin typeface="Courier New" panose="02070309020205020404" pitchFamily="49" charset="0"/>
+                        </a:rPr>
+                        <a:t>),</a:t>
+                      </a:r>
+                    </a:p>
+                    <a:p>
+                      <a:pPr algn="l"/>
+                      <a:r>
+                        <a:rPr lang="en-GB" sz="1200" b="0" i="0" u="none" strike="noStrike" dirty="0">
+                          <a:solidFill>
+                            <a:srgbClr val="000000"/>
+                          </a:solidFill>
+                          <a:effectLst/>
+                          <a:latin typeface="Courier New" panose="02070309020205020404" pitchFamily="49" charset="0"/>
+                        </a:rPr>
+                        <a:t>                           </a:t>
+                      </a:r>
+                      <a:r>
+                        <a:rPr lang="en-GB" sz="1200" b="0" i="0" u="none" strike="noStrike" dirty="0" err="1">
+                          <a:solidFill>
+                            <a:srgbClr val="000000"/>
+                          </a:solidFill>
+                          <a:effectLst/>
+                          <a:latin typeface="Courier New" panose="02070309020205020404" pitchFamily="49" charset="0"/>
+                        </a:rPr>
+                        <a:t>nn.ELU</a:t>
+                      </a:r>
+                      <a:r>
+                        <a:rPr lang="en-GB" sz="1200" b="0" i="0" u="none" strike="noStrike" dirty="0">
+                          <a:solidFill>
+                            <a:srgbClr val="000000"/>
+                          </a:solidFill>
+                          <a:effectLst/>
+                          <a:latin typeface="Courier New" panose="02070309020205020404" pitchFamily="49" charset="0"/>
+                        </a:rPr>
+                        <a:t>(),</a:t>
+                      </a:r>
+                    </a:p>
+                    <a:p>
+                      <a:pPr algn="l"/>
+                      <a:r>
+                        <a:rPr lang="en-GB" sz="1200" b="0" i="0" u="none" strike="noStrike" dirty="0">
+                          <a:solidFill>
+                            <a:srgbClr val="000000"/>
+                          </a:solidFill>
+                          <a:effectLst/>
+                          <a:latin typeface="Courier New" panose="02070309020205020404" pitchFamily="49" charset="0"/>
+                        </a:rPr>
+                        <a:t>                           nn.Conv1d(</a:t>
+                      </a:r>
+                      <a:r>
+                        <a:rPr lang="en-GB" sz="1200" b="0" i="0" u="none" strike="noStrike" dirty="0" err="1">
+                          <a:solidFill>
+                            <a:srgbClr val="000000"/>
+                          </a:solidFill>
+                          <a:effectLst/>
+                          <a:latin typeface="Courier New" panose="02070309020205020404" pitchFamily="49" charset="0"/>
+                        </a:rPr>
+                        <a:t>in_channels</a:t>
+                      </a:r>
+                      <a:r>
+                        <a:rPr lang="en-GB" sz="1200" b="0" i="0" u="none" strike="noStrike" dirty="0">
+                          <a:solidFill>
+                            <a:srgbClr val="000000"/>
+                          </a:solidFill>
+                          <a:effectLst/>
+                          <a:latin typeface="Courier New" panose="02070309020205020404" pitchFamily="49" charset="0"/>
+                        </a:rPr>
+                        <a:t>=</a:t>
+                      </a:r>
+                      <a:r>
+                        <a:rPr lang="en-GB" sz="1200" b="0" i="0" u="none" strike="noStrike" dirty="0" err="1">
+                          <a:solidFill>
+                            <a:srgbClr val="000000"/>
+                          </a:solidFill>
+                          <a:effectLst/>
+                          <a:latin typeface="Courier New" panose="02070309020205020404" pitchFamily="49" charset="0"/>
+                        </a:rPr>
+                        <a:t>num_channels</a:t>
+                      </a:r>
+                      <a:r>
+                        <a:rPr lang="en-GB" sz="1200" b="0" i="0" u="none" strike="noStrike" dirty="0">
+                          <a:solidFill>
+                            <a:srgbClr val="000000"/>
+                          </a:solidFill>
+                          <a:effectLst/>
+                          <a:latin typeface="Courier New" panose="02070309020205020404" pitchFamily="49" charset="0"/>
+                        </a:rPr>
+                        <a:t>, </a:t>
+                      </a:r>
+                      <a:r>
+                        <a:rPr lang="en-GB" sz="1200" b="0" i="0" u="none" strike="noStrike" dirty="0" err="1">
+                          <a:solidFill>
+                            <a:srgbClr val="000000"/>
+                          </a:solidFill>
+                          <a:effectLst/>
+                          <a:latin typeface="Courier New" panose="02070309020205020404" pitchFamily="49" charset="0"/>
+                        </a:rPr>
+                        <a:t>out_channels</a:t>
+                      </a:r>
+                      <a:r>
+                        <a:rPr lang="en-GB" sz="1200" b="0" i="0" u="none" strike="noStrike" dirty="0">
+                          <a:solidFill>
+                            <a:srgbClr val="000000"/>
+                          </a:solidFill>
+                          <a:effectLst/>
+                          <a:latin typeface="Courier New" panose="02070309020205020404" pitchFamily="49" charset="0"/>
+                        </a:rPr>
+                        <a:t>=</a:t>
+                      </a:r>
+                      <a:r>
+                        <a:rPr lang="en-GB" sz="1200" b="0" i="0" u="none" strike="noStrike" dirty="0" err="1">
+                          <a:solidFill>
+                            <a:srgbClr val="000000"/>
+                          </a:solidFill>
+                          <a:effectLst/>
+                          <a:latin typeface="Courier New" panose="02070309020205020404" pitchFamily="49" charset="0"/>
+                        </a:rPr>
+                        <a:t>num_channels</a:t>
+                      </a:r>
+                      <a:r>
+                        <a:rPr lang="en-GB" sz="1200" b="0" i="0" u="none" strike="noStrike" dirty="0">
+                          <a:solidFill>
+                            <a:srgbClr val="000000"/>
+                          </a:solidFill>
+                          <a:effectLst/>
+                          <a:latin typeface="Courier New" panose="02070309020205020404" pitchFamily="49" charset="0"/>
+                        </a:rPr>
+                        <a:t>, </a:t>
+                      </a:r>
+                    </a:p>
+                    <a:p>
+                      <a:pPr algn="l"/>
+                      <a:r>
+                        <a:rPr lang="en-GB" sz="1200" b="0" i="0" u="none" strike="noStrike" dirty="0">
+                          <a:solidFill>
+                            <a:srgbClr val="000000"/>
+                          </a:solidFill>
+                          <a:effectLst/>
+                          <a:latin typeface="Courier New" panose="02070309020205020404" pitchFamily="49" charset="0"/>
+                        </a:rPr>
+                        <a:t>                                     </a:t>
+                      </a:r>
+                      <a:r>
+                        <a:rPr lang="en-GB" sz="1200" b="0" i="0" u="none" strike="noStrike" dirty="0" err="1">
+                          <a:solidFill>
+                            <a:srgbClr val="000000"/>
+                          </a:solidFill>
+                          <a:effectLst/>
+                          <a:latin typeface="Courier New" panose="02070309020205020404" pitchFamily="49" charset="0"/>
+                        </a:rPr>
+                        <a:t>kernel_size</a:t>
+                      </a:r>
+                      <a:r>
+                        <a:rPr lang="en-GB" sz="1200" b="0" i="0" u="none" strike="noStrike" dirty="0">
+                          <a:solidFill>
+                            <a:srgbClr val="000000"/>
+                          </a:solidFill>
+                          <a:effectLst/>
+                          <a:latin typeface="Courier New" panose="02070309020205020404" pitchFamily="49" charset="0"/>
+                        </a:rPr>
+                        <a:t>=</a:t>
+                      </a:r>
+                      <a:r>
+                        <a:rPr lang="en-GB" sz="1200" b="0" i="0" u="none" strike="noStrike" dirty="0">
+                          <a:solidFill>
+                            <a:srgbClr val="09885A"/>
+                          </a:solidFill>
+                          <a:effectLst/>
+                          <a:latin typeface="Courier New" panose="02070309020205020404" pitchFamily="49" charset="0"/>
+                        </a:rPr>
+                        <a:t>3</a:t>
+                      </a:r>
+                      <a:r>
+                        <a:rPr lang="en-GB" sz="1200" b="0" i="0" u="none" strike="noStrike" dirty="0">
+                          <a:solidFill>
+                            <a:srgbClr val="000000"/>
+                          </a:solidFill>
+                          <a:effectLst/>
+                          <a:latin typeface="Courier New" panose="02070309020205020404" pitchFamily="49" charset="0"/>
+                        </a:rPr>
+                        <a:t>, stride=</a:t>
+                      </a:r>
+                      <a:r>
+                        <a:rPr lang="en-GB" sz="1200" b="0" i="0" u="none" strike="noStrike" dirty="0">
+                          <a:solidFill>
+                            <a:srgbClr val="09885A"/>
+                          </a:solidFill>
+                          <a:effectLst/>
+                          <a:latin typeface="Courier New" panose="02070309020205020404" pitchFamily="49" charset="0"/>
+                        </a:rPr>
+                        <a:t>2</a:t>
+                      </a:r>
+                      <a:r>
+                        <a:rPr lang="en-GB" sz="1200" b="0" i="0" u="none" strike="noStrike" dirty="0">
+                          <a:solidFill>
+                            <a:srgbClr val="000000"/>
+                          </a:solidFill>
+                          <a:effectLst/>
+                          <a:latin typeface="Courier New" panose="02070309020205020404" pitchFamily="49" charset="0"/>
+                        </a:rPr>
+                        <a:t>),</a:t>
+                      </a:r>
+                    </a:p>
+                    <a:p>
+                      <a:pPr algn="l"/>
+                      <a:r>
+                        <a:rPr lang="en-GB" sz="1200" b="0" i="0" u="none" strike="noStrike" dirty="0">
+                          <a:solidFill>
+                            <a:srgbClr val="000000"/>
+                          </a:solidFill>
+                          <a:effectLst/>
+                          <a:latin typeface="Courier New" panose="02070309020205020404" pitchFamily="49" charset="0"/>
+                        </a:rPr>
+                        <a:t>                           </a:t>
+                      </a:r>
+                      <a:r>
+                        <a:rPr lang="en-GB" sz="1200" b="0" i="0" u="none" strike="noStrike" dirty="0" err="1">
+                          <a:solidFill>
+                            <a:srgbClr val="000000"/>
+                          </a:solidFill>
+                          <a:effectLst/>
+                          <a:latin typeface="Courier New" panose="02070309020205020404" pitchFamily="49" charset="0"/>
+                        </a:rPr>
+                        <a:t>nn.ELU</a:t>
+                      </a:r>
+                      <a:r>
+                        <a:rPr lang="en-GB" sz="1200" b="0" i="0" u="none" strike="noStrike" dirty="0">
+                          <a:solidFill>
+                            <a:srgbClr val="000000"/>
+                          </a:solidFill>
+                          <a:effectLst/>
+                          <a:latin typeface="Courier New" panose="02070309020205020404" pitchFamily="49" charset="0"/>
+                        </a:rPr>
+                        <a:t>(),</a:t>
+                      </a:r>
+                    </a:p>
+                    <a:p>
+                      <a:pPr algn="l"/>
+                      <a:r>
+                        <a:rPr lang="en-GB" sz="1200" b="0" i="0" u="none" strike="noStrike" dirty="0">
+                          <a:solidFill>
+                            <a:srgbClr val="000000"/>
+                          </a:solidFill>
+                          <a:effectLst/>
+                          <a:latin typeface="Courier New" panose="02070309020205020404" pitchFamily="49" charset="0"/>
+                        </a:rPr>
+                        <a:t>                           nn.Conv1d(</a:t>
+                      </a:r>
+                      <a:r>
+                        <a:rPr lang="en-GB" sz="1200" b="0" i="0" u="none" strike="noStrike" dirty="0" err="1">
+                          <a:solidFill>
+                            <a:srgbClr val="000000"/>
+                          </a:solidFill>
+                          <a:effectLst/>
+                          <a:latin typeface="Courier New" panose="02070309020205020404" pitchFamily="49" charset="0"/>
+                        </a:rPr>
+                        <a:t>in_channels</a:t>
+                      </a:r>
+                      <a:r>
+                        <a:rPr lang="en-GB" sz="1200" b="0" i="0" u="none" strike="noStrike" dirty="0">
+                          <a:solidFill>
+                            <a:srgbClr val="000000"/>
+                          </a:solidFill>
+                          <a:effectLst/>
+                          <a:latin typeface="Courier New" panose="02070309020205020404" pitchFamily="49" charset="0"/>
+                        </a:rPr>
+                        <a:t>=</a:t>
+                      </a:r>
+                      <a:r>
+                        <a:rPr lang="en-GB" sz="1200" b="0" i="0" u="none" strike="noStrike" dirty="0" err="1">
+                          <a:solidFill>
+                            <a:srgbClr val="000000"/>
+                          </a:solidFill>
+                          <a:effectLst/>
+                          <a:latin typeface="Courier New" panose="02070309020205020404" pitchFamily="49" charset="0"/>
+                        </a:rPr>
+                        <a:t>num_channels</a:t>
+                      </a:r>
+                      <a:r>
+                        <a:rPr lang="en-GB" sz="1200" b="0" i="0" u="none" strike="noStrike" dirty="0">
+                          <a:solidFill>
+                            <a:srgbClr val="000000"/>
+                          </a:solidFill>
+                          <a:effectLst/>
+                          <a:latin typeface="Courier New" panose="02070309020205020404" pitchFamily="49" charset="0"/>
+                        </a:rPr>
+                        <a:t>, </a:t>
+                      </a:r>
+                      <a:r>
+                        <a:rPr lang="en-GB" sz="1200" b="0" i="0" u="none" strike="noStrike" dirty="0" err="1">
+                          <a:solidFill>
+                            <a:srgbClr val="000000"/>
+                          </a:solidFill>
+                          <a:effectLst/>
+                          <a:latin typeface="Courier New" panose="02070309020205020404" pitchFamily="49" charset="0"/>
+                        </a:rPr>
+                        <a:t>out_channels</a:t>
+                      </a:r>
+                      <a:r>
+                        <a:rPr lang="en-GB" sz="1200" b="0" i="0" u="none" strike="noStrike" dirty="0">
+                          <a:solidFill>
+                            <a:srgbClr val="000000"/>
+                          </a:solidFill>
+                          <a:effectLst/>
+                          <a:latin typeface="Courier New" panose="02070309020205020404" pitchFamily="49" charset="0"/>
+                        </a:rPr>
+                        <a:t>=</a:t>
+                      </a:r>
+                      <a:r>
+                        <a:rPr lang="en-GB" sz="1200" b="0" i="0" u="none" strike="noStrike" dirty="0" err="1">
+                          <a:solidFill>
+                            <a:srgbClr val="000000"/>
+                          </a:solidFill>
+                          <a:effectLst/>
+                          <a:latin typeface="Courier New" panose="02070309020205020404" pitchFamily="49" charset="0"/>
+                        </a:rPr>
+                        <a:t>num_channels</a:t>
+                      </a:r>
+                      <a:r>
+                        <a:rPr lang="en-GB" sz="1200" b="0" i="0" u="none" strike="noStrike" dirty="0">
+                          <a:solidFill>
+                            <a:srgbClr val="000000"/>
+                          </a:solidFill>
+                          <a:effectLst/>
+                          <a:latin typeface="Courier New" panose="02070309020205020404" pitchFamily="49" charset="0"/>
+                        </a:rPr>
+                        <a:t>, </a:t>
+                      </a:r>
+                    </a:p>
+                    <a:p>
+                      <a:pPr algn="l"/>
+                      <a:r>
+                        <a:rPr lang="en-GB" sz="1200" b="0" i="0" u="none" strike="noStrike" dirty="0">
+                          <a:solidFill>
+                            <a:srgbClr val="000000"/>
+                          </a:solidFill>
+                          <a:effectLst/>
+                          <a:latin typeface="Courier New" panose="02070309020205020404" pitchFamily="49" charset="0"/>
+                        </a:rPr>
+                        <a:t>                                     </a:t>
+                      </a:r>
+                      <a:r>
+                        <a:rPr lang="en-GB" sz="1200" b="0" i="0" u="none" strike="noStrike" dirty="0" err="1">
+                          <a:solidFill>
+                            <a:srgbClr val="000000"/>
+                          </a:solidFill>
+                          <a:effectLst/>
+                          <a:latin typeface="Courier New" panose="02070309020205020404" pitchFamily="49" charset="0"/>
+                        </a:rPr>
+                        <a:t>kernel_size</a:t>
+                      </a:r>
+                      <a:r>
+                        <a:rPr lang="en-GB" sz="1200" b="0" i="0" u="none" strike="noStrike" dirty="0">
+                          <a:solidFill>
+                            <a:srgbClr val="000000"/>
+                          </a:solidFill>
+                          <a:effectLst/>
+                          <a:latin typeface="Courier New" panose="02070309020205020404" pitchFamily="49" charset="0"/>
+                        </a:rPr>
+                        <a:t>=</a:t>
+                      </a:r>
+                      <a:r>
+                        <a:rPr lang="en-GB" sz="1200" b="0" i="0" u="none" strike="noStrike" dirty="0">
+                          <a:solidFill>
+                            <a:srgbClr val="09885A"/>
+                          </a:solidFill>
+                          <a:effectLst/>
+                          <a:latin typeface="Courier New" panose="02070309020205020404" pitchFamily="49" charset="0"/>
+                        </a:rPr>
+                        <a:t>3</a:t>
+                      </a:r>
+                      <a:r>
+                        <a:rPr lang="en-GB" sz="1200" b="0" i="0" u="none" strike="noStrike" dirty="0">
+                          <a:solidFill>
+                            <a:srgbClr val="000000"/>
+                          </a:solidFill>
+                          <a:effectLst/>
+                          <a:latin typeface="Courier New" panose="02070309020205020404" pitchFamily="49" charset="0"/>
+                        </a:rPr>
+                        <a:t>),</a:t>
+                      </a:r>
+                    </a:p>
+                    <a:p>
+                      <a:pPr algn="l"/>
+                      <a:r>
+                        <a:rPr lang="en-GB" sz="1200" b="0" i="0" u="none" strike="noStrike" dirty="0">
+                          <a:solidFill>
+                            <a:srgbClr val="000000"/>
+                          </a:solidFill>
+                          <a:effectLst/>
+                          <a:latin typeface="Courier New" panose="02070309020205020404" pitchFamily="49" charset="0"/>
+                        </a:rPr>
+                        <a:t>                           </a:t>
+                      </a:r>
+                      <a:r>
+                        <a:rPr lang="en-GB" sz="1200" b="0" i="0" u="none" strike="noStrike" dirty="0" err="1">
+                          <a:solidFill>
+                            <a:srgbClr val="000000"/>
+                          </a:solidFill>
+                          <a:effectLst/>
+                          <a:latin typeface="Courier New" panose="02070309020205020404" pitchFamily="49" charset="0"/>
+                        </a:rPr>
+                        <a:t>nn.ELU</a:t>
+                      </a:r>
+                      <a:r>
+                        <a:rPr lang="en-GB" sz="1200" b="0" i="0" u="none" strike="noStrike" dirty="0">
+                          <a:solidFill>
+                            <a:srgbClr val="000000"/>
+                          </a:solidFill>
+                          <a:effectLst/>
+                          <a:latin typeface="Courier New" panose="02070309020205020404" pitchFamily="49" charset="0"/>
+                        </a:rPr>
+                        <a:t>())</a:t>
+                      </a:r>
+                    </a:p>
+                    <a:p>
+                      <a:pPr algn="l"/>
+                      <a:r>
+                        <a:rPr lang="en-GB" sz="1200" b="0" i="0" u="none" strike="noStrike" dirty="0">
+                          <a:solidFill>
+                            <a:srgbClr val="001080"/>
+                          </a:solidFill>
+                          <a:effectLst/>
+                          <a:latin typeface="Courier New" panose="02070309020205020404" pitchFamily="49" charset="0"/>
+                        </a:rPr>
+                        <a:t>        </a:t>
+                      </a:r>
+                      <a:r>
+                        <a:rPr lang="en-GB" sz="1200" b="0" i="0" u="none" strike="noStrike" dirty="0" err="1">
+                          <a:solidFill>
+                            <a:srgbClr val="001080"/>
+                          </a:solidFill>
+                          <a:effectLst/>
+                          <a:latin typeface="Courier New" panose="02070309020205020404" pitchFamily="49" charset="0"/>
+                        </a:rPr>
+                        <a:t>self</a:t>
+                      </a:r>
+                      <a:r>
+                        <a:rPr lang="en-GB" sz="1200" b="0" i="0" u="none" strike="noStrike" dirty="0" err="1">
+                          <a:solidFill>
+                            <a:srgbClr val="000000"/>
+                          </a:solidFill>
+                          <a:effectLst/>
+                          <a:latin typeface="Courier New" panose="02070309020205020404" pitchFamily="49" charset="0"/>
+                        </a:rPr>
+                        <a:t>.fc</a:t>
+                      </a:r>
+                      <a:r>
+                        <a:rPr lang="en-GB" sz="1200" b="0" i="0" u="none" strike="noStrike" dirty="0">
+                          <a:solidFill>
+                            <a:srgbClr val="000000"/>
+                          </a:solidFill>
+                          <a:effectLst/>
+                          <a:latin typeface="Courier New" panose="02070309020205020404" pitchFamily="49" charset="0"/>
+                        </a:rPr>
+                        <a:t> = </a:t>
+                      </a:r>
+                      <a:r>
+                        <a:rPr lang="en-GB" sz="1200" b="0" i="0" u="none" strike="noStrike" dirty="0" err="1">
                           <a:solidFill>
                             <a:srgbClr val="000000"/>
                           </a:solidFill>
@@ -28197,7 +30127,7 @@
                         <a:t>nn.Linear</a:t>
                       </a:r>
                       <a:r>
-                        <a:rPr lang="en-US" b="0" i="0" u="none" strike="noStrike" dirty="0">
+                        <a:rPr lang="en-GB" sz="1200" b="0" i="0" u="none" strike="noStrike" dirty="0">
                           <a:solidFill>
                             <a:srgbClr val="000000"/>
                           </a:solidFill>
@@ -28207,17 +30137,17 @@
                         <a:t>(</a:t>
                       </a:r>
                       <a:r>
-                        <a:rPr lang="en-US" b="0" i="0" u="none" strike="noStrike" dirty="0" err="1">
-                          <a:solidFill>
-                            <a:srgbClr val="000000"/>
-                          </a:solidFill>
-                          <a:effectLst/>
-                          <a:latin typeface="Courier New" panose="02070309020205020404" pitchFamily="49" charset="0"/>
-                        </a:rPr>
-                        <a:t>input_dim</a:t>
-                      </a:r>
-                      <a:r>
-                        <a:rPr lang="en-US" b="0" i="0" u="none" strike="noStrike" dirty="0">
+                        <a:rPr lang="en-GB" sz="1200" b="0" i="0" u="none" strike="noStrike" dirty="0" err="1">
+                          <a:solidFill>
+                            <a:srgbClr val="000000"/>
+                          </a:solidFill>
+                          <a:effectLst/>
+                          <a:latin typeface="Courier New" panose="02070309020205020404" pitchFamily="49" charset="0"/>
+                        </a:rPr>
+                        <a:t>num_channels</a:t>
+                      </a:r>
+                      <a:r>
+                        <a:rPr lang="en-GB" sz="1200" b="0" i="0" u="none" strike="noStrike" dirty="0">
                           <a:solidFill>
                             <a:srgbClr val="000000"/>
                           </a:solidFill>
@@ -28227,100 +30157,17 @@
                         <a:t>, </a:t>
                       </a:r>
                       <a:r>
-                        <a:rPr lang="en-US" b="0" i="0" u="none" strike="noStrike" dirty="0" err="1">
-                          <a:solidFill>
-                            <a:srgbClr val="000000"/>
-                          </a:solidFill>
-                          <a:effectLst/>
-                          <a:latin typeface="Courier New" panose="02070309020205020404" pitchFamily="49" charset="0"/>
-                        </a:rPr>
-                        <a:t>hidden_dim</a:t>
-                      </a:r>
-                      <a:r>
-                        <a:rPr lang="en-US" b="0" i="0" u="none" strike="noStrike" dirty="0">
-                          <a:solidFill>
-                            <a:srgbClr val="000000"/>
-                          </a:solidFill>
-                          <a:effectLst/>
-                          <a:latin typeface="Courier New" panose="02070309020205020404" pitchFamily="49" charset="0"/>
-                        </a:rPr>
-                        <a:t>)</a:t>
-                      </a:r>
-                    </a:p>
-                    <a:p>
-                      <a:pPr algn="l"/>
-                      <a:r>
-                        <a:rPr lang="en-US" b="0" i="0" u="none" strike="noStrike" dirty="0">
-                          <a:solidFill>
-                            <a:srgbClr val="001080"/>
-                          </a:solidFill>
-                          <a:effectLst/>
-                          <a:latin typeface="Courier New" panose="02070309020205020404" pitchFamily="49" charset="0"/>
-                        </a:rPr>
-                        <a:t>        self</a:t>
-                      </a:r>
-                      <a:r>
-                        <a:rPr lang="en-US" b="0" i="0" u="none" strike="noStrike" dirty="0">
-                          <a:solidFill>
-                            <a:srgbClr val="000000"/>
-                          </a:solidFill>
-                          <a:effectLst/>
-                          <a:latin typeface="Courier New" panose="02070309020205020404" pitchFamily="49" charset="0"/>
-                        </a:rPr>
-                        <a:t>.fc2 = </a:t>
-                      </a:r>
-                      <a:r>
-                        <a:rPr lang="en-US" b="0" i="0" u="none" strike="noStrike" dirty="0" err="1">
-                          <a:solidFill>
-                            <a:srgbClr val="000000"/>
-                          </a:solidFill>
-                          <a:effectLst/>
-                          <a:latin typeface="Courier New" panose="02070309020205020404" pitchFamily="49" charset="0"/>
-                        </a:rPr>
-                        <a:t>nn.Linear</a:t>
-                      </a:r>
-                      <a:r>
-                        <a:rPr lang="en-US" b="0" i="0" u="none" strike="noStrike" dirty="0">
-                          <a:solidFill>
-                            <a:srgbClr val="000000"/>
-                          </a:solidFill>
-                          <a:effectLst/>
-                          <a:latin typeface="Courier New" panose="02070309020205020404" pitchFamily="49" charset="0"/>
-                        </a:rPr>
-                        <a:t>(</a:t>
-                      </a:r>
-                      <a:r>
-                        <a:rPr lang="en-US" b="0" i="0" u="none" strike="noStrike" dirty="0" err="1">
-                          <a:solidFill>
-                            <a:srgbClr val="000000"/>
-                          </a:solidFill>
-                          <a:effectLst/>
-                          <a:latin typeface="Courier New" panose="02070309020205020404" pitchFamily="49" charset="0"/>
-                        </a:rPr>
-                        <a:t>hidden_dim</a:t>
-                      </a:r>
-                      <a:r>
-                        <a:rPr lang="en-US" b="0" i="0" u="none" strike="noStrike" dirty="0">
-                          <a:solidFill>
-                            <a:srgbClr val="000000"/>
-                          </a:solidFill>
-                          <a:effectLst/>
-                          <a:latin typeface="Courier New" panose="02070309020205020404" pitchFamily="49" charset="0"/>
-                        </a:rPr>
-                        <a:t>, </a:t>
-                      </a:r>
-                      <a:r>
-                        <a:rPr lang="en-US" b="0" i="0" u="none" strike="noStrike" dirty="0" err="1">
-                          <a:solidFill>
-                            <a:srgbClr val="000000"/>
-                          </a:solidFill>
-                          <a:effectLst/>
-                          <a:latin typeface="Courier New" panose="02070309020205020404" pitchFamily="49" charset="0"/>
-                        </a:rPr>
-                        <a:t>output_dim</a:t>
-                      </a:r>
-                      <a:r>
-                        <a:rPr lang="en-US" b="0" i="0" u="none" strike="noStrike" dirty="0">
+                        <a:rPr lang="en-GB" sz="1200" b="0" i="0" u="none" strike="noStrike" dirty="0" err="1">
+                          <a:solidFill>
+                            <a:srgbClr val="000000"/>
+                          </a:solidFill>
+                          <a:effectLst/>
+                          <a:latin typeface="Courier New" panose="02070309020205020404" pitchFamily="49" charset="0"/>
+                        </a:rPr>
+                        <a:t>num_classes</a:t>
+                      </a:r>
+                      <a:r>
+                        <a:rPr lang="en-GB" sz="1200" b="0" i="0" u="none" strike="noStrike" dirty="0">
                           <a:solidFill>
                             <a:srgbClr val="000000"/>
                           </a:solidFill>
@@ -28333,7 +30180,7 @@
                     <a:p>
                       <a:pPr algn="l"/>
                       <a:br>
-                        <a:rPr lang="en-US" b="0" i="0" u="none" strike="noStrike" dirty="0">
+                        <a:rPr lang="en-GB" sz="1200" b="0" i="0" u="none" strike="noStrike" dirty="0">
                           <a:solidFill>
                             <a:srgbClr val="000000"/>
                           </a:solidFill>
@@ -28342,7 +30189,7 @@
                         </a:rPr>
                       </a:br>
                       <a:r>
-                        <a:rPr lang="en-US" b="0" i="0" u="none" strike="noStrike" dirty="0">
+                        <a:rPr lang="en-GB" sz="1200" b="0" i="0" u="none" strike="noStrike" dirty="0">
                           <a:solidFill>
                             <a:srgbClr val="000000"/>
                           </a:solidFill>
@@ -28352,7 +30199,7 @@
                         <a:t>    </a:t>
                       </a:r>
                       <a:r>
-                        <a:rPr lang="en-US" b="0" i="0" u="none" strike="noStrike" dirty="0">
+                        <a:rPr lang="en-GB" sz="1200" b="0" i="0" u="none" strike="noStrike" dirty="0">
                           <a:solidFill>
                             <a:srgbClr val="0000FF"/>
                           </a:solidFill>
@@ -28362,7 +30209,7 @@
                         <a:t>def</a:t>
                       </a:r>
                       <a:r>
-                        <a:rPr lang="en-US" b="0" i="0" u="none" strike="noStrike" dirty="0">
+                        <a:rPr lang="en-GB" sz="1200" b="0" i="0" u="none" strike="noStrike" dirty="0">
                           <a:solidFill>
                             <a:srgbClr val="000000"/>
                           </a:solidFill>
@@ -28372,7 +30219,7 @@
                         <a:t> </a:t>
                       </a:r>
                       <a:r>
-                        <a:rPr lang="en-US" b="0" i="0" u="none" strike="noStrike" dirty="0">
+                        <a:rPr lang="en-GB" sz="1200" b="0" i="0" u="none" strike="noStrike" dirty="0">
                           <a:solidFill>
                             <a:srgbClr val="795E26"/>
                           </a:solidFill>
@@ -28382,7 +30229,7 @@
                         <a:t>forward</a:t>
                       </a:r>
                       <a:r>
-                        <a:rPr lang="en-US" b="0" i="0" u="none" strike="noStrike" dirty="0">
+                        <a:rPr lang="en-GB" sz="1200" b="0" i="0" u="none" strike="noStrike" dirty="0">
                           <a:solidFill>
                             <a:srgbClr val="000000"/>
                           </a:solidFill>
@@ -28392,7 +30239,7 @@
                         <a:t>(</a:t>
                       </a:r>
                       <a:r>
-                        <a:rPr lang="en-US" b="0" i="0" u="none" strike="noStrike" dirty="0">
+                        <a:rPr lang="en-GB" sz="1200" b="0" i="0" u="none" strike="noStrike" dirty="0">
                           <a:solidFill>
                             <a:srgbClr val="001080"/>
                           </a:solidFill>
@@ -28402,7 +30249,7 @@
                         <a:t>self</a:t>
                       </a:r>
                       <a:r>
-                        <a:rPr lang="en-US" b="0" i="0" u="none" strike="noStrike" dirty="0">
+                        <a:rPr lang="en-GB" sz="1200" b="0" i="0" u="none" strike="noStrike" dirty="0">
                           <a:solidFill>
                             <a:srgbClr val="000000"/>
                           </a:solidFill>
@@ -28412,7 +30259,7 @@
                         <a:t>, </a:t>
                       </a:r>
                       <a:r>
-                        <a:rPr lang="en-US" b="0" i="0" u="none" strike="noStrike" dirty="0" err="1">
+                        <a:rPr lang="en-GB" sz="1200" b="0" i="0" u="none" strike="noStrike" dirty="0" err="1">
                           <a:solidFill>
                             <a:srgbClr val="001080"/>
                           </a:solidFill>
@@ -28422,7 +30269,7 @@
                         <a:t>x_in</a:t>
                       </a:r>
                       <a:r>
-                        <a:rPr lang="en-US" b="0" i="0" u="none" strike="noStrike" dirty="0">
+                        <a:rPr lang="en-GB" sz="1200" b="0" i="0" u="none" strike="noStrike" dirty="0">
                           <a:solidFill>
                             <a:srgbClr val="000000"/>
                           </a:solidFill>
@@ -28432,7 +30279,7 @@
                         <a:t>, </a:t>
                       </a:r>
                       <a:r>
-                        <a:rPr lang="en-US" b="0" i="0" u="none" strike="noStrike" dirty="0" err="1">
+                        <a:rPr lang="en-GB" sz="1200" b="0" i="0" u="none" strike="noStrike" dirty="0" err="1">
                           <a:solidFill>
                             <a:srgbClr val="001080"/>
                           </a:solidFill>
@@ -28442,7 +30289,7 @@
                         <a:t>apply_softmax</a:t>
                       </a:r>
                       <a:r>
-                        <a:rPr lang="en-US" b="0" i="0" u="none" strike="noStrike" dirty="0">
+                        <a:rPr lang="en-GB" sz="1200" b="0" i="0" u="none" strike="noStrike" dirty="0">
                           <a:solidFill>
                             <a:srgbClr val="000000"/>
                           </a:solidFill>
@@ -28452,7 +30299,7 @@
                         <a:t>=</a:t>
                       </a:r>
                       <a:r>
-                        <a:rPr lang="en-US" b="0" i="0" u="none" strike="noStrike" dirty="0">
+                        <a:rPr lang="en-GB" sz="1200" b="0" i="0" u="none" strike="noStrike" dirty="0">
                           <a:solidFill>
                             <a:srgbClr val="0000FF"/>
                           </a:solidFill>
@@ -28462,7 +30309,7 @@
                         <a:t>False</a:t>
                       </a:r>
                       <a:r>
-                        <a:rPr lang="en-US" b="0" i="0" u="none" strike="noStrike" dirty="0">
+                        <a:rPr lang="en-GB" sz="1200" b="0" i="0" u="none" strike="noStrike" dirty="0">
                           <a:solidFill>
                             <a:srgbClr val="000000"/>
                           </a:solidFill>
@@ -28475,7 +30322,90 @@
                     <a:p>
                       <a:pPr algn="l"/>
                       <a:r>
-                        <a:rPr lang="en-US" b="0" i="0" u="none" strike="noStrike" dirty="0">
+                        <a:rPr lang="en-GB" sz="1200" b="0" i="0" u="none" strike="noStrike" dirty="0">
+                          <a:solidFill>
+                            <a:srgbClr val="000000"/>
+                          </a:solidFill>
+                          <a:effectLst/>
+                          <a:latin typeface="Courier New" panose="02070309020205020404" pitchFamily="49" charset="0"/>
+                        </a:rPr>
+                        <a:t>        features = </a:t>
+                      </a:r>
+                      <a:r>
+                        <a:rPr lang="en-GB" sz="1200" b="0" i="0" u="none" strike="noStrike" dirty="0" err="1">
+                          <a:solidFill>
+                            <a:srgbClr val="001080"/>
+                          </a:solidFill>
+                          <a:effectLst/>
+                          <a:latin typeface="Courier New" panose="02070309020205020404" pitchFamily="49" charset="0"/>
+                        </a:rPr>
+                        <a:t>self</a:t>
+                      </a:r>
+                      <a:r>
+                        <a:rPr lang="en-GB" sz="1200" b="0" i="0" u="none" strike="noStrike" dirty="0" err="1">
+                          <a:solidFill>
+                            <a:srgbClr val="000000"/>
+                          </a:solidFill>
+                          <a:effectLst/>
+                          <a:latin typeface="Courier New" panose="02070309020205020404" pitchFamily="49" charset="0"/>
+                        </a:rPr>
+                        <a:t>.convnet</a:t>
+                      </a:r>
+                      <a:r>
+                        <a:rPr lang="en-GB" sz="1200" b="0" i="0" u="none" strike="noStrike" dirty="0">
+                          <a:solidFill>
+                            <a:srgbClr val="000000"/>
+                          </a:solidFill>
+                          <a:effectLst/>
+                          <a:latin typeface="Courier New" panose="02070309020205020404" pitchFamily="49" charset="0"/>
+                        </a:rPr>
+                        <a:t>(</a:t>
+                      </a:r>
+                      <a:r>
+                        <a:rPr lang="en-GB" sz="1200" b="0" i="0" u="none" strike="noStrike" dirty="0" err="1">
+                          <a:solidFill>
+                            <a:srgbClr val="000000"/>
+                          </a:solidFill>
+                          <a:effectLst/>
+                          <a:latin typeface="Courier New" panose="02070309020205020404" pitchFamily="49" charset="0"/>
+                        </a:rPr>
+                        <a:t>x_in</a:t>
+                      </a:r>
+                      <a:r>
+                        <a:rPr lang="en-GB" sz="1200" b="0" i="0" u="none" strike="noStrike" dirty="0">
+                          <a:solidFill>
+                            <a:srgbClr val="000000"/>
+                          </a:solidFill>
+                          <a:effectLst/>
+                          <a:latin typeface="Courier New" panose="02070309020205020404" pitchFamily="49" charset="0"/>
+                        </a:rPr>
+                        <a:t>).squeeze(dim=</a:t>
+                      </a:r>
+                      <a:r>
+                        <a:rPr lang="en-GB" sz="1200" b="0" i="0" u="none" strike="noStrike" dirty="0">
+                          <a:solidFill>
+                            <a:srgbClr val="09885A"/>
+                          </a:solidFill>
+                          <a:effectLst/>
+                          <a:latin typeface="Courier New" panose="02070309020205020404" pitchFamily="49" charset="0"/>
+                        </a:rPr>
+                        <a:t>2</a:t>
+                      </a:r>
+                      <a:r>
+                        <a:rPr lang="en-GB" sz="1200" b="0" i="0" u="none" strike="noStrike" dirty="0">
+                          <a:solidFill>
+                            <a:srgbClr val="000000"/>
+                          </a:solidFill>
+                          <a:effectLst/>
+                          <a:latin typeface="Courier New" panose="02070309020205020404" pitchFamily="49" charset="0"/>
+                        </a:rPr>
+                        <a:t>)</a:t>
+                      </a:r>
+                    </a:p>
+                    <a:p>
+                      <a:pPr algn="l"/>
+                      <a:r>
+                        <a:rPr lang="en-GB" sz="1200" b="0" i="0" u="none" strike="noStrike" dirty="0">
                           <a:solidFill>
                             <a:srgbClr val="000000"/>
                           </a:solidFill>
@@ -28485,17 +30415,17 @@
                         <a:t>        </a:t>
                       </a:r>
                       <a:r>
-                        <a:rPr lang="en-US" b="0" i="0" u="none" strike="noStrike" dirty="0" err="1">
-                          <a:solidFill>
-                            <a:srgbClr val="000000"/>
-                          </a:solidFill>
-                          <a:effectLst/>
-                          <a:latin typeface="Courier New" panose="02070309020205020404" pitchFamily="49" charset="0"/>
-                        </a:rPr>
-                        <a:t>intermediate_vector</a:t>
-                      </a:r>
-                      <a:r>
-                        <a:rPr lang="en-US" b="0" i="0" u="none" strike="noStrike" dirty="0">
+                        <a:rPr lang="en-GB" sz="1200" b="0" i="0" u="none" strike="noStrike" dirty="0" err="1">
+                          <a:solidFill>
+                            <a:srgbClr val="000000"/>
+                          </a:solidFill>
+                          <a:effectLst/>
+                          <a:latin typeface="Courier New" panose="02070309020205020404" pitchFamily="49" charset="0"/>
+                        </a:rPr>
+                        <a:t>prediction_vector</a:t>
+                      </a:r>
+                      <a:r>
+                        <a:rPr lang="en-GB" sz="1200" b="0" i="0" u="none" strike="noStrike" dirty="0">
                           <a:solidFill>
                             <a:srgbClr val="000000"/>
                           </a:solidFill>
@@ -28505,17 +30435,139 @@
                         <a:t> = </a:t>
                       </a:r>
                       <a:r>
-                        <a:rPr lang="en-US" b="0" i="0" u="none" strike="noStrike" dirty="0" err="1">
-                          <a:solidFill>
-                            <a:srgbClr val="000000"/>
-                          </a:solidFill>
-                          <a:effectLst/>
-                          <a:latin typeface="Courier New" panose="02070309020205020404" pitchFamily="49" charset="0"/>
-                        </a:rPr>
-                        <a:t>F.relu</a:t>
-                      </a:r>
-                      <a:r>
-                        <a:rPr lang="en-US" b="0" i="0" u="none" strike="noStrike" dirty="0">
+                        <a:rPr lang="en-GB" sz="1200" b="0" i="0" u="none" strike="noStrike" dirty="0" err="1">
+                          <a:solidFill>
+                            <a:srgbClr val="001080"/>
+                          </a:solidFill>
+                          <a:effectLst/>
+                          <a:latin typeface="Courier New" panose="02070309020205020404" pitchFamily="49" charset="0"/>
+                        </a:rPr>
+                        <a:t>self</a:t>
+                      </a:r>
+                      <a:r>
+                        <a:rPr lang="en-GB" sz="1200" b="0" i="0" u="none" strike="noStrike" dirty="0" err="1">
+                          <a:solidFill>
+                            <a:srgbClr val="000000"/>
+                          </a:solidFill>
+                          <a:effectLst/>
+                          <a:latin typeface="Courier New" panose="02070309020205020404" pitchFamily="49" charset="0"/>
+                        </a:rPr>
+                        <a:t>.fc</a:t>
+                      </a:r>
+                      <a:r>
+                        <a:rPr lang="en-GB" sz="1200" b="0" i="0" u="none" strike="noStrike" dirty="0">
+                          <a:solidFill>
+                            <a:srgbClr val="000000"/>
+                          </a:solidFill>
+                          <a:effectLst/>
+                          <a:latin typeface="Courier New" panose="02070309020205020404" pitchFamily="49" charset="0"/>
+                        </a:rPr>
+                        <a:t>(features)</a:t>
+                      </a:r>
+                      <a:br>
+                        <a:rPr lang="en-GB" sz="1200" b="0" i="0" u="none" strike="noStrike" dirty="0">
+                          <a:solidFill>
+                            <a:srgbClr val="000000"/>
+                          </a:solidFill>
+                          <a:effectLst/>
+                          <a:latin typeface="Courier New" panose="02070309020205020404" pitchFamily="49" charset="0"/>
+                        </a:rPr>
+                      </a:br>
+                      <a:r>
+                        <a:rPr lang="en-GB" sz="1200" b="0" i="0" u="none" strike="noStrike" dirty="0">
+                          <a:solidFill>
+                            <a:srgbClr val="000000"/>
+                          </a:solidFill>
+                          <a:effectLst/>
+                          <a:latin typeface="Courier New" panose="02070309020205020404" pitchFamily="49" charset="0"/>
+                        </a:rPr>
+                        <a:t>        </a:t>
+                      </a:r>
+                      <a:r>
+                        <a:rPr lang="en-GB" sz="1200" b="0" i="0" u="none" strike="noStrike" dirty="0">
+                          <a:solidFill>
+                            <a:srgbClr val="AF00DB"/>
+                          </a:solidFill>
+                          <a:effectLst/>
+                          <a:latin typeface="Courier New" panose="02070309020205020404" pitchFamily="49" charset="0"/>
+                        </a:rPr>
+                        <a:t>if</a:t>
+                      </a:r>
+                      <a:r>
+                        <a:rPr lang="en-GB" sz="1200" b="0" i="0" u="none" strike="noStrike" dirty="0">
+                          <a:solidFill>
+                            <a:srgbClr val="000000"/>
+                          </a:solidFill>
+                          <a:effectLst/>
+                          <a:latin typeface="Courier New" panose="02070309020205020404" pitchFamily="49" charset="0"/>
+                        </a:rPr>
+                        <a:t> </a:t>
+                      </a:r>
+                      <a:r>
+                        <a:rPr lang="en-GB" sz="1200" b="0" i="0" u="none" strike="noStrike" dirty="0" err="1">
+                          <a:solidFill>
+                            <a:srgbClr val="000000"/>
+                          </a:solidFill>
+                          <a:effectLst/>
+                          <a:latin typeface="Courier New" panose="02070309020205020404" pitchFamily="49" charset="0"/>
+                        </a:rPr>
+                        <a:t>apply_softmax</a:t>
+                      </a:r>
+                      <a:r>
+                        <a:rPr lang="en-GB" sz="1200" b="0" i="0" u="none" strike="noStrike" dirty="0">
+                          <a:solidFill>
+                            <a:srgbClr val="000000"/>
+                          </a:solidFill>
+                          <a:effectLst/>
+                          <a:latin typeface="Courier New" panose="02070309020205020404" pitchFamily="49" charset="0"/>
+                        </a:rPr>
+                        <a:t>:</a:t>
+                      </a:r>
+                    </a:p>
+                    <a:p>
+                      <a:pPr algn="l"/>
+                      <a:r>
+                        <a:rPr lang="en-GB" sz="1200" b="0" i="0" u="none" strike="noStrike" dirty="0">
+                          <a:solidFill>
+                            <a:srgbClr val="000000"/>
+                          </a:solidFill>
+                          <a:effectLst/>
+                          <a:latin typeface="Courier New" panose="02070309020205020404" pitchFamily="49" charset="0"/>
+                        </a:rPr>
+                        <a:t>            </a:t>
+                      </a:r>
+                      <a:r>
+                        <a:rPr lang="en-GB" sz="1200" b="0" i="0" u="none" strike="noStrike" dirty="0" err="1">
+                          <a:solidFill>
+                            <a:srgbClr val="000000"/>
+                          </a:solidFill>
+                          <a:effectLst/>
+                          <a:latin typeface="Courier New" panose="02070309020205020404" pitchFamily="49" charset="0"/>
+                        </a:rPr>
+                        <a:t>prediction_vector</a:t>
+                      </a:r>
+                      <a:r>
+                        <a:rPr lang="en-GB" sz="1200" b="0" i="0" u="none" strike="noStrike" dirty="0">
+                          <a:solidFill>
+                            <a:srgbClr val="000000"/>
+                          </a:solidFill>
+                          <a:effectLst/>
+                          <a:latin typeface="Courier New" panose="02070309020205020404" pitchFamily="49" charset="0"/>
+                        </a:rPr>
+                        <a:t> = </a:t>
+                      </a:r>
+                      <a:r>
+                        <a:rPr lang="en-GB" sz="1200" b="0" i="0" u="none" strike="noStrike" dirty="0" err="1">
+                          <a:solidFill>
+                            <a:srgbClr val="000000"/>
+                          </a:solidFill>
+                          <a:effectLst/>
+                          <a:latin typeface="Courier New" panose="02070309020205020404" pitchFamily="49" charset="0"/>
+                        </a:rPr>
+                        <a:t>F.softmax</a:t>
+                      </a:r>
+                      <a:r>
+                        <a:rPr lang="en-GB" sz="1200" b="0" i="0" u="none" strike="noStrike" dirty="0">
                           <a:solidFill>
                             <a:srgbClr val="000000"/>
                           </a:solidFill>
@@ -28525,60 +30577,7 @@
                         <a:t>(</a:t>
                       </a:r>
                       <a:r>
-                        <a:rPr lang="en-US" b="0" i="0" u="none" strike="noStrike" dirty="0">
-                          <a:solidFill>
-                            <a:srgbClr val="001080"/>
-                          </a:solidFill>
-                          <a:effectLst/>
-                          <a:latin typeface="Courier New" panose="02070309020205020404" pitchFamily="49" charset="0"/>
-                        </a:rPr>
-                        <a:t>self</a:t>
-                      </a:r>
-                      <a:r>
-                        <a:rPr lang="en-US" b="0" i="0" u="none" strike="noStrike" dirty="0">
-                          <a:solidFill>
-                            <a:srgbClr val="000000"/>
-                          </a:solidFill>
-                          <a:effectLst/>
-                          <a:latin typeface="Courier New" panose="02070309020205020404" pitchFamily="49" charset="0"/>
-                        </a:rPr>
-                        <a:t>.fc1(</a:t>
-                      </a:r>
-                      <a:r>
-                        <a:rPr lang="en-US" b="0" i="0" u="none" strike="noStrike" dirty="0" err="1">
-                          <a:solidFill>
-                            <a:srgbClr val="000000"/>
-                          </a:solidFill>
-                          <a:effectLst/>
-                          <a:latin typeface="Courier New" panose="02070309020205020404" pitchFamily="49" charset="0"/>
-                        </a:rPr>
-                        <a:t>x_in</a:t>
-                      </a:r>
-                      <a:r>
-                        <a:rPr lang="en-US" b="0" i="0" u="none" strike="noStrike" dirty="0">
-                          <a:solidFill>
-                            <a:srgbClr val="000000"/>
-                          </a:solidFill>
-                          <a:effectLst/>
-                          <a:latin typeface="Courier New" panose="02070309020205020404" pitchFamily="49" charset="0"/>
-                        </a:rPr>
-                        <a:t>))</a:t>
-                      </a:r>
-                    </a:p>
-                    <a:p>
-                      <a:pPr algn="l"/>
-                      <a:r>
-                        <a:rPr lang="en-US" b="0" i="0" u="none" strike="noStrike" dirty="0">
-                          <a:solidFill>
-                            <a:srgbClr val="000000"/>
-                          </a:solidFill>
-                          <a:effectLst/>
-                          <a:latin typeface="Courier New" panose="02070309020205020404" pitchFamily="49" charset="0"/>
-                        </a:rPr>
-                        <a:t>        </a:t>
-                      </a:r>
-                      <a:r>
-                        <a:rPr lang="en-US" b="0" i="0" u="none" strike="noStrike" dirty="0" err="1">
+                        <a:rPr lang="en-GB" sz="1200" b="0" i="0" u="none" strike="noStrike" dirty="0" err="1">
                           <a:solidFill>
                             <a:srgbClr val="000000"/>
                           </a:solidFill>
@@ -28588,47 +30587,27 @@
                         <a:t>prediction_vector</a:t>
                       </a:r>
                       <a:r>
-                        <a:rPr lang="en-US" b="0" i="0" u="none" strike="noStrike" dirty="0">
-                          <a:solidFill>
-                            <a:srgbClr val="000000"/>
-                          </a:solidFill>
-                          <a:effectLst/>
-                          <a:latin typeface="Courier New" panose="02070309020205020404" pitchFamily="49" charset="0"/>
-                        </a:rPr>
-                        <a:t> = </a:t>
-                      </a:r>
-                      <a:r>
-                        <a:rPr lang="en-US" b="0" i="0" u="none" strike="noStrike" dirty="0">
-                          <a:solidFill>
-                            <a:srgbClr val="001080"/>
-                          </a:solidFill>
-                          <a:effectLst/>
-                          <a:latin typeface="Courier New" panose="02070309020205020404" pitchFamily="49" charset="0"/>
-                        </a:rPr>
-                        <a:t>self</a:t>
-                      </a:r>
-                      <a:r>
-                        <a:rPr lang="en-US" b="0" i="0" u="none" strike="noStrike" dirty="0">
-                          <a:solidFill>
-                            <a:srgbClr val="000000"/>
-                          </a:solidFill>
-                          <a:effectLst/>
-                          <a:latin typeface="Courier New" panose="02070309020205020404" pitchFamily="49" charset="0"/>
-                        </a:rPr>
-                        <a:t>.fc2(</a:t>
-                      </a:r>
-                      <a:r>
-                        <a:rPr lang="en-US" b="0" i="0" u="none" strike="noStrike" dirty="0" err="1">
-                          <a:solidFill>
-                            <a:srgbClr val="000000"/>
-                          </a:solidFill>
-                          <a:effectLst/>
-                          <a:latin typeface="Courier New" panose="02070309020205020404" pitchFamily="49" charset="0"/>
-                        </a:rPr>
-                        <a:t>intermediate_vector</a:t>
-                      </a:r>
-                      <a:r>
-                        <a:rPr lang="en-US" b="0" i="0" u="none" strike="noStrike" dirty="0">
+                        <a:rPr lang="en-GB" sz="1200" b="0" i="0" u="none" strike="noStrike" dirty="0">
+                          <a:solidFill>
+                            <a:srgbClr val="000000"/>
+                          </a:solidFill>
+                          <a:effectLst/>
+                          <a:latin typeface="Courier New" panose="02070309020205020404" pitchFamily="49" charset="0"/>
+                        </a:rPr>
+                        <a:t>, dim=</a:t>
+                      </a:r>
+                      <a:r>
+                        <a:rPr lang="en-GB" sz="1200" b="0" i="0" u="none" strike="noStrike" dirty="0">
+                          <a:solidFill>
+                            <a:srgbClr val="09885A"/>
+                          </a:solidFill>
+                          <a:effectLst/>
+                          <a:latin typeface="Courier New" panose="02070309020205020404" pitchFamily="49" charset="0"/>
+                        </a:rPr>
+                        <a:t>1</a:t>
+                      </a:r>
+                      <a:r>
+                        <a:rPr lang="en-GB" sz="1200" b="0" i="0" u="none" strike="noStrike" dirty="0">
                           <a:solidFill>
                             <a:srgbClr val="000000"/>
                           </a:solidFill>
@@ -28641,7 +30620,7 @@
                     <a:p>
                       <a:pPr algn="l"/>
                       <a:br>
-                        <a:rPr lang="en-US" b="0" i="0" u="none" strike="noStrike" dirty="0">
+                        <a:rPr lang="en-GB" sz="1200" b="0" i="0" u="none" strike="noStrike" dirty="0">
                           <a:solidFill>
                             <a:srgbClr val="000000"/>
                           </a:solidFill>
@@ -28650,7 +30629,7 @@
                         </a:rPr>
                       </a:br>
                       <a:r>
-                        <a:rPr lang="en-US" b="0" i="0" u="none" strike="noStrike" dirty="0">
+                        <a:rPr lang="en-GB" sz="1200" b="0" i="0" u="none" strike="noStrike" dirty="0">
                           <a:solidFill>
                             <a:srgbClr val="000000"/>
                           </a:solidFill>
@@ -28660,17 +30639,17 @@
                         <a:t>        </a:t>
                       </a:r>
                       <a:r>
-                        <a:rPr lang="en-US" b="0" i="0" u="none" strike="noStrike" dirty="0">
+                        <a:rPr lang="en-GB" sz="1200" b="0" i="0" u="none" strike="noStrike" dirty="0">
                           <a:solidFill>
                             <a:srgbClr val="AF00DB"/>
                           </a:solidFill>
                           <a:effectLst/>
                           <a:latin typeface="Courier New" panose="02070309020205020404" pitchFamily="49" charset="0"/>
                         </a:rPr>
-                        <a:t>if</a:t>
-                      </a:r>
-                      <a:r>
-                        <a:rPr lang="en-US" b="0" i="0" u="none" strike="noStrike" dirty="0">
+                        <a:t>return</a:t>
+                      </a:r>
+                      <a:r>
+                        <a:rPr lang="en-GB" sz="1200" b="0" i="0" u="none" strike="noStrike" dirty="0">
                           <a:solidFill>
                             <a:srgbClr val="000000"/>
                           </a:solidFill>
@@ -28680,182 +30659,7 @@
                         <a:t> </a:t>
                       </a:r>
                       <a:r>
-                        <a:rPr lang="en-US" b="0" i="0" u="none" strike="noStrike" dirty="0" err="1">
-                          <a:solidFill>
-                            <a:srgbClr val="000000"/>
-                          </a:solidFill>
-                          <a:effectLst/>
-                          <a:latin typeface="Courier New" panose="02070309020205020404" pitchFamily="49" charset="0"/>
-                        </a:rPr>
-                        <a:t>apply_softmax</a:t>
-                      </a:r>
-                      <a:r>
-                        <a:rPr lang="en-US" b="0" i="0" u="none" strike="noStrike" dirty="0">
-                          <a:solidFill>
-                            <a:srgbClr val="000000"/>
-                          </a:solidFill>
-                          <a:effectLst/>
-                          <a:latin typeface="Courier New" panose="02070309020205020404" pitchFamily="49" charset="0"/>
-                        </a:rPr>
-                        <a:t>:</a:t>
-                      </a:r>
-                    </a:p>
-                    <a:p>
-                      <a:pPr algn="l"/>
-                      <a:r>
-                        <a:rPr lang="en-US" b="0" i="0" u="none" strike="noStrike" dirty="0">
-                          <a:solidFill>
-                            <a:srgbClr val="000000"/>
-                          </a:solidFill>
-                          <a:effectLst/>
-                          <a:latin typeface="Courier New" panose="02070309020205020404" pitchFamily="49" charset="0"/>
-                        </a:rPr>
-                        <a:t>            </a:t>
-                      </a:r>
-                      <a:r>
-                        <a:rPr lang="en-US" b="0" i="0" u="none" strike="noStrike" dirty="0" err="1">
-                          <a:solidFill>
-                            <a:srgbClr val="000000"/>
-                          </a:solidFill>
-                          <a:effectLst/>
-                          <a:latin typeface="Courier New" panose="02070309020205020404" pitchFamily="49" charset="0"/>
-                        </a:rPr>
-                        <a:t>prediction_vector</a:t>
-                      </a:r>
-                      <a:r>
-                        <a:rPr lang="en-US" b="0" i="0" u="none" strike="noStrike" dirty="0">
-                          <a:solidFill>
-                            <a:srgbClr val="000000"/>
-                          </a:solidFill>
-                          <a:effectLst/>
-                          <a:latin typeface="Courier New" panose="02070309020205020404" pitchFamily="49" charset="0"/>
-                        </a:rPr>
-                        <a:t> = </a:t>
-                      </a:r>
-                      <a:r>
-                        <a:rPr lang="en-US" b="0" i="0" u="none" strike="noStrike" dirty="0" err="1">
-                          <a:solidFill>
-                            <a:srgbClr val="000000"/>
-                          </a:solidFill>
-                          <a:effectLst/>
-                          <a:latin typeface="Courier New" panose="02070309020205020404" pitchFamily="49" charset="0"/>
-                        </a:rPr>
-                        <a:t>F.softmax</a:t>
-                      </a:r>
-                      <a:r>
-                        <a:rPr lang="en-US" b="0" i="0" u="none" strike="noStrike" dirty="0">
-                          <a:solidFill>
-                            <a:srgbClr val="000000"/>
-                          </a:solidFill>
-                          <a:effectLst/>
-                          <a:latin typeface="Courier New" panose="02070309020205020404" pitchFamily="49" charset="0"/>
-                        </a:rPr>
-                        <a:t>(</a:t>
-                      </a:r>
-                      <a:r>
-                        <a:rPr lang="en-US" b="0" i="0" u="none" strike="noStrike" dirty="0" err="1">
-                          <a:solidFill>
-                            <a:srgbClr val="000000"/>
-                          </a:solidFill>
-                          <a:effectLst/>
-                          <a:latin typeface="Courier New" panose="02070309020205020404" pitchFamily="49" charset="0"/>
-                        </a:rPr>
-                        <a:t>prediction_vector</a:t>
-                      </a:r>
-                      <a:r>
-                        <a:rPr lang="en-US" b="0" i="0" u="none" strike="noStrike" dirty="0">
-                          <a:solidFill>
-                            <a:srgbClr val="000000"/>
-                          </a:solidFill>
-                          <a:effectLst/>
-                          <a:latin typeface="Courier New" panose="02070309020205020404" pitchFamily="49" charset="0"/>
-                        </a:rPr>
-                        <a:t>,</a:t>
-                      </a:r>
-                    </a:p>
-                    <a:p>
-                      <a:pPr algn="l"/>
-                      <a:r>
-                        <a:rPr lang="en-US" b="0" i="0" u="none" strike="noStrike" dirty="0">
-                          <a:solidFill>
-                            <a:srgbClr val="000000"/>
-                          </a:solidFill>
-                          <a:effectLst/>
-                          <a:latin typeface="Courier New" panose="02070309020205020404" pitchFamily="49" charset="0"/>
-                        </a:rPr>
-                        <a:t>                                          dim=</a:t>
-                      </a:r>
-                      <a:r>
-                        <a:rPr lang="en-US" b="0" i="0" u="none" strike="noStrike" dirty="0">
-                          <a:solidFill>
-                            <a:srgbClr val="09885A"/>
-                          </a:solidFill>
-                          <a:effectLst/>
-                          <a:latin typeface="Courier New" panose="02070309020205020404" pitchFamily="49" charset="0"/>
-                        </a:rPr>
-                        <a:t>1</a:t>
-                      </a:r>
-                      <a:r>
-                        <a:rPr lang="en-US" b="0" i="0" u="none" strike="noStrike" dirty="0">
-                          <a:solidFill>
-                            <a:srgbClr val="000000"/>
-                          </a:solidFill>
-                          <a:effectLst/>
-                          <a:latin typeface="Courier New" panose="02070309020205020404" pitchFamily="49" charset="0"/>
-                        </a:rPr>
-                        <a:t>)</a:t>
-                      </a:r>
-                      <a:br>
-                        <a:rPr lang="en-US" b="0" i="0" u="none" strike="noStrike" dirty="0">
-                          <a:solidFill>
-                            <a:srgbClr val="000000"/>
-                          </a:solidFill>
-                          <a:effectLst/>
-                          <a:latin typeface="Courier New" panose="02070309020205020404" pitchFamily="49" charset="0"/>
-                        </a:rPr>
-                      </a:br>
-                      <a:endParaRPr lang="en-US" b="0" i="0" u="none" strike="noStrike" dirty="0">
-                        <a:solidFill>
-                          <a:srgbClr val="000000"/>
-                        </a:solidFill>
-                        <a:effectLst/>
-                        <a:latin typeface="Courier New" panose="02070309020205020404" pitchFamily="49" charset="0"/>
-                      </a:endParaRPr>
-                    </a:p>
-                    <a:p>
-                      <a:pPr algn="l"/>
-                      <a:r>
-                        <a:rPr lang="en-US" b="0" i="0" u="none" strike="noStrike" dirty="0">
-                          <a:solidFill>
-                            <a:srgbClr val="000000"/>
-                          </a:solidFill>
-                          <a:effectLst/>
-                          <a:latin typeface="Courier New" panose="02070309020205020404" pitchFamily="49" charset="0"/>
-                        </a:rPr>
-                        <a:t>        </a:t>
-                      </a:r>
-                      <a:r>
-                        <a:rPr lang="en-US" b="0" i="0" u="none" strike="noStrike" dirty="0">
-                          <a:solidFill>
-                            <a:srgbClr val="AF00DB"/>
-                          </a:solidFill>
-                          <a:effectLst/>
-                          <a:latin typeface="Courier New" panose="02070309020205020404" pitchFamily="49" charset="0"/>
-                        </a:rPr>
-                        <a:t>return</a:t>
-                      </a:r>
-                      <a:r>
-                        <a:rPr lang="en-US" b="0" i="0" u="none" strike="noStrike" dirty="0">
-                          <a:solidFill>
-                            <a:srgbClr val="000000"/>
-                          </a:solidFill>
-                          <a:effectLst/>
-                          <a:latin typeface="Courier New" panose="02070309020205020404" pitchFamily="49" charset="0"/>
-                        </a:rPr>
-                        <a:t> </a:t>
-                      </a:r>
-                      <a:r>
-                        <a:rPr lang="en-US" b="0" i="0" u="none" strike="noStrike" dirty="0" err="1">
+                        <a:rPr lang="en-GB" sz="1200" b="0" i="0" u="none" strike="noStrike" dirty="0" err="1">
                           <a:solidFill>
                             <a:srgbClr val="000000"/>
                           </a:solidFill>
@@ -28978,1050 +30782,1787 @@
           <a:lstStyle/>
           <a:p>
             <a:r>
-              <a:rPr lang="en-US" dirty="0"/>
-              <a:t>The Training Routine</a:t>
+              <a:rPr lang="en-US" sz="3200" dirty="0"/>
+              <a:t>A Surname Classifier with Convolutional Networks</a:t>
             </a:r>
           </a:p>
         </p:txBody>
       </p:sp>
-      <p:graphicFrame>
-        <p:nvGraphicFramePr>
-          <p:cNvPr id="16" name="Table 16">
+      <mc:AlternateContent xmlns:mc="http://schemas.openxmlformats.org/markup-compatibility/2006">
+        <mc:Choice xmlns:a14="http://schemas.microsoft.com/office/drawing/2010/main" Requires="a14">
+          <p:graphicFrame>
+            <p:nvGraphicFramePr>
+              <p:cNvPr id="16" name="Table 16">
+                <a:extLst>
+                  <a:ext uri="{FF2B5EF4-FFF2-40B4-BE49-F238E27FC236}">
+                    <a16:creationId xmlns:a16="http://schemas.microsoft.com/office/drawing/2014/main" id="{93F44A5E-B3CE-3BA0-3C48-A4083A6F3496}"/>
+                  </a:ext>
+                </a:extLst>
+              </p:cNvPr>
+              <p:cNvGraphicFramePr>
+                <a:graphicFrameLocks noGrp="1"/>
+              </p:cNvGraphicFramePr>
+              <p:nvPr>
+                <p:extLst>
+                  <p:ext uri="{D42A27DB-BD31-4B8C-83A1-F6EECF244321}">
+                    <p14:modId xmlns:p14="http://schemas.microsoft.com/office/powerpoint/2010/main" val="511468478"/>
+                  </p:ext>
+                </p:extLst>
+              </p:nvPr>
+            </p:nvGraphicFramePr>
+            <p:xfrm>
+              <a:off x="179512" y="548681"/>
+              <a:ext cx="8640960" cy="6148679"/>
+            </p:xfrm>
+            <a:graphic>
+              <a:graphicData uri="http://schemas.openxmlformats.org/drawingml/2006/table">
+                <a:tbl>
+                  <a:tblPr>
+                    <a:tableStyleId>{5C22544A-7EE6-4342-B048-85BDC9FD1C3A}</a:tableStyleId>
+                  </a:tblPr>
+                  <a:tblGrid>
+                    <a:gridCol w="8640960">
+                      <a:extLst>
+                        <a:ext uri="{9D8B030D-6E8A-4147-A177-3AD203B41FA5}">
+                          <a16:colId xmlns:a16="http://schemas.microsoft.com/office/drawing/2014/main" val="2706851558"/>
+                        </a:ext>
+                      </a:extLst>
+                    </a:gridCol>
+                  </a:tblGrid>
+                  <a:tr h="1609202">
+                    <a:tc>
+                      <a:txBody>
+                        <a:bodyPr/>
+                        <a:lstStyle/>
+                        <a:p>
+                          <a:pPr marL="0" marR="0" lvl="0" indent="0" algn="l" defTabSz="914400" rtl="0" eaLnBrk="1" fontAlgn="auto" latinLnBrk="0" hangingPunct="1">
+                            <a:lnSpc>
+                              <a:spcPct val="100000"/>
+                            </a:lnSpc>
+                            <a:spcBef>
+                              <a:spcPts val="0"/>
+                            </a:spcBef>
+                            <a:spcAft>
+                              <a:spcPts val="0"/>
+                            </a:spcAft>
+                            <a:buClrTx/>
+                            <a:buSzTx/>
+                            <a:buFontTx/>
+                            <a:buNone/>
+                            <a:tabLst/>
+                            <a:defRPr/>
+                          </a:pPr>
+                          <a:r>
+                            <a:rPr lang="en-US" sz="2000" b="0" noProof="0" dirty="0"/>
+                            <a:t>ELU stands for Exponential Linear Unit. It is defined as </a:t>
+                          </a:r>
+                        </a:p>
+                        <a:p>
+                          <a:pPr marL="0" marR="0" lvl="0" indent="0" algn="l" defTabSz="914400" rtl="0" eaLnBrk="1" fontAlgn="auto" latinLnBrk="0" hangingPunct="1">
+                            <a:lnSpc>
+                              <a:spcPct val="100000"/>
+                            </a:lnSpc>
+                            <a:spcBef>
+                              <a:spcPts val="0"/>
+                            </a:spcBef>
+                            <a:spcAft>
+                              <a:spcPts val="0"/>
+                            </a:spcAft>
+                            <a:buClrTx/>
+                            <a:buSzTx/>
+                            <a:buFontTx/>
+                            <a:buNone/>
+                            <a:tabLst/>
+                            <a:defRPr/>
+                          </a:pPr>
+                          <a:endParaRPr lang="en-US" sz="2000" b="0" noProof="0" dirty="0"/>
+                        </a:p>
+                        <a:p>
+                          <a:pPr marL="0" marR="0" lvl="0" indent="0" algn="l" defTabSz="914400" rtl="0" eaLnBrk="1" fontAlgn="auto" latinLnBrk="0" hangingPunct="1">
+                            <a:lnSpc>
+                              <a:spcPct val="100000"/>
+                            </a:lnSpc>
+                            <a:spcBef>
+                              <a:spcPts val="0"/>
+                            </a:spcBef>
+                            <a:spcAft>
+                              <a:spcPts val="0"/>
+                            </a:spcAft>
+                            <a:buClrTx/>
+                            <a:buSzTx/>
+                            <a:buFontTx/>
+                            <a:buNone/>
+                            <a:tabLst/>
+                            <a:defRPr/>
+                          </a:pPr>
+                          <a14:m>
+                            <m:oMathPara xmlns:m="http://schemas.openxmlformats.org/officeDocument/2006/math">
+                              <m:oMathParaPr>
+                                <m:jc m:val="centerGroup"/>
+                              </m:oMathParaPr>
+                              <m:oMath xmlns:m="http://schemas.openxmlformats.org/officeDocument/2006/math">
+                                <m:r>
+                                  <a:rPr lang="hr-HR" sz="2000" b="0" i="1" noProof="0" smtClean="0">
+                                    <a:latin typeface="Cambria Math" panose="02040503050406030204" pitchFamily="18" charset="0"/>
+                                  </a:rPr>
+                                  <m:t>𝐸𝐿𝑈</m:t>
+                                </m:r>
+                                <m:d>
+                                  <m:dPr>
+                                    <m:ctrlPr>
+                                      <a:rPr lang="en-US" sz="2000" b="0" i="1" noProof="0" smtClean="0">
+                                        <a:latin typeface="Cambria Math" panose="02040503050406030204" pitchFamily="18" charset="0"/>
+                                      </a:rPr>
+                                    </m:ctrlPr>
+                                  </m:dPr>
+                                  <m:e>
+                                    <m:r>
+                                      <a:rPr lang="en-US" sz="2000" b="0" i="1" noProof="0" smtClean="0">
+                                        <a:latin typeface="Cambria Math" panose="02040503050406030204" pitchFamily="18" charset="0"/>
+                                      </a:rPr>
+                                      <m:t>𝑥</m:t>
+                                    </m:r>
+                                  </m:e>
+                                </m:d>
+                                <m:r>
+                                  <a:rPr lang="en-US" sz="2000" b="0" i="1" noProof="0" smtClean="0">
+                                    <a:latin typeface="Cambria Math" panose="02040503050406030204" pitchFamily="18" charset="0"/>
+                                  </a:rPr>
+                                  <m:t>=</m:t>
+                                </m:r>
+                                <m:d>
+                                  <m:dPr>
+                                    <m:begChr m:val="{"/>
+                                    <m:endChr m:val=""/>
+                                    <m:ctrlPr>
+                                      <a:rPr lang="en-US" sz="2000" b="0" i="1" noProof="0" smtClean="0">
+                                        <a:latin typeface="Cambria Math" panose="02040503050406030204" pitchFamily="18" charset="0"/>
+                                      </a:rPr>
+                                    </m:ctrlPr>
+                                  </m:dPr>
+                                  <m:e>
+                                    <m:eqArr>
+                                      <m:eqArrPr>
+                                        <m:ctrlPr>
+                                          <a:rPr lang="en-US" sz="2000" b="0" i="1" noProof="0" smtClean="0">
+                                            <a:latin typeface="Cambria Math" panose="02040503050406030204" pitchFamily="18" charset="0"/>
+                                          </a:rPr>
+                                        </m:ctrlPr>
+                                      </m:eqArrPr>
+                                      <m:e>
+                                        <m:m>
+                                          <m:mPr>
+                                            <m:mcs>
+                                              <m:mc>
+                                                <m:mcPr>
+                                                  <m:count m:val="2"/>
+                                                  <m:mcJc m:val="center"/>
+                                                </m:mcPr>
+                                              </m:mc>
+                                            </m:mcs>
+                                            <m:ctrlPr>
+                                              <a:rPr lang="en-US" sz="2000" b="0" i="1" noProof="0" smtClean="0">
+                                                <a:latin typeface="Cambria Math" panose="02040503050406030204" pitchFamily="18" charset="0"/>
+                                              </a:rPr>
+                                            </m:ctrlPr>
+                                          </m:mPr>
+                                          <m:mr>
+                                            <m:e>
+                                              <m:r>
+                                                <m:rPr>
+                                                  <m:brk m:alnAt="7"/>
+                                                </m:rPr>
+                                                <a:rPr lang="en-US" sz="2000" b="0" i="1" noProof="0" smtClean="0">
+                                                  <a:latin typeface="Cambria Math" panose="02040503050406030204" pitchFamily="18" charset="0"/>
+                                                </a:rPr>
+                                                <m:t>𝑥</m:t>
+                                              </m:r>
+                                              <m:r>
+                                                <a:rPr lang="en-US" sz="2000" b="0" i="1" noProof="0" smtClean="0">
+                                                  <a:latin typeface="Cambria Math" panose="02040503050406030204" pitchFamily="18" charset="0"/>
+                                                </a:rPr>
+                                                <m:t> </m:t>
+                                              </m:r>
+                                              <m:r>
+                                                <a:rPr lang="hr-HR" sz="2000" b="0" i="1" noProof="0" smtClean="0">
+                                                  <a:latin typeface="Cambria Math" panose="02040503050406030204" pitchFamily="18" charset="0"/>
+                                                </a:rPr>
+                                                <m:t>                </m:t>
+                                              </m:r>
+                                            </m:e>
+                                            <m:e>
+                                              <m:r>
+                                                <m:rPr>
+                                                  <m:nor/>
+                                                </m:rPr>
+                                                <a:rPr lang="en-US" sz="2000" b="0" i="0" noProof="0" smtClean="0">
+                                                  <a:latin typeface="Cambria Math" panose="02040503050406030204" pitchFamily="18" charset="0"/>
+                                                </a:rPr>
+                                                <m:t>if</m:t>
+                                              </m:r>
+                                              <m:r>
+                                                <m:rPr>
+                                                  <m:nor/>
+                                                </m:rPr>
+                                                <a:rPr lang="en-US" sz="2000" b="0" i="0" noProof="0" smtClean="0">
+                                                  <a:latin typeface="Cambria Math" panose="02040503050406030204" pitchFamily="18" charset="0"/>
+                                                </a:rPr>
+                                                <m:t> </m:t>
+                                              </m:r>
+                                              <m:r>
+                                                <a:rPr lang="en-US" sz="2000" b="0" i="1" noProof="0" smtClean="0">
+                                                  <a:latin typeface="Cambria Math" panose="02040503050406030204" pitchFamily="18" charset="0"/>
+                                                </a:rPr>
+                                                <m:t>𝑥</m:t>
+                                              </m:r>
+                                              <m:r>
+                                                <a:rPr lang="hr-HR" sz="2000" b="0" i="1" noProof="0" smtClean="0">
+                                                  <a:latin typeface="Cambria Math" panose="02040503050406030204" pitchFamily="18" charset="0"/>
+                                                </a:rPr>
+                                                <m:t>&gt;</m:t>
+                                              </m:r>
+                                              <m:r>
+                                                <a:rPr lang="en-US" sz="2000" b="0" i="1" noProof="0" smtClean="0">
+                                                  <a:latin typeface="Cambria Math" panose="02040503050406030204" pitchFamily="18" charset="0"/>
+                                                  <a:ea typeface="Cambria Math" panose="02040503050406030204" pitchFamily="18" charset="0"/>
+                                                </a:rPr>
+                                                <m:t>0</m:t>
+                                              </m:r>
+                                            </m:e>
+                                          </m:mr>
+                                        </m:m>
+                                      </m:e>
+                                      <m:e>
+                                        <m:m>
+                                          <m:mPr>
+                                            <m:mcs>
+                                              <m:mc>
+                                                <m:mcPr>
+                                                  <m:count m:val="2"/>
+                                                  <m:mcJc m:val="center"/>
+                                                </m:mcPr>
+                                              </m:mc>
+                                            </m:mcs>
+                                            <m:ctrlPr>
+                                              <a:rPr lang="en-US" sz="2000" b="0" i="1" noProof="0" smtClean="0">
+                                                <a:latin typeface="Cambria Math" panose="02040503050406030204" pitchFamily="18" charset="0"/>
+                                              </a:rPr>
+                                            </m:ctrlPr>
+                                          </m:mPr>
+                                          <m:mr>
+                                            <m:e>
+                                              <m:r>
+                                                <m:rPr>
+                                                  <m:brk m:alnAt="7"/>
+                                                </m:rPr>
+                                                <a:rPr lang="en-US" sz="2000" b="0" i="1" noProof="0" smtClean="0">
+                                                  <a:latin typeface="Cambria Math" panose="02040503050406030204" pitchFamily="18" charset="0"/>
+                                                </a:rPr>
+                                                <m:t>𝑎</m:t>
+                                              </m:r>
+                                              <m:r>
+                                                <a:rPr lang="hr-HR" sz="2000" b="0" i="1" noProof="0" smtClean="0">
+                                                  <a:latin typeface="Cambria Math" panose="02040503050406030204" pitchFamily="18" charset="0"/>
+                                                </a:rPr>
+                                                <m:t>(</m:t>
+                                              </m:r>
+                                              <m:sSup>
+                                                <m:sSupPr>
+                                                  <m:ctrlPr>
+                                                    <a:rPr lang="hr-HR" sz="2000" b="0" i="1" noProof="0" smtClean="0">
+                                                      <a:latin typeface="Cambria Math" panose="02040503050406030204" pitchFamily="18" charset="0"/>
+                                                    </a:rPr>
+                                                  </m:ctrlPr>
+                                                </m:sSupPr>
+                                                <m:e>
+                                                  <m:r>
+                                                    <m:rPr>
+                                                      <m:brk m:alnAt="7"/>
+                                                    </m:rPr>
+                                                    <a:rPr lang="hr-HR" sz="2000" b="0" i="1" noProof="0" smtClean="0">
+                                                      <a:latin typeface="Cambria Math" panose="02040503050406030204" pitchFamily="18" charset="0"/>
+                                                    </a:rPr>
+                                                    <m:t>𝑒</m:t>
+                                                  </m:r>
+                                                </m:e>
+                                                <m:sup>
+                                                  <m:r>
+                                                    <m:rPr>
+                                                      <m:brk m:alnAt="7"/>
+                                                    </m:rPr>
+                                                    <a:rPr lang="hr-HR" sz="2000" b="0" i="1" noProof="0" smtClean="0">
+                                                      <a:latin typeface="Cambria Math" panose="02040503050406030204" pitchFamily="18" charset="0"/>
+                                                    </a:rPr>
+                                                    <m:t>𝑥</m:t>
+                                                  </m:r>
+                                                </m:sup>
+                                              </m:sSup>
+                                              <m:r>
+                                                <a:rPr lang="hr-HR" sz="2000" b="0" i="1" noProof="0" smtClean="0">
+                                                  <a:latin typeface="Cambria Math" panose="02040503050406030204" pitchFamily="18" charset="0"/>
+                                                </a:rPr>
+                                                <m:t>−1)</m:t>
+                                              </m:r>
+                                            </m:e>
+                                            <m:e>
+                                              <m:r>
+                                                <m:rPr>
+                                                  <m:nor/>
+                                                </m:rPr>
+                                                <a:rPr lang="en-US" sz="2000" b="0" i="0" noProof="0" smtClean="0">
+                                                  <a:latin typeface="Cambria Math" panose="02040503050406030204" pitchFamily="18" charset="0"/>
+                                                </a:rPr>
+                                                <m:t>if</m:t>
+                                              </m:r>
+                                              <m:r>
+                                                <m:rPr>
+                                                  <m:nor/>
+                                                </m:rPr>
+                                                <a:rPr lang="en-US" sz="2000" b="0" i="0" noProof="0" smtClean="0">
+                                                  <a:latin typeface="Cambria Math" panose="02040503050406030204" pitchFamily="18" charset="0"/>
+                                                </a:rPr>
+                                                <m:t> </m:t>
+                                              </m:r>
+                                              <m:r>
+                                                <a:rPr lang="en-US" sz="2000" b="0" i="1" noProof="0" smtClean="0">
+                                                  <a:latin typeface="Cambria Math" panose="02040503050406030204" pitchFamily="18" charset="0"/>
+                                                </a:rPr>
+                                                <m:t>𝑥</m:t>
+                                              </m:r>
+                                              <m:r>
+                                                <a:rPr lang="en-US" sz="2000" b="0" i="1" noProof="0" smtClean="0">
+                                                  <a:latin typeface="Cambria Math" panose="02040503050406030204" pitchFamily="18" charset="0"/>
+                                                  <a:ea typeface="Cambria Math" panose="02040503050406030204" pitchFamily="18" charset="0"/>
+                                                </a:rPr>
+                                                <m:t>≤</m:t>
+                                              </m:r>
+                                              <m:r>
+                                                <a:rPr lang="en-US" sz="2000" b="0" i="1" noProof="0" smtClean="0">
+                                                  <a:latin typeface="Cambria Math" panose="02040503050406030204" pitchFamily="18" charset="0"/>
+                                                  <a:ea typeface="Cambria Math" panose="02040503050406030204" pitchFamily="18" charset="0"/>
+                                                </a:rPr>
+                                                <m:t>0</m:t>
+                                              </m:r>
+                                            </m:e>
+                                          </m:mr>
+                                        </m:m>
+                                      </m:e>
+                                    </m:eqArr>
+                                  </m:e>
+                                </m:d>
+                              </m:oMath>
+                            </m:oMathPara>
+                          </a14:m>
+                          <a:endParaRPr lang="en-US" sz="2000" b="0" noProof="0" dirty="0"/>
+                        </a:p>
+                        <a:p>
+                          <a:pPr marL="0" marR="0" lvl="0" indent="0" algn="l" defTabSz="914400" rtl="0" eaLnBrk="1" fontAlgn="auto" latinLnBrk="0" hangingPunct="1">
+                            <a:lnSpc>
+                              <a:spcPct val="100000"/>
+                            </a:lnSpc>
+                            <a:spcBef>
+                              <a:spcPts val="0"/>
+                            </a:spcBef>
+                            <a:spcAft>
+                              <a:spcPts val="0"/>
+                            </a:spcAft>
+                            <a:buClrTx/>
+                            <a:buSzTx/>
+                            <a:buFontTx/>
+                            <a:buNone/>
+                            <a:tabLst/>
+                            <a:defRPr/>
+                          </a:pPr>
+                          <a:r>
+                            <a:rPr lang="en-US" sz="2000" b="0" noProof="0" dirty="0"/>
+                            <a:t>For negative </a:t>
+                          </a:r>
+                          <a14:m>
+                            <m:oMath xmlns:m="http://schemas.openxmlformats.org/officeDocument/2006/math">
+                              <m:r>
+                                <m:rPr>
+                                  <m:brk m:alnAt="7"/>
+                                </m:rPr>
+                                <a:rPr lang="en-US" sz="2000" b="0" i="1" noProof="0" smtClean="0">
+                                  <a:latin typeface="Cambria Math" panose="02040503050406030204" pitchFamily="18" charset="0"/>
+                                </a:rPr>
+                                <m:t>𝑥</m:t>
+                              </m:r>
+                            </m:oMath>
+                          </a14:m>
+                          <a:r>
+                            <a:rPr lang="en-US" sz="2000" b="0" noProof="0" dirty="0"/>
+                            <a:t> this function converges to </a:t>
+                          </a:r>
+                          <a14:m>
+                            <m:oMath xmlns:m="http://schemas.openxmlformats.org/officeDocument/2006/math">
+                              <m:r>
+                                <a:rPr lang="hr-HR" sz="2000" b="0" i="0" noProof="0" smtClean="0">
+                                  <a:latin typeface="Cambria Math" panose="02040503050406030204" pitchFamily="18" charset="0"/>
+                                </a:rPr>
+                                <m:t>−</m:t>
+                              </m:r>
+                              <m:r>
+                                <m:rPr>
+                                  <m:brk m:alnAt="7"/>
+                                </m:rPr>
+                                <a:rPr lang="en-US" sz="2000" b="0" i="1" noProof="0" smtClean="0">
+                                  <a:latin typeface="Cambria Math" panose="02040503050406030204" pitchFamily="18" charset="0"/>
+                                </a:rPr>
+                                <m:t>𝑎</m:t>
+                              </m:r>
+                            </m:oMath>
+                          </a14:m>
+                          <a:r>
+                            <a:rPr lang="en-US" sz="2000" b="0" noProof="0" dirty="0"/>
+                            <a:t>.</a:t>
+                          </a:r>
+                        </a:p>
+                      </a:txBody>
+                      <a:tcPr>
+                        <a:lnL w="12700" cap="flat" cmpd="sng" algn="ctr">
+                          <a:noFill/>
+                          <a:prstDash val="solid"/>
+                          <a:round/>
+                          <a:headEnd type="none" w="med" len="med"/>
+                          <a:tailEnd type="none" w="med" len="med"/>
+                        </a:lnL>
+                        <a:lnR w="12700" cap="flat" cmpd="sng" algn="ctr">
+                          <a:noFill/>
+                          <a:prstDash val="solid"/>
+                          <a:round/>
+                          <a:headEnd type="none" w="med" len="med"/>
+                          <a:tailEnd type="none" w="med" len="med"/>
+                        </a:lnR>
+                        <a:lnT w="12700" cap="flat" cmpd="sng" algn="ctr">
+                          <a:noFill/>
+                          <a:prstDash val="solid"/>
+                          <a:round/>
+                          <a:headEnd type="none" w="med" len="med"/>
+                          <a:tailEnd type="none" w="med" len="med"/>
+                        </a:lnT>
+                        <a:lnB w="12700" cap="flat" cmpd="sng" algn="ctr">
+                          <a:solidFill>
+                            <a:schemeClr val="accent1"/>
+                          </a:solidFill>
+                          <a:prstDash val="solid"/>
+                          <a:round/>
+                          <a:headEnd type="none" w="med" len="med"/>
+                          <a:tailEnd type="none" w="med" len="med"/>
+                        </a:lnB>
+                        <a:lnTlToBr w="12700" cmpd="sng">
+                          <a:noFill/>
+                          <a:prstDash val="solid"/>
+                        </a:lnTlToBr>
+                        <a:lnBlToTr w="12700" cmpd="sng">
+                          <a:noFill/>
+                          <a:prstDash val="solid"/>
+                        </a:lnBlToTr>
+                        <a:noFill/>
+                      </a:tcPr>
+                    </a:tc>
+                    <a:extLst>
+                      <a:ext uri="{0D108BD9-81ED-4DB2-BD59-A6C34878D82A}">
+                        <a16:rowId xmlns:a16="http://schemas.microsoft.com/office/drawing/2014/main" val="533612861"/>
+                      </a:ext>
+                    </a:extLst>
+                  </a:tr>
+                  <a:tr h="2007638">
+                    <a:tc>
+                      <a:txBody>
+                        <a:bodyPr/>
+                        <a:lstStyle/>
+                        <a:p>
+                          <a:pPr algn="l"/>
+                          <a:r>
+                            <a:rPr lang="en-GB" sz="1200" b="0" i="0" u="none" strike="noStrike" dirty="0">
+                              <a:solidFill>
+                                <a:srgbClr val="AF00DB"/>
+                              </a:solidFill>
+                              <a:effectLst/>
+                              <a:latin typeface="Courier New" panose="02070309020205020404" pitchFamily="49" charset="0"/>
+                            </a:rPr>
+                            <a:t>import</a:t>
+                          </a:r>
+                          <a:r>
+                            <a:rPr lang="en-GB" sz="1200" b="0" i="0" u="none" strike="noStrike" dirty="0">
+                              <a:solidFill>
+                                <a:srgbClr val="000000"/>
+                              </a:solidFill>
+                              <a:effectLst/>
+                              <a:latin typeface="Courier New" panose="02070309020205020404" pitchFamily="49" charset="0"/>
+                            </a:rPr>
+                            <a:t> torch</a:t>
+                          </a:r>
+                        </a:p>
+                        <a:p>
+                          <a:pPr algn="l"/>
+                          <a:br>
+                            <a:rPr lang="en-GB" sz="1200" b="0" i="0" u="none" strike="noStrike" dirty="0">
+                              <a:solidFill>
+                                <a:srgbClr val="000000"/>
+                              </a:solidFill>
+                              <a:effectLst/>
+                              <a:latin typeface="Courier New" panose="02070309020205020404" pitchFamily="49" charset="0"/>
+                            </a:rPr>
+                          </a:br>
+                          <a:r>
+                            <a:rPr lang="en-GB" sz="1200" b="0" i="0" u="none" strike="noStrike" dirty="0">
+                              <a:solidFill>
+                                <a:srgbClr val="AF00DB"/>
+                              </a:solidFill>
+                              <a:effectLst/>
+                              <a:latin typeface="Courier New" panose="02070309020205020404" pitchFamily="49" charset="0"/>
+                            </a:rPr>
+                            <a:t>import</a:t>
+                          </a:r>
+                          <a:r>
+                            <a:rPr lang="en-GB" sz="1200" b="0" i="0" u="none" strike="noStrike" dirty="0">
+                              <a:solidFill>
+                                <a:srgbClr val="000000"/>
+                              </a:solidFill>
+                              <a:effectLst/>
+                              <a:latin typeface="Courier New" panose="02070309020205020404" pitchFamily="49" charset="0"/>
+                            </a:rPr>
+                            <a:t> </a:t>
+                          </a:r>
+                          <a:r>
+                            <a:rPr lang="en-GB" sz="1200" b="0" i="0" u="none" strike="noStrike" dirty="0" err="1">
+                              <a:solidFill>
+                                <a:srgbClr val="000000"/>
+                              </a:solidFill>
+                              <a:effectLst/>
+                              <a:latin typeface="Courier New" panose="02070309020205020404" pitchFamily="49" charset="0"/>
+                            </a:rPr>
+                            <a:t>matplotlib.pyplot</a:t>
+                          </a:r>
+                          <a:r>
+                            <a:rPr lang="en-GB" sz="1200" b="0" i="0" u="none" strike="noStrike" dirty="0">
+                              <a:solidFill>
+                                <a:srgbClr val="000000"/>
+                              </a:solidFill>
+                              <a:effectLst/>
+                              <a:latin typeface="Courier New" panose="02070309020205020404" pitchFamily="49" charset="0"/>
+                            </a:rPr>
+                            <a:t> </a:t>
+                          </a:r>
+                          <a:r>
+                            <a:rPr lang="en-GB" sz="1200" b="0" i="0" u="none" strike="noStrike" dirty="0">
+                              <a:solidFill>
+                                <a:srgbClr val="AF00DB"/>
+                              </a:solidFill>
+                              <a:effectLst/>
+                              <a:latin typeface="Courier New" panose="02070309020205020404" pitchFamily="49" charset="0"/>
+                            </a:rPr>
+                            <a:t>as</a:t>
+                          </a:r>
+                          <a:r>
+                            <a:rPr lang="en-GB" sz="1200" b="0" i="0" u="none" strike="noStrike" dirty="0">
+                              <a:solidFill>
+                                <a:srgbClr val="000000"/>
+                              </a:solidFill>
+                              <a:effectLst/>
+                              <a:latin typeface="Courier New" panose="02070309020205020404" pitchFamily="49" charset="0"/>
+                            </a:rPr>
+                            <a:t> </a:t>
+                          </a:r>
+                          <a:r>
+                            <a:rPr lang="en-GB" sz="1200" b="0" i="0" u="none" strike="noStrike" dirty="0" err="1">
+                              <a:solidFill>
+                                <a:srgbClr val="000000"/>
+                              </a:solidFill>
+                              <a:effectLst/>
+                              <a:latin typeface="Courier New" panose="02070309020205020404" pitchFamily="49" charset="0"/>
+                            </a:rPr>
+                            <a:t>plt</a:t>
+                          </a:r>
+                          <a:endParaRPr lang="en-GB" sz="1200" b="0" i="0" u="none" strike="noStrike" dirty="0">
+                            <a:solidFill>
+                              <a:srgbClr val="000000"/>
+                            </a:solidFill>
+                            <a:effectLst/>
+                            <a:latin typeface="Courier New" panose="02070309020205020404" pitchFamily="49" charset="0"/>
+                          </a:endParaRPr>
+                        </a:p>
+                        <a:p>
+                          <a:pPr algn="l"/>
+                          <a:br>
+                            <a:rPr lang="en-GB" sz="1200" b="0" i="0" u="none" strike="noStrike" dirty="0">
+                              <a:solidFill>
+                                <a:srgbClr val="000000"/>
+                              </a:solidFill>
+                              <a:effectLst/>
+                              <a:latin typeface="Courier New" panose="02070309020205020404" pitchFamily="49" charset="0"/>
+                            </a:rPr>
+                          </a:br>
+                          <a:r>
+                            <a:rPr lang="en-GB" sz="1200" b="0" i="0" u="none" strike="noStrike" dirty="0">
+                              <a:solidFill>
+                                <a:srgbClr val="000000"/>
+                              </a:solidFill>
+                              <a:effectLst/>
+                              <a:latin typeface="Courier New" panose="02070309020205020404" pitchFamily="49" charset="0"/>
+                            </a:rPr>
+                            <a:t>x = </a:t>
+                          </a:r>
+                          <a:r>
+                            <a:rPr lang="en-GB" sz="1200" b="0" i="0" u="none" strike="noStrike" dirty="0" err="1">
+                              <a:solidFill>
+                                <a:srgbClr val="000000"/>
+                              </a:solidFill>
+                              <a:effectLst/>
+                              <a:latin typeface="Courier New" panose="02070309020205020404" pitchFamily="49" charset="0"/>
+                            </a:rPr>
+                            <a:t>torch.arange</a:t>
+                          </a:r>
+                          <a:r>
+                            <a:rPr lang="en-GB" sz="1200" b="0" i="0" u="none" strike="noStrike" dirty="0">
+                              <a:solidFill>
+                                <a:srgbClr val="000000"/>
+                              </a:solidFill>
+                              <a:effectLst/>
+                              <a:latin typeface="Courier New" panose="02070309020205020404" pitchFamily="49" charset="0"/>
+                            </a:rPr>
+                            <a:t>(</a:t>
+                          </a:r>
+                          <a:r>
+                            <a:rPr lang="en-GB" sz="1200" b="0" i="0" u="none" strike="noStrike" dirty="0">
+                              <a:solidFill>
+                                <a:srgbClr val="09885A"/>
+                              </a:solidFill>
+                              <a:effectLst/>
+                              <a:latin typeface="Courier New" panose="02070309020205020404" pitchFamily="49" charset="0"/>
+                            </a:rPr>
+                            <a:t>-5</a:t>
+                          </a:r>
+                          <a:r>
+                            <a:rPr lang="en-GB" sz="1200" b="0" i="0" u="none" strike="noStrike" dirty="0">
+                              <a:solidFill>
+                                <a:srgbClr val="000000"/>
+                              </a:solidFill>
+                              <a:effectLst/>
+                              <a:latin typeface="Courier New" panose="02070309020205020404" pitchFamily="49" charset="0"/>
+                            </a:rPr>
+                            <a:t>, </a:t>
+                          </a:r>
+                          <a:r>
+                            <a:rPr lang="en-GB" sz="1200" b="0" i="0" u="none" strike="noStrike" dirty="0">
+                              <a:solidFill>
+                                <a:srgbClr val="09885A"/>
+                              </a:solidFill>
+                              <a:effectLst/>
+                              <a:latin typeface="Courier New" panose="02070309020205020404" pitchFamily="49" charset="0"/>
+                            </a:rPr>
+                            <a:t>5</a:t>
+                          </a:r>
+                          <a:r>
+                            <a:rPr lang="en-GB" sz="1200" b="0" i="0" u="none" strike="noStrike" dirty="0">
+                              <a:solidFill>
+                                <a:srgbClr val="000000"/>
+                              </a:solidFill>
+                              <a:effectLst/>
+                              <a:latin typeface="Courier New" panose="02070309020205020404" pitchFamily="49" charset="0"/>
+                            </a:rPr>
+                            <a:t>, </a:t>
+                          </a:r>
+                          <a:r>
+                            <a:rPr lang="en-GB" sz="1200" b="0" i="0" u="none" strike="noStrike" dirty="0">
+                              <a:solidFill>
+                                <a:srgbClr val="09885A"/>
+                              </a:solidFill>
+                              <a:effectLst/>
+                              <a:latin typeface="Courier New" panose="02070309020205020404" pitchFamily="49" charset="0"/>
+                            </a:rPr>
+                            <a:t>0.1</a:t>
+                          </a:r>
+                          <a:r>
+                            <a:rPr lang="en-GB" sz="1200" b="0" i="0" u="none" strike="noStrike" dirty="0">
+                              <a:solidFill>
+                                <a:srgbClr val="000000"/>
+                              </a:solidFill>
+                              <a:effectLst/>
+                              <a:latin typeface="Courier New" panose="02070309020205020404" pitchFamily="49" charset="0"/>
+                            </a:rPr>
+                            <a:t>)</a:t>
+                          </a:r>
+                        </a:p>
+                        <a:p>
+                          <a:pPr algn="l"/>
+                          <a:r>
+                            <a:rPr lang="en-GB" sz="1200" b="0" i="0" u="none" strike="noStrike" dirty="0">
+                              <a:solidFill>
+                                <a:srgbClr val="000000"/>
+                              </a:solidFill>
+                              <a:effectLst/>
+                              <a:latin typeface="Courier New" panose="02070309020205020404" pitchFamily="49" charset="0"/>
+                            </a:rPr>
+                            <a:t>y1 = </a:t>
+                          </a:r>
+                          <a:r>
+                            <a:rPr lang="en-GB" sz="1200" b="0" i="0" u="none" strike="noStrike" dirty="0" err="1">
+                              <a:solidFill>
+                                <a:srgbClr val="000000"/>
+                              </a:solidFill>
+                              <a:effectLst/>
+                              <a:latin typeface="Courier New" panose="02070309020205020404" pitchFamily="49" charset="0"/>
+                            </a:rPr>
+                            <a:t>torch.nn.ELU</a:t>
+                          </a:r>
+                          <a:r>
+                            <a:rPr lang="en-GB" sz="1200" b="0" i="0" u="none" strike="noStrike" dirty="0">
+                              <a:solidFill>
+                                <a:srgbClr val="000000"/>
+                              </a:solidFill>
+                              <a:effectLst/>
+                              <a:latin typeface="Courier New" panose="02070309020205020404" pitchFamily="49" charset="0"/>
+                            </a:rPr>
+                            <a:t>(</a:t>
+                          </a:r>
+                          <a:r>
+                            <a:rPr lang="en-GB" sz="1200" b="0" i="0" u="none" strike="noStrike" dirty="0">
+                              <a:solidFill>
+                                <a:srgbClr val="09885A"/>
+                              </a:solidFill>
+                              <a:effectLst/>
+                              <a:latin typeface="Courier New" panose="02070309020205020404" pitchFamily="49" charset="0"/>
+                            </a:rPr>
+                            <a:t>1.0</a:t>
+                          </a:r>
+                          <a:r>
+                            <a:rPr lang="en-GB" sz="1200" b="0" i="0" u="none" strike="noStrike" dirty="0">
+                              <a:solidFill>
+                                <a:srgbClr val="000000"/>
+                              </a:solidFill>
+                              <a:effectLst/>
+                              <a:latin typeface="Courier New" panose="02070309020205020404" pitchFamily="49" charset="0"/>
+                            </a:rPr>
+                            <a:t>)(x)</a:t>
+                          </a:r>
+                        </a:p>
+                        <a:p>
+                          <a:pPr algn="l"/>
+                          <a:r>
+                            <a:rPr lang="en-GB" sz="1200" b="0" i="0" u="none" strike="noStrike" dirty="0">
+                              <a:solidFill>
+                                <a:srgbClr val="000000"/>
+                              </a:solidFill>
+                              <a:effectLst/>
+                              <a:latin typeface="Courier New" panose="02070309020205020404" pitchFamily="49" charset="0"/>
+                            </a:rPr>
+                            <a:t>y2 = </a:t>
+                          </a:r>
+                          <a:r>
+                            <a:rPr lang="en-GB" sz="1200" b="0" i="0" u="none" strike="noStrike" dirty="0" err="1">
+                              <a:solidFill>
+                                <a:srgbClr val="000000"/>
+                              </a:solidFill>
+                              <a:effectLst/>
+                              <a:latin typeface="Courier New" panose="02070309020205020404" pitchFamily="49" charset="0"/>
+                            </a:rPr>
+                            <a:t>torch.nn.ELU</a:t>
+                          </a:r>
+                          <a:r>
+                            <a:rPr lang="en-GB" sz="1200" b="0" i="0" u="none" strike="noStrike" dirty="0">
+                              <a:solidFill>
+                                <a:srgbClr val="000000"/>
+                              </a:solidFill>
+                              <a:effectLst/>
+                              <a:latin typeface="Courier New" panose="02070309020205020404" pitchFamily="49" charset="0"/>
+                            </a:rPr>
+                            <a:t>(</a:t>
+                          </a:r>
+                          <a:r>
+                            <a:rPr lang="en-GB" sz="1200" b="0" i="0" u="none" strike="noStrike" dirty="0">
+                              <a:solidFill>
+                                <a:srgbClr val="09885A"/>
+                              </a:solidFill>
+                              <a:effectLst/>
+                              <a:latin typeface="Courier New" panose="02070309020205020404" pitchFamily="49" charset="0"/>
+                            </a:rPr>
+                            <a:t>2.0</a:t>
+                          </a:r>
+                          <a:r>
+                            <a:rPr lang="en-GB" sz="1200" b="0" i="0" u="none" strike="noStrike" dirty="0">
+                              <a:solidFill>
+                                <a:srgbClr val="000000"/>
+                              </a:solidFill>
+                              <a:effectLst/>
+                              <a:latin typeface="Courier New" panose="02070309020205020404" pitchFamily="49" charset="0"/>
+                            </a:rPr>
+                            <a:t>)(x)</a:t>
+                          </a:r>
+                        </a:p>
+                        <a:p>
+                          <a:pPr algn="l"/>
+                          <a:br>
+                            <a:rPr lang="en-GB" sz="1200" b="0" i="0" u="none" strike="noStrike" dirty="0">
+                              <a:solidFill>
+                                <a:srgbClr val="000000"/>
+                              </a:solidFill>
+                              <a:effectLst/>
+                              <a:latin typeface="Courier New" panose="02070309020205020404" pitchFamily="49" charset="0"/>
+                            </a:rPr>
+                          </a:br>
+                          <a:r>
+                            <a:rPr lang="en-GB" sz="1200" b="0" i="0" u="none" strike="noStrike" dirty="0" err="1">
+                              <a:solidFill>
+                                <a:srgbClr val="000000"/>
+                              </a:solidFill>
+                              <a:effectLst/>
+                              <a:latin typeface="Courier New" panose="02070309020205020404" pitchFamily="49" charset="0"/>
+                            </a:rPr>
+                            <a:t>plt.plot</a:t>
+                          </a:r>
+                          <a:r>
+                            <a:rPr lang="en-GB" sz="1200" b="0" i="0" u="none" strike="noStrike" dirty="0">
+                              <a:solidFill>
+                                <a:srgbClr val="000000"/>
+                              </a:solidFill>
+                              <a:effectLst/>
+                              <a:latin typeface="Courier New" panose="02070309020205020404" pitchFamily="49" charset="0"/>
+                            </a:rPr>
+                            <a:t>(x, y1, label=r</a:t>
+                          </a:r>
+                          <a:r>
+                            <a:rPr lang="en-GB" sz="1200" b="0" i="0" u="none" strike="noStrike" dirty="0">
+                              <a:solidFill>
+                                <a:srgbClr val="A31515"/>
+                              </a:solidFill>
+                              <a:effectLst/>
+                              <a:latin typeface="Courier New" panose="02070309020205020404" pitchFamily="49" charset="0"/>
+                            </a:rPr>
+                            <a:t>"$\alpha = 1$"</a:t>
+                          </a:r>
+                          <a:r>
+                            <a:rPr lang="en-GB" sz="1200" b="0" i="0" u="none" strike="noStrike" dirty="0">
+                              <a:solidFill>
+                                <a:srgbClr val="000000"/>
+                              </a:solidFill>
+                              <a:effectLst/>
+                              <a:latin typeface="Courier New" panose="02070309020205020404" pitchFamily="49" charset="0"/>
+                            </a:rPr>
+                            <a:t>)</a:t>
+                          </a:r>
+                        </a:p>
+                        <a:p>
+                          <a:pPr algn="l"/>
+                          <a:r>
+                            <a:rPr lang="en-GB" sz="1200" b="0" i="0" u="none" strike="noStrike" dirty="0" err="1">
+                              <a:solidFill>
+                                <a:srgbClr val="000000"/>
+                              </a:solidFill>
+                              <a:effectLst/>
+                              <a:latin typeface="Courier New" panose="02070309020205020404" pitchFamily="49" charset="0"/>
+                            </a:rPr>
+                            <a:t>plt.plot</a:t>
+                          </a:r>
+                          <a:r>
+                            <a:rPr lang="en-GB" sz="1200" b="0" i="0" u="none" strike="noStrike" dirty="0">
+                              <a:solidFill>
+                                <a:srgbClr val="000000"/>
+                              </a:solidFill>
+                              <a:effectLst/>
+                              <a:latin typeface="Courier New" panose="02070309020205020404" pitchFamily="49" charset="0"/>
+                            </a:rPr>
+                            <a:t>(x, y2, label=r</a:t>
+                          </a:r>
+                          <a:r>
+                            <a:rPr lang="en-GB" sz="1200" b="0" i="0" u="none" strike="noStrike" dirty="0">
+                              <a:solidFill>
+                                <a:srgbClr val="A31515"/>
+                              </a:solidFill>
+                              <a:effectLst/>
+                              <a:latin typeface="Courier New" panose="02070309020205020404" pitchFamily="49" charset="0"/>
+                            </a:rPr>
+                            <a:t>"$\alpha = 2$"</a:t>
+                          </a:r>
+                          <a:r>
+                            <a:rPr lang="en-GB" sz="1200" b="0" i="0" u="none" strike="noStrike" dirty="0">
+                              <a:solidFill>
+                                <a:srgbClr val="000000"/>
+                              </a:solidFill>
+                              <a:effectLst/>
+                              <a:latin typeface="Courier New" panose="02070309020205020404" pitchFamily="49" charset="0"/>
+                            </a:rPr>
+                            <a:t>)</a:t>
+                          </a:r>
+                        </a:p>
+                        <a:p>
+                          <a:pPr algn="l"/>
+                          <a:r>
+                            <a:rPr lang="en-GB" sz="1200" b="0" i="0" u="none" strike="noStrike" dirty="0" err="1">
+                              <a:solidFill>
+                                <a:srgbClr val="000000"/>
+                              </a:solidFill>
+                              <a:effectLst/>
+                              <a:latin typeface="Courier New" panose="02070309020205020404" pitchFamily="49" charset="0"/>
+                            </a:rPr>
+                            <a:t>plt.legend</a:t>
+                          </a:r>
+                          <a:r>
+                            <a:rPr lang="en-GB" sz="1200" b="0" i="0" u="none" strike="noStrike" dirty="0">
+                              <a:solidFill>
+                                <a:srgbClr val="000000"/>
+                              </a:solidFill>
+                              <a:effectLst/>
+                              <a:latin typeface="Courier New" panose="02070309020205020404" pitchFamily="49" charset="0"/>
+                            </a:rPr>
+                            <a:t>()</a:t>
+                          </a:r>
+                        </a:p>
+                      </a:txBody>
+                      <a:tcPr>
+                        <a:lnL w="12700" cap="flat" cmpd="sng" algn="ctr">
+                          <a:solidFill>
+                            <a:schemeClr val="accent1"/>
+                          </a:solidFill>
+                          <a:prstDash val="solid"/>
+                          <a:round/>
+                          <a:headEnd type="none" w="med" len="med"/>
+                          <a:tailEnd type="none" w="med" len="med"/>
+                        </a:lnL>
+                        <a:lnR w="12700" cap="flat" cmpd="sng" algn="ctr">
+                          <a:solidFill>
+                            <a:schemeClr val="accent1"/>
+                          </a:solidFill>
+                          <a:prstDash val="solid"/>
+                          <a:round/>
+                          <a:headEnd type="none" w="med" len="med"/>
+                          <a:tailEnd type="none" w="med" len="med"/>
+                        </a:lnR>
+                        <a:lnT w="12700" cap="flat" cmpd="sng" algn="ctr">
+                          <a:solidFill>
+                            <a:schemeClr val="accent1"/>
+                          </a:solidFill>
+                          <a:prstDash val="solid"/>
+                          <a:round/>
+                          <a:headEnd type="none" w="med" len="med"/>
+                          <a:tailEnd type="none" w="med" len="med"/>
+                        </a:lnT>
+                        <a:lnB w="12700" cap="flat" cmpd="sng" algn="ctr">
+                          <a:solidFill>
+                            <a:schemeClr val="accent1"/>
+                          </a:solidFill>
+                          <a:prstDash val="solid"/>
+                          <a:round/>
+                          <a:headEnd type="none" w="med" len="med"/>
+                          <a:tailEnd type="none" w="med" len="med"/>
+                        </a:lnB>
+                        <a:solidFill>
+                          <a:schemeClr val="bg1">
+                            <a:lumMod val="95000"/>
+                          </a:schemeClr>
+                        </a:solidFill>
+                      </a:tcPr>
+                    </a:tc>
+                    <a:extLst>
+                      <a:ext uri="{0D108BD9-81ED-4DB2-BD59-A6C34878D82A}">
+                        <a16:rowId xmlns:a16="http://schemas.microsoft.com/office/drawing/2014/main" val="2014089395"/>
+                      </a:ext>
+                    </a:extLst>
+                  </a:tr>
+                  <a:tr h="2359824">
+                    <a:tc>
+                      <a:txBody>
+                        <a:bodyPr/>
+                        <a:lstStyle/>
+                        <a:p>
+                          <a:pPr algn="l"/>
+                          <a:endParaRPr lang="en-GB" sz="1200" b="0" i="0" u="none" strike="noStrike" dirty="0">
+                            <a:solidFill>
+                              <a:srgbClr val="000000"/>
+                            </a:solidFill>
+                            <a:effectLst/>
+                            <a:latin typeface="Courier New" panose="02070309020205020404" pitchFamily="49" charset="0"/>
+                          </a:endParaRPr>
+                        </a:p>
+                        <a:p>
+                          <a:pPr algn="l"/>
+                          <a:endParaRPr lang="en-GB" sz="1200" b="0" i="0" u="none" strike="noStrike" dirty="0">
+                            <a:solidFill>
+                              <a:srgbClr val="000000"/>
+                            </a:solidFill>
+                            <a:effectLst/>
+                            <a:latin typeface="Courier New" panose="02070309020205020404" pitchFamily="49" charset="0"/>
+                          </a:endParaRPr>
+                        </a:p>
+                      </a:txBody>
+                      <a:tcPr>
+                        <a:lnL w="12700" cap="flat" cmpd="sng" algn="ctr">
+                          <a:solidFill>
+                            <a:schemeClr val="accent1"/>
+                          </a:solidFill>
+                          <a:prstDash val="solid"/>
+                          <a:round/>
+                          <a:headEnd type="none" w="med" len="med"/>
+                          <a:tailEnd type="none" w="med" len="med"/>
+                        </a:lnL>
+                        <a:lnR w="12700" cap="flat" cmpd="sng" algn="ctr">
+                          <a:solidFill>
+                            <a:schemeClr val="accent1"/>
+                          </a:solidFill>
+                          <a:prstDash val="solid"/>
+                          <a:round/>
+                          <a:headEnd type="none" w="med" len="med"/>
+                          <a:tailEnd type="none" w="med" len="med"/>
+                        </a:lnR>
+                        <a:lnT w="12700" cap="flat" cmpd="sng" algn="ctr">
+                          <a:solidFill>
+                            <a:schemeClr val="accent1"/>
+                          </a:solidFill>
+                          <a:prstDash val="solid"/>
+                          <a:round/>
+                          <a:headEnd type="none" w="med" len="med"/>
+                          <a:tailEnd type="none" w="med" len="med"/>
+                        </a:lnT>
+                        <a:lnB w="12700" cap="flat" cmpd="sng" algn="ctr">
+                          <a:solidFill>
+                            <a:schemeClr val="accent1"/>
+                          </a:solidFill>
+                          <a:prstDash val="solid"/>
+                          <a:round/>
+                          <a:headEnd type="none" w="med" len="med"/>
+                          <a:tailEnd type="none" w="med" len="med"/>
+                        </a:lnB>
+                        <a:noFill/>
+                      </a:tcPr>
+                    </a:tc>
+                    <a:extLst>
+                      <a:ext uri="{0D108BD9-81ED-4DB2-BD59-A6C34878D82A}">
+                        <a16:rowId xmlns:a16="http://schemas.microsoft.com/office/drawing/2014/main" val="1957111009"/>
+                      </a:ext>
+                    </a:extLst>
+                  </a:tr>
+                </a:tbl>
+              </a:graphicData>
+            </a:graphic>
+          </p:graphicFrame>
+        </mc:Choice>
+        <mc:Fallback>
+          <p:graphicFrame>
+            <p:nvGraphicFramePr>
+              <p:cNvPr id="16" name="Table 16">
+                <a:extLst>
+                  <a:ext uri="{FF2B5EF4-FFF2-40B4-BE49-F238E27FC236}">
+                    <a16:creationId xmlns:a16="http://schemas.microsoft.com/office/drawing/2014/main" id="{93F44A5E-B3CE-3BA0-3C48-A4083A6F3496}"/>
+                  </a:ext>
+                </a:extLst>
+              </p:cNvPr>
+              <p:cNvGraphicFramePr>
+                <a:graphicFrameLocks noGrp="1"/>
+              </p:cNvGraphicFramePr>
+              <p:nvPr>
+                <p:extLst>
+                  <p:ext uri="{D42A27DB-BD31-4B8C-83A1-F6EECF244321}">
+                    <p14:modId xmlns:p14="http://schemas.microsoft.com/office/powerpoint/2010/main" val="511468478"/>
+                  </p:ext>
+                </p:extLst>
+              </p:nvPr>
+            </p:nvGraphicFramePr>
+            <p:xfrm>
+              <a:off x="179512" y="548681"/>
+              <a:ext cx="8640960" cy="6148679"/>
+            </p:xfrm>
+            <a:graphic>
+              <a:graphicData uri="http://schemas.openxmlformats.org/drawingml/2006/table">
+                <a:tbl>
+                  <a:tblPr>
+                    <a:tableStyleId>{5C22544A-7EE6-4342-B048-85BDC9FD1C3A}</a:tableStyleId>
+                  </a:tblPr>
+                  <a:tblGrid>
+                    <a:gridCol w="8640960">
+                      <a:extLst>
+                        <a:ext uri="{9D8B030D-6E8A-4147-A177-3AD203B41FA5}">
+                          <a16:colId xmlns:a16="http://schemas.microsoft.com/office/drawing/2014/main" val="2706851558"/>
+                        </a:ext>
+                      </a:extLst>
+                    </a:gridCol>
+                  </a:tblGrid>
+                  <a:tr h="1685735">
+                    <a:tc>
+                      <a:txBody>
+                        <a:bodyPr/>
+                        <a:lstStyle/>
+                        <a:p>
+                          <a:endParaRPr lang="en-HR"/>
+                        </a:p>
+                      </a:txBody>
+                      <a:tcPr>
+                        <a:lnL w="12700" cap="flat" cmpd="sng" algn="ctr">
+                          <a:noFill/>
+                          <a:prstDash val="solid"/>
+                          <a:round/>
+                          <a:headEnd type="none" w="med" len="med"/>
+                          <a:tailEnd type="none" w="med" len="med"/>
+                        </a:lnL>
+                        <a:lnR w="12700" cap="flat" cmpd="sng" algn="ctr">
+                          <a:noFill/>
+                          <a:prstDash val="solid"/>
+                          <a:round/>
+                          <a:headEnd type="none" w="med" len="med"/>
+                          <a:tailEnd type="none" w="med" len="med"/>
+                        </a:lnR>
+                        <a:lnT w="12700" cap="flat" cmpd="sng" algn="ctr">
+                          <a:noFill/>
+                          <a:prstDash val="solid"/>
+                          <a:round/>
+                          <a:headEnd type="none" w="med" len="med"/>
+                          <a:tailEnd type="none" w="med" len="med"/>
+                        </a:lnT>
+                        <a:lnB w="12700" cap="flat" cmpd="sng" algn="ctr">
+                          <a:solidFill>
+                            <a:schemeClr val="accent1"/>
+                          </a:solidFill>
+                          <a:prstDash val="solid"/>
+                          <a:round/>
+                          <a:headEnd type="none" w="med" len="med"/>
+                          <a:tailEnd type="none" w="med" len="med"/>
+                        </a:lnB>
+                        <a:lnTlToBr w="12700" cmpd="sng">
+                          <a:noFill/>
+                          <a:prstDash val="solid"/>
+                        </a:lnTlToBr>
+                        <a:lnBlToTr w="12700" cmpd="sng">
+                          <a:noFill/>
+                          <a:prstDash val="solid"/>
+                        </a:lnBlToTr>
+                        <a:blipFill>
+                          <a:blip r:embed="rId2"/>
+                          <a:stretch>
+                            <a:fillRect l="-147" t="-54887" r="-147" b="-265414"/>
+                          </a:stretch>
+                        </a:blipFill>
+                      </a:tcPr>
+                    </a:tc>
+                    <a:extLst>
+                      <a:ext uri="{0D108BD9-81ED-4DB2-BD59-A6C34878D82A}">
+                        <a16:rowId xmlns:a16="http://schemas.microsoft.com/office/drawing/2014/main" val="533612861"/>
+                      </a:ext>
+                    </a:extLst>
+                  </a:tr>
+                  <a:tr h="2103120">
+                    <a:tc>
+                      <a:txBody>
+                        <a:bodyPr/>
+                        <a:lstStyle/>
+                        <a:p>
+                          <a:pPr algn="l"/>
+                          <a:r>
+                            <a:rPr lang="en-GB" sz="1200" b="0" i="0" u="none" strike="noStrike" dirty="0">
+                              <a:solidFill>
+                                <a:srgbClr val="AF00DB"/>
+                              </a:solidFill>
+                              <a:effectLst/>
+                              <a:latin typeface="Courier New" panose="02070309020205020404" pitchFamily="49" charset="0"/>
+                            </a:rPr>
+                            <a:t>import</a:t>
+                          </a:r>
+                          <a:r>
+                            <a:rPr lang="en-GB" sz="1200" b="0" i="0" u="none" strike="noStrike" dirty="0">
+                              <a:solidFill>
+                                <a:srgbClr val="000000"/>
+                              </a:solidFill>
+                              <a:effectLst/>
+                              <a:latin typeface="Courier New" panose="02070309020205020404" pitchFamily="49" charset="0"/>
+                            </a:rPr>
+                            <a:t> torch</a:t>
+                          </a:r>
+                        </a:p>
+                        <a:p>
+                          <a:pPr algn="l"/>
+                          <a:br>
+                            <a:rPr lang="en-GB" sz="1200" b="0" i="0" u="none" strike="noStrike" dirty="0">
+                              <a:solidFill>
+                                <a:srgbClr val="000000"/>
+                              </a:solidFill>
+                              <a:effectLst/>
+                              <a:latin typeface="Courier New" panose="02070309020205020404" pitchFamily="49" charset="0"/>
+                            </a:rPr>
+                          </a:br>
+                          <a:r>
+                            <a:rPr lang="en-GB" sz="1200" b="0" i="0" u="none" strike="noStrike" dirty="0">
+                              <a:solidFill>
+                                <a:srgbClr val="AF00DB"/>
+                              </a:solidFill>
+                              <a:effectLst/>
+                              <a:latin typeface="Courier New" panose="02070309020205020404" pitchFamily="49" charset="0"/>
+                            </a:rPr>
+                            <a:t>import</a:t>
+                          </a:r>
+                          <a:r>
+                            <a:rPr lang="en-GB" sz="1200" b="0" i="0" u="none" strike="noStrike" dirty="0">
+                              <a:solidFill>
+                                <a:srgbClr val="000000"/>
+                              </a:solidFill>
+                              <a:effectLst/>
+                              <a:latin typeface="Courier New" panose="02070309020205020404" pitchFamily="49" charset="0"/>
+                            </a:rPr>
+                            <a:t> </a:t>
+                          </a:r>
+                          <a:r>
+                            <a:rPr lang="en-GB" sz="1200" b="0" i="0" u="none" strike="noStrike" dirty="0" err="1">
+                              <a:solidFill>
+                                <a:srgbClr val="000000"/>
+                              </a:solidFill>
+                              <a:effectLst/>
+                              <a:latin typeface="Courier New" panose="02070309020205020404" pitchFamily="49" charset="0"/>
+                            </a:rPr>
+                            <a:t>matplotlib.pyplot</a:t>
+                          </a:r>
+                          <a:r>
+                            <a:rPr lang="en-GB" sz="1200" b="0" i="0" u="none" strike="noStrike" dirty="0">
+                              <a:solidFill>
+                                <a:srgbClr val="000000"/>
+                              </a:solidFill>
+                              <a:effectLst/>
+                              <a:latin typeface="Courier New" panose="02070309020205020404" pitchFamily="49" charset="0"/>
+                            </a:rPr>
+                            <a:t> </a:t>
+                          </a:r>
+                          <a:r>
+                            <a:rPr lang="en-GB" sz="1200" b="0" i="0" u="none" strike="noStrike" dirty="0">
+                              <a:solidFill>
+                                <a:srgbClr val="AF00DB"/>
+                              </a:solidFill>
+                              <a:effectLst/>
+                              <a:latin typeface="Courier New" panose="02070309020205020404" pitchFamily="49" charset="0"/>
+                            </a:rPr>
+                            <a:t>as</a:t>
+                          </a:r>
+                          <a:r>
+                            <a:rPr lang="en-GB" sz="1200" b="0" i="0" u="none" strike="noStrike" dirty="0">
+                              <a:solidFill>
+                                <a:srgbClr val="000000"/>
+                              </a:solidFill>
+                              <a:effectLst/>
+                              <a:latin typeface="Courier New" panose="02070309020205020404" pitchFamily="49" charset="0"/>
+                            </a:rPr>
+                            <a:t> </a:t>
+                          </a:r>
+                          <a:r>
+                            <a:rPr lang="en-GB" sz="1200" b="0" i="0" u="none" strike="noStrike" dirty="0" err="1">
+                              <a:solidFill>
+                                <a:srgbClr val="000000"/>
+                              </a:solidFill>
+                              <a:effectLst/>
+                              <a:latin typeface="Courier New" panose="02070309020205020404" pitchFamily="49" charset="0"/>
+                            </a:rPr>
+                            <a:t>plt</a:t>
+                          </a:r>
+                          <a:endParaRPr lang="en-GB" sz="1200" b="0" i="0" u="none" strike="noStrike" dirty="0">
+                            <a:solidFill>
+                              <a:srgbClr val="000000"/>
+                            </a:solidFill>
+                            <a:effectLst/>
+                            <a:latin typeface="Courier New" panose="02070309020205020404" pitchFamily="49" charset="0"/>
+                          </a:endParaRPr>
+                        </a:p>
+                        <a:p>
+                          <a:pPr algn="l"/>
+                          <a:br>
+                            <a:rPr lang="en-GB" sz="1200" b="0" i="0" u="none" strike="noStrike" dirty="0">
+                              <a:solidFill>
+                                <a:srgbClr val="000000"/>
+                              </a:solidFill>
+                              <a:effectLst/>
+                              <a:latin typeface="Courier New" panose="02070309020205020404" pitchFamily="49" charset="0"/>
+                            </a:rPr>
+                          </a:br>
+                          <a:r>
+                            <a:rPr lang="en-GB" sz="1200" b="0" i="0" u="none" strike="noStrike" dirty="0">
+                              <a:solidFill>
+                                <a:srgbClr val="000000"/>
+                              </a:solidFill>
+                              <a:effectLst/>
+                              <a:latin typeface="Courier New" panose="02070309020205020404" pitchFamily="49" charset="0"/>
+                            </a:rPr>
+                            <a:t>x = </a:t>
+                          </a:r>
+                          <a:r>
+                            <a:rPr lang="en-GB" sz="1200" b="0" i="0" u="none" strike="noStrike" dirty="0" err="1">
+                              <a:solidFill>
+                                <a:srgbClr val="000000"/>
+                              </a:solidFill>
+                              <a:effectLst/>
+                              <a:latin typeface="Courier New" panose="02070309020205020404" pitchFamily="49" charset="0"/>
+                            </a:rPr>
+                            <a:t>torch.arange</a:t>
+                          </a:r>
+                          <a:r>
+                            <a:rPr lang="en-GB" sz="1200" b="0" i="0" u="none" strike="noStrike" dirty="0">
+                              <a:solidFill>
+                                <a:srgbClr val="000000"/>
+                              </a:solidFill>
+                              <a:effectLst/>
+                              <a:latin typeface="Courier New" panose="02070309020205020404" pitchFamily="49" charset="0"/>
+                            </a:rPr>
+                            <a:t>(</a:t>
+                          </a:r>
+                          <a:r>
+                            <a:rPr lang="en-GB" sz="1200" b="0" i="0" u="none" strike="noStrike" dirty="0">
+                              <a:solidFill>
+                                <a:srgbClr val="09885A"/>
+                              </a:solidFill>
+                              <a:effectLst/>
+                              <a:latin typeface="Courier New" panose="02070309020205020404" pitchFamily="49" charset="0"/>
+                            </a:rPr>
+                            <a:t>-5</a:t>
+                          </a:r>
+                          <a:r>
+                            <a:rPr lang="en-GB" sz="1200" b="0" i="0" u="none" strike="noStrike" dirty="0">
+                              <a:solidFill>
+                                <a:srgbClr val="000000"/>
+                              </a:solidFill>
+                              <a:effectLst/>
+                              <a:latin typeface="Courier New" panose="02070309020205020404" pitchFamily="49" charset="0"/>
+                            </a:rPr>
+                            <a:t>, </a:t>
+                          </a:r>
+                          <a:r>
+                            <a:rPr lang="en-GB" sz="1200" b="0" i="0" u="none" strike="noStrike" dirty="0">
+                              <a:solidFill>
+                                <a:srgbClr val="09885A"/>
+                              </a:solidFill>
+                              <a:effectLst/>
+                              <a:latin typeface="Courier New" panose="02070309020205020404" pitchFamily="49" charset="0"/>
+                            </a:rPr>
+                            <a:t>5</a:t>
+                          </a:r>
+                          <a:r>
+                            <a:rPr lang="en-GB" sz="1200" b="0" i="0" u="none" strike="noStrike" dirty="0">
+                              <a:solidFill>
+                                <a:srgbClr val="000000"/>
+                              </a:solidFill>
+                              <a:effectLst/>
+                              <a:latin typeface="Courier New" panose="02070309020205020404" pitchFamily="49" charset="0"/>
+                            </a:rPr>
+                            <a:t>, </a:t>
+                          </a:r>
+                          <a:r>
+                            <a:rPr lang="en-GB" sz="1200" b="0" i="0" u="none" strike="noStrike" dirty="0">
+                              <a:solidFill>
+                                <a:srgbClr val="09885A"/>
+                              </a:solidFill>
+                              <a:effectLst/>
+                              <a:latin typeface="Courier New" panose="02070309020205020404" pitchFamily="49" charset="0"/>
+                            </a:rPr>
+                            <a:t>0.1</a:t>
+                          </a:r>
+                          <a:r>
+                            <a:rPr lang="en-GB" sz="1200" b="0" i="0" u="none" strike="noStrike" dirty="0">
+                              <a:solidFill>
+                                <a:srgbClr val="000000"/>
+                              </a:solidFill>
+                              <a:effectLst/>
+                              <a:latin typeface="Courier New" panose="02070309020205020404" pitchFamily="49" charset="0"/>
+                            </a:rPr>
+                            <a:t>)</a:t>
+                          </a:r>
+                        </a:p>
+                        <a:p>
+                          <a:pPr algn="l"/>
+                          <a:r>
+                            <a:rPr lang="en-GB" sz="1200" b="0" i="0" u="none" strike="noStrike" dirty="0">
+                              <a:solidFill>
+                                <a:srgbClr val="000000"/>
+                              </a:solidFill>
+                              <a:effectLst/>
+                              <a:latin typeface="Courier New" panose="02070309020205020404" pitchFamily="49" charset="0"/>
+                            </a:rPr>
+                            <a:t>y1 = </a:t>
+                          </a:r>
+                          <a:r>
+                            <a:rPr lang="en-GB" sz="1200" b="0" i="0" u="none" strike="noStrike" dirty="0" err="1">
+                              <a:solidFill>
+                                <a:srgbClr val="000000"/>
+                              </a:solidFill>
+                              <a:effectLst/>
+                              <a:latin typeface="Courier New" panose="02070309020205020404" pitchFamily="49" charset="0"/>
+                            </a:rPr>
+                            <a:t>torch.nn.ELU</a:t>
+                          </a:r>
+                          <a:r>
+                            <a:rPr lang="en-GB" sz="1200" b="0" i="0" u="none" strike="noStrike" dirty="0">
+                              <a:solidFill>
+                                <a:srgbClr val="000000"/>
+                              </a:solidFill>
+                              <a:effectLst/>
+                              <a:latin typeface="Courier New" panose="02070309020205020404" pitchFamily="49" charset="0"/>
+                            </a:rPr>
+                            <a:t>(</a:t>
+                          </a:r>
+                          <a:r>
+                            <a:rPr lang="en-GB" sz="1200" b="0" i="0" u="none" strike="noStrike" dirty="0">
+                              <a:solidFill>
+                                <a:srgbClr val="09885A"/>
+                              </a:solidFill>
+                              <a:effectLst/>
+                              <a:latin typeface="Courier New" panose="02070309020205020404" pitchFamily="49" charset="0"/>
+                            </a:rPr>
+                            <a:t>1.0</a:t>
+                          </a:r>
+                          <a:r>
+                            <a:rPr lang="en-GB" sz="1200" b="0" i="0" u="none" strike="noStrike" dirty="0">
+                              <a:solidFill>
+                                <a:srgbClr val="000000"/>
+                              </a:solidFill>
+                              <a:effectLst/>
+                              <a:latin typeface="Courier New" panose="02070309020205020404" pitchFamily="49" charset="0"/>
+                            </a:rPr>
+                            <a:t>)(x)</a:t>
+                          </a:r>
+                        </a:p>
+                        <a:p>
+                          <a:pPr algn="l"/>
+                          <a:r>
+                            <a:rPr lang="en-GB" sz="1200" b="0" i="0" u="none" strike="noStrike" dirty="0">
+                              <a:solidFill>
+                                <a:srgbClr val="000000"/>
+                              </a:solidFill>
+                              <a:effectLst/>
+                              <a:latin typeface="Courier New" panose="02070309020205020404" pitchFamily="49" charset="0"/>
+                            </a:rPr>
+                            <a:t>y2 = </a:t>
+                          </a:r>
+                          <a:r>
+                            <a:rPr lang="en-GB" sz="1200" b="0" i="0" u="none" strike="noStrike" dirty="0" err="1">
+                              <a:solidFill>
+                                <a:srgbClr val="000000"/>
+                              </a:solidFill>
+                              <a:effectLst/>
+                              <a:latin typeface="Courier New" panose="02070309020205020404" pitchFamily="49" charset="0"/>
+                            </a:rPr>
+                            <a:t>torch.nn.ELU</a:t>
+                          </a:r>
+                          <a:r>
+                            <a:rPr lang="en-GB" sz="1200" b="0" i="0" u="none" strike="noStrike" dirty="0">
+                              <a:solidFill>
+                                <a:srgbClr val="000000"/>
+                              </a:solidFill>
+                              <a:effectLst/>
+                              <a:latin typeface="Courier New" panose="02070309020205020404" pitchFamily="49" charset="0"/>
+                            </a:rPr>
+                            <a:t>(</a:t>
+                          </a:r>
+                          <a:r>
+                            <a:rPr lang="en-GB" sz="1200" b="0" i="0" u="none" strike="noStrike" dirty="0">
+                              <a:solidFill>
+                                <a:srgbClr val="09885A"/>
+                              </a:solidFill>
+                              <a:effectLst/>
+                              <a:latin typeface="Courier New" panose="02070309020205020404" pitchFamily="49" charset="0"/>
+                            </a:rPr>
+                            <a:t>2.0</a:t>
+                          </a:r>
+                          <a:r>
+                            <a:rPr lang="en-GB" sz="1200" b="0" i="0" u="none" strike="noStrike" dirty="0">
+                              <a:solidFill>
+                                <a:srgbClr val="000000"/>
+                              </a:solidFill>
+                              <a:effectLst/>
+                              <a:latin typeface="Courier New" panose="02070309020205020404" pitchFamily="49" charset="0"/>
+                            </a:rPr>
+                            <a:t>)(x)</a:t>
+                          </a:r>
+                        </a:p>
+                        <a:p>
+                          <a:pPr algn="l"/>
+                          <a:br>
+                            <a:rPr lang="en-GB" sz="1200" b="0" i="0" u="none" strike="noStrike" dirty="0">
+                              <a:solidFill>
+                                <a:srgbClr val="000000"/>
+                              </a:solidFill>
+                              <a:effectLst/>
+                              <a:latin typeface="Courier New" panose="02070309020205020404" pitchFamily="49" charset="0"/>
+                            </a:rPr>
+                          </a:br>
+                          <a:r>
+                            <a:rPr lang="en-GB" sz="1200" b="0" i="0" u="none" strike="noStrike" dirty="0" err="1">
+                              <a:solidFill>
+                                <a:srgbClr val="000000"/>
+                              </a:solidFill>
+                              <a:effectLst/>
+                              <a:latin typeface="Courier New" panose="02070309020205020404" pitchFamily="49" charset="0"/>
+                            </a:rPr>
+                            <a:t>plt.plot</a:t>
+                          </a:r>
+                          <a:r>
+                            <a:rPr lang="en-GB" sz="1200" b="0" i="0" u="none" strike="noStrike" dirty="0">
+                              <a:solidFill>
+                                <a:srgbClr val="000000"/>
+                              </a:solidFill>
+                              <a:effectLst/>
+                              <a:latin typeface="Courier New" panose="02070309020205020404" pitchFamily="49" charset="0"/>
+                            </a:rPr>
+                            <a:t>(x, y1, label=r</a:t>
+                          </a:r>
+                          <a:r>
+                            <a:rPr lang="en-GB" sz="1200" b="0" i="0" u="none" strike="noStrike" dirty="0">
+                              <a:solidFill>
+                                <a:srgbClr val="A31515"/>
+                              </a:solidFill>
+                              <a:effectLst/>
+                              <a:latin typeface="Courier New" panose="02070309020205020404" pitchFamily="49" charset="0"/>
+                            </a:rPr>
+                            <a:t>"$\alpha = 1$"</a:t>
+                          </a:r>
+                          <a:r>
+                            <a:rPr lang="en-GB" sz="1200" b="0" i="0" u="none" strike="noStrike" dirty="0">
+                              <a:solidFill>
+                                <a:srgbClr val="000000"/>
+                              </a:solidFill>
+                              <a:effectLst/>
+                              <a:latin typeface="Courier New" panose="02070309020205020404" pitchFamily="49" charset="0"/>
+                            </a:rPr>
+                            <a:t>)</a:t>
+                          </a:r>
+                        </a:p>
+                        <a:p>
+                          <a:pPr algn="l"/>
+                          <a:r>
+                            <a:rPr lang="en-GB" sz="1200" b="0" i="0" u="none" strike="noStrike" dirty="0" err="1">
+                              <a:solidFill>
+                                <a:srgbClr val="000000"/>
+                              </a:solidFill>
+                              <a:effectLst/>
+                              <a:latin typeface="Courier New" panose="02070309020205020404" pitchFamily="49" charset="0"/>
+                            </a:rPr>
+                            <a:t>plt.plot</a:t>
+                          </a:r>
+                          <a:r>
+                            <a:rPr lang="en-GB" sz="1200" b="0" i="0" u="none" strike="noStrike" dirty="0">
+                              <a:solidFill>
+                                <a:srgbClr val="000000"/>
+                              </a:solidFill>
+                              <a:effectLst/>
+                              <a:latin typeface="Courier New" panose="02070309020205020404" pitchFamily="49" charset="0"/>
+                            </a:rPr>
+                            <a:t>(x, y2, label=r</a:t>
+                          </a:r>
+                          <a:r>
+                            <a:rPr lang="en-GB" sz="1200" b="0" i="0" u="none" strike="noStrike" dirty="0">
+                              <a:solidFill>
+                                <a:srgbClr val="A31515"/>
+                              </a:solidFill>
+                              <a:effectLst/>
+                              <a:latin typeface="Courier New" panose="02070309020205020404" pitchFamily="49" charset="0"/>
+                            </a:rPr>
+                            <a:t>"$\alpha = 2$"</a:t>
+                          </a:r>
+                          <a:r>
+                            <a:rPr lang="en-GB" sz="1200" b="0" i="0" u="none" strike="noStrike" dirty="0">
+                              <a:solidFill>
+                                <a:srgbClr val="000000"/>
+                              </a:solidFill>
+                              <a:effectLst/>
+                              <a:latin typeface="Courier New" panose="02070309020205020404" pitchFamily="49" charset="0"/>
+                            </a:rPr>
+                            <a:t>)</a:t>
+                          </a:r>
+                        </a:p>
+                        <a:p>
+                          <a:pPr algn="l"/>
+                          <a:r>
+                            <a:rPr lang="en-GB" sz="1200" b="0" i="0" u="none" strike="noStrike" dirty="0" err="1">
+                              <a:solidFill>
+                                <a:srgbClr val="000000"/>
+                              </a:solidFill>
+                              <a:effectLst/>
+                              <a:latin typeface="Courier New" panose="02070309020205020404" pitchFamily="49" charset="0"/>
+                            </a:rPr>
+                            <a:t>plt.legend</a:t>
+                          </a:r>
+                          <a:r>
+                            <a:rPr lang="en-GB" sz="1200" b="0" i="0" u="none" strike="noStrike" dirty="0">
+                              <a:solidFill>
+                                <a:srgbClr val="000000"/>
+                              </a:solidFill>
+                              <a:effectLst/>
+                              <a:latin typeface="Courier New" panose="02070309020205020404" pitchFamily="49" charset="0"/>
+                            </a:rPr>
+                            <a:t>()</a:t>
+                          </a:r>
+                        </a:p>
+                      </a:txBody>
+                      <a:tcPr>
+                        <a:lnL w="12700" cap="flat" cmpd="sng" algn="ctr">
+                          <a:solidFill>
+                            <a:schemeClr val="accent1"/>
+                          </a:solidFill>
+                          <a:prstDash val="solid"/>
+                          <a:round/>
+                          <a:headEnd type="none" w="med" len="med"/>
+                          <a:tailEnd type="none" w="med" len="med"/>
+                        </a:lnL>
+                        <a:lnR w="12700" cap="flat" cmpd="sng" algn="ctr">
+                          <a:solidFill>
+                            <a:schemeClr val="accent1"/>
+                          </a:solidFill>
+                          <a:prstDash val="solid"/>
+                          <a:round/>
+                          <a:headEnd type="none" w="med" len="med"/>
+                          <a:tailEnd type="none" w="med" len="med"/>
+                        </a:lnR>
+                        <a:lnT w="12700" cap="flat" cmpd="sng" algn="ctr">
+                          <a:solidFill>
+                            <a:schemeClr val="accent1"/>
+                          </a:solidFill>
+                          <a:prstDash val="solid"/>
+                          <a:round/>
+                          <a:headEnd type="none" w="med" len="med"/>
+                          <a:tailEnd type="none" w="med" len="med"/>
+                        </a:lnT>
+                        <a:lnB w="12700" cap="flat" cmpd="sng" algn="ctr">
+                          <a:solidFill>
+                            <a:schemeClr val="accent1"/>
+                          </a:solidFill>
+                          <a:prstDash val="solid"/>
+                          <a:round/>
+                          <a:headEnd type="none" w="med" len="med"/>
+                          <a:tailEnd type="none" w="med" len="med"/>
+                        </a:lnB>
+                        <a:solidFill>
+                          <a:schemeClr val="bg1">
+                            <a:lumMod val="95000"/>
+                          </a:schemeClr>
+                        </a:solidFill>
+                      </a:tcPr>
+                    </a:tc>
+                    <a:extLst>
+                      <a:ext uri="{0D108BD9-81ED-4DB2-BD59-A6C34878D82A}">
+                        <a16:rowId xmlns:a16="http://schemas.microsoft.com/office/drawing/2014/main" val="2014089395"/>
+                      </a:ext>
+                    </a:extLst>
+                  </a:tr>
+                  <a:tr h="2359824">
+                    <a:tc>
+                      <a:txBody>
+                        <a:bodyPr/>
+                        <a:lstStyle/>
+                        <a:p>
+                          <a:pPr algn="l"/>
+                          <a:endParaRPr lang="en-GB" sz="1200" b="0" i="0" u="none" strike="noStrike" dirty="0">
+                            <a:solidFill>
+                              <a:srgbClr val="000000"/>
+                            </a:solidFill>
+                            <a:effectLst/>
+                            <a:latin typeface="Courier New" panose="02070309020205020404" pitchFamily="49" charset="0"/>
+                          </a:endParaRPr>
+                        </a:p>
+                        <a:p>
+                          <a:pPr algn="l"/>
+                          <a:endParaRPr lang="en-GB" sz="1200" b="0" i="0" u="none" strike="noStrike" dirty="0">
+                            <a:solidFill>
+                              <a:srgbClr val="000000"/>
+                            </a:solidFill>
+                            <a:effectLst/>
+                            <a:latin typeface="Courier New" panose="02070309020205020404" pitchFamily="49" charset="0"/>
+                          </a:endParaRPr>
+                        </a:p>
+                      </a:txBody>
+                      <a:tcPr>
+                        <a:lnL w="12700" cap="flat" cmpd="sng" algn="ctr">
+                          <a:solidFill>
+                            <a:schemeClr val="accent1"/>
+                          </a:solidFill>
+                          <a:prstDash val="solid"/>
+                          <a:round/>
+                          <a:headEnd type="none" w="med" len="med"/>
+                          <a:tailEnd type="none" w="med" len="med"/>
+                        </a:lnL>
+                        <a:lnR w="12700" cap="flat" cmpd="sng" algn="ctr">
+                          <a:solidFill>
+                            <a:schemeClr val="accent1"/>
+                          </a:solidFill>
+                          <a:prstDash val="solid"/>
+                          <a:round/>
+                          <a:headEnd type="none" w="med" len="med"/>
+                          <a:tailEnd type="none" w="med" len="med"/>
+                        </a:lnR>
+                        <a:lnT w="12700" cap="flat" cmpd="sng" algn="ctr">
+                          <a:solidFill>
+                            <a:schemeClr val="accent1"/>
+                          </a:solidFill>
+                          <a:prstDash val="solid"/>
+                          <a:round/>
+                          <a:headEnd type="none" w="med" len="med"/>
+                          <a:tailEnd type="none" w="med" len="med"/>
+                        </a:lnT>
+                        <a:lnB w="12700" cap="flat" cmpd="sng" algn="ctr">
+                          <a:solidFill>
+                            <a:schemeClr val="accent1"/>
+                          </a:solidFill>
+                          <a:prstDash val="solid"/>
+                          <a:round/>
+                          <a:headEnd type="none" w="med" len="med"/>
+                          <a:tailEnd type="none" w="med" len="med"/>
+                        </a:lnB>
+                        <a:noFill/>
+                      </a:tcPr>
+                    </a:tc>
+                    <a:extLst>
+                      <a:ext uri="{0D108BD9-81ED-4DB2-BD59-A6C34878D82A}">
+                        <a16:rowId xmlns:a16="http://schemas.microsoft.com/office/drawing/2014/main" val="1957111009"/>
+                      </a:ext>
+                    </a:extLst>
+                  </a:tr>
+                </a:tbl>
+              </a:graphicData>
+            </a:graphic>
+          </p:graphicFrame>
+        </mc:Fallback>
+      </mc:AlternateContent>
+      <p:pic>
+        <p:nvPicPr>
+          <p:cNvPr id="1028" name="Picture 4">
             <a:extLst>
               <a:ext uri="{FF2B5EF4-FFF2-40B4-BE49-F238E27FC236}">
-                <a16:creationId xmlns:a16="http://schemas.microsoft.com/office/drawing/2014/main" id="{93F44A5E-B3CE-3BA0-3C48-A4083A6F3496}"/>
+                <a16:creationId xmlns:a16="http://schemas.microsoft.com/office/drawing/2014/main" id="{A2A8F925-2F8C-FC34-754F-F4160BEAE848}"/>
               </a:ext>
             </a:extLst>
           </p:cNvPr>
-          <p:cNvGraphicFramePr>
-            <a:graphicFrameLocks noGrp="1"/>
-          </p:cNvGraphicFramePr>
-          <p:nvPr>
-            <p:extLst>
-              <p:ext uri="{D42A27DB-BD31-4B8C-83A1-F6EECF244321}">
-                <p14:modId xmlns:p14="http://schemas.microsoft.com/office/powerpoint/2010/main" val="3952150200"/>
-              </p:ext>
-            </p:extLst>
-          </p:nvPr>
-        </p:nvGraphicFramePr>
-        <p:xfrm>
-          <a:off x="179512" y="548680"/>
-          <a:ext cx="8640960" cy="4572000"/>
-        </p:xfrm>
-        <a:graphic>
-          <a:graphicData uri="http://schemas.openxmlformats.org/drawingml/2006/table">
-            <a:tbl>
-              <a:tblPr>
-                <a:tableStyleId>{5C22544A-7EE6-4342-B048-85BDC9FD1C3A}</a:tableStyleId>
-              </a:tblPr>
-              <a:tblGrid>
-                <a:gridCol w="8640960">
-                  <a:extLst>
-                    <a:ext uri="{9D8B030D-6E8A-4147-A177-3AD203B41FA5}">
-                      <a16:colId xmlns:a16="http://schemas.microsoft.com/office/drawing/2014/main" val="2706851558"/>
-                    </a:ext>
-                  </a:extLst>
-                </a:gridCol>
-              </a:tblGrid>
-              <a:tr h="202515">
-                <a:tc>
-                  <a:txBody>
-                    <a:bodyPr/>
-                    <a:lstStyle/>
-                    <a:p>
-                      <a:pPr marL="0" marR="0" lvl="0" indent="0" algn="l" defTabSz="914400" rtl="0" eaLnBrk="1" fontAlgn="auto" latinLnBrk="0" hangingPunct="1">
-                        <a:lnSpc>
-                          <a:spcPct val="100000"/>
-                        </a:lnSpc>
-                        <a:spcBef>
-                          <a:spcPts val="0"/>
-                        </a:spcBef>
-                        <a:spcAft>
-                          <a:spcPts val="0"/>
-                        </a:spcAft>
-                        <a:buClrTx/>
-                        <a:buSzTx/>
-                        <a:buFontTx/>
-                        <a:buNone/>
-                        <a:tabLst/>
-                        <a:defRPr/>
-                      </a:pPr>
-                      <a:r>
-                        <a:rPr lang="en-US" sz="1600" b="0" noProof="0" dirty="0"/>
-                        <a:t>Train state is meant to keep</a:t>
-                      </a:r>
-                    </a:p>
-                    <a:p>
-                      <a:pPr marL="285750" marR="0" lvl="0" indent="-285750" algn="l" defTabSz="914400" rtl="0" eaLnBrk="1" fontAlgn="auto" latinLnBrk="0" hangingPunct="1">
-                        <a:lnSpc>
-                          <a:spcPct val="100000"/>
-                        </a:lnSpc>
-                        <a:spcBef>
-                          <a:spcPts val="0"/>
-                        </a:spcBef>
-                        <a:spcAft>
-                          <a:spcPts val="0"/>
-                        </a:spcAft>
-                        <a:buClrTx/>
-                        <a:buSzTx/>
-                        <a:buFont typeface="Arial" panose="020B0604020202020204" pitchFamily="34" charset="0"/>
-                        <a:buChar char="•"/>
-                        <a:tabLst/>
-                        <a:defRPr/>
-                      </a:pPr>
-                      <a:r>
-                        <a:rPr lang="en-US" sz="1600" b="0" noProof="0" dirty="0"/>
-                        <a:t>early stopping parameters, </a:t>
-                      </a:r>
-                    </a:p>
-                    <a:p>
-                      <a:pPr marL="285750" marR="0" lvl="0" indent="-285750" algn="l" defTabSz="914400" rtl="0" eaLnBrk="1" fontAlgn="auto" latinLnBrk="0" hangingPunct="1">
-                        <a:lnSpc>
-                          <a:spcPct val="100000"/>
-                        </a:lnSpc>
-                        <a:spcBef>
-                          <a:spcPts val="0"/>
-                        </a:spcBef>
-                        <a:spcAft>
-                          <a:spcPts val="0"/>
-                        </a:spcAft>
-                        <a:buClrTx/>
-                        <a:buSzTx/>
-                        <a:buFont typeface="Arial" panose="020B0604020202020204" pitchFamily="34" charset="0"/>
-                        <a:buChar char="•"/>
-                        <a:tabLst/>
-                        <a:defRPr/>
-                      </a:pPr>
-                      <a:r>
-                        <a:rPr lang="en-US" sz="1600" b="0" noProof="0" dirty="0"/>
-                        <a:t>learning rate,</a:t>
-                      </a:r>
-                    </a:p>
-                    <a:p>
-                      <a:pPr marL="285750" marR="0" lvl="0" indent="-285750" algn="l" defTabSz="914400" rtl="0" eaLnBrk="1" fontAlgn="auto" latinLnBrk="0" hangingPunct="1">
-                        <a:lnSpc>
-                          <a:spcPct val="100000"/>
-                        </a:lnSpc>
-                        <a:spcBef>
-                          <a:spcPts val="0"/>
-                        </a:spcBef>
-                        <a:spcAft>
-                          <a:spcPts val="0"/>
-                        </a:spcAft>
-                        <a:buClrTx/>
-                        <a:buSzTx/>
-                        <a:buFont typeface="Arial" panose="020B0604020202020204" pitchFamily="34" charset="0"/>
-                        <a:buChar char="•"/>
-                        <a:tabLst/>
-                        <a:defRPr/>
-                      </a:pPr>
-                      <a:r>
-                        <a:rPr lang="en-US" sz="1600" b="0" noProof="0" dirty="0"/>
-                        <a:t>training, validation and evaluation losses</a:t>
-                      </a:r>
-                    </a:p>
-                    <a:p>
-                      <a:pPr marL="285750" marR="0" lvl="0" indent="-285750" algn="l" defTabSz="914400" rtl="0" eaLnBrk="1" fontAlgn="auto" latinLnBrk="0" hangingPunct="1">
-                        <a:lnSpc>
-                          <a:spcPct val="100000"/>
-                        </a:lnSpc>
-                        <a:spcBef>
-                          <a:spcPts val="0"/>
-                        </a:spcBef>
-                        <a:spcAft>
-                          <a:spcPts val="0"/>
-                        </a:spcAft>
-                        <a:buClrTx/>
-                        <a:buSzTx/>
-                        <a:buFont typeface="Arial" panose="020B0604020202020204" pitchFamily="34" charset="0"/>
-                        <a:buChar char="•"/>
-                        <a:tabLst/>
-                        <a:defRPr/>
-                      </a:pPr>
-                      <a:r>
-                        <a:rPr lang="en-US" sz="1600" b="0" noProof="0" dirty="0"/>
-                        <a:t>training, validation and evaluation accuracies</a:t>
-                      </a:r>
-                    </a:p>
-                  </a:txBody>
-                  <a:tcPr>
-                    <a:lnL w="12700" cap="flat" cmpd="sng" algn="ctr">
-                      <a:noFill/>
-                      <a:prstDash val="solid"/>
-                      <a:round/>
-                      <a:headEnd type="none" w="med" len="med"/>
-                      <a:tailEnd type="none" w="med" len="med"/>
-                    </a:lnL>
-                    <a:lnR w="12700" cap="flat" cmpd="sng" algn="ctr">
-                      <a:noFill/>
-                      <a:prstDash val="solid"/>
-                      <a:round/>
-                      <a:headEnd type="none" w="med" len="med"/>
-                      <a:tailEnd type="none" w="med" len="med"/>
-                    </a:lnR>
-                    <a:lnT w="12700" cap="flat" cmpd="sng" algn="ctr">
-                      <a:noFill/>
-                      <a:prstDash val="solid"/>
-                      <a:round/>
-                      <a:headEnd type="none" w="med" len="med"/>
-                      <a:tailEnd type="none" w="med" len="med"/>
-                    </a:lnT>
-                    <a:lnB w="12700" cap="flat" cmpd="sng" algn="ctr">
-                      <a:solidFill>
-                        <a:schemeClr val="accent1"/>
-                      </a:solidFill>
-                      <a:prstDash val="solid"/>
-                      <a:round/>
-                      <a:headEnd type="none" w="med" len="med"/>
-                      <a:tailEnd type="none" w="med" len="med"/>
-                    </a:lnB>
-                    <a:lnTlToBr w="12700" cmpd="sng">
-                      <a:noFill/>
-                      <a:prstDash val="solid"/>
-                    </a:lnTlToBr>
-                    <a:lnBlToTr w="12700" cmpd="sng">
-                      <a:noFill/>
-                      <a:prstDash val="solid"/>
-                    </a:lnBlToTr>
-                    <a:noFill/>
-                  </a:tcPr>
-                </a:tc>
-                <a:extLst>
-                  <a:ext uri="{0D108BD9-81ED-4DB2-BD59-A6C34878D82A}">
-                    <a16:rowId xmlns:a16="http://schemas.microsoft.com/office/drawing/2014/main" val="533612861"/>
-                  </a:ext>
-                </a:extLst>
-              </a:tr>
-              <a:tr h="202515">
-                <a:tc>
-                  <a:txBody>
-                    <a:bodyPr/>
-                    <a:lstStyle/>
-                    <a:p>
-                      <a:pPr algn="l"/>
-                      <a:r>
-                        <a:rPr lang="en-US" sz="1600" b="0" i="0" u="none" strike="noStrike" dirty="0">
-                          <a:solidFill>
-                            <a:srgbClr val="0000FF"/>
-                          </a:solidFill>
-                          <a:effectLst/>
-                          <a:latin typeface="Courier New" panose="02070309020205020404" pitchFamily="49" charset="0"/>
-                        </a:rPr>
-                        <a:t>def</a:t>
-                      </a:r>
-                      <a:r>
-                        <a:rPr lang="en-US" sz="1600" b="0" i="0" u="none" strike="noStrike" dirty="0">
-                          <a:solidFill>
-                            <a:srgbClr val="000000"/>
-                          </a:solidFill>
-                          <a:effectLst/>
-                          <a:latin typeface="Courier New" panose="02070309020205020404" pitchFamily="49" charset="0"/>
-                        </a:rPr>
-                        <a:t> </a:t>
-                      </a:r>
-                      <a:r>
-                        <a:rPr lang="en-US" sz="1600" b="0" i="0" u="none" strike="noStrike" dirty="0" err="1">
-                          <a:solidFill>
-                            <a:srgbClr val="795E26"/>
-                          </a:solidFill>
-                          <a:effectLst/>
-                          <a:latin typeface="Courier New" panose="02070309020205020404" pitchFamily="49" charset="0"/>
-                        </a:rPr>
-                        <a:t>make_train_state</a:t>
-                      </a:r>
-                      <a:r>
-                        <a:rPr lang="en-US" sz="1600" b="0" i="0" u="none" strike="noStrike" dirty="0">
-                          <a:solidFill>
-                            <a:srgbClr val="000000"/>
-                          </a:solidFill>
-                          <a:effectLst/>
-                          <a:latin typeface="Courier New" panose="02070309020205020404" pitchFamily="49" charset="0"/>
-                        </a:rPr>
-                        <a:t>(</a:t>
-                      </a:r>
-                      <a:r>
-                        <a:rPr lang="en-US" sz="1600" b="0" i="0" u="none" strike="noStrike" dirty="0" err="1">
-                          <a:solidFill>
-                            <a:srgbClr val="001080"/>
-                          </a:solidFill>
-                          <a:effectLst/>
-                          <a:latin typeface="Courier New" panose="02070309020205020404" pitchFamily="49" charset="0"/>
-                        </a:rPr>
-                        <a:t>args</a:t>
-                      </a:r>
-                      <a:r>
-                        <a:rPr lang="en-US" sz="1600" b="0" i="0" u="none" strike="noStrike" dirty="0">
-                          <a:solidFill>
-                            <a:srgbClr val="000000"/>
-                          </a:solidFill>
-                          <a:effectLst/>
-                          <a:latin typeface="Courier New" panose="02070309020205020404" pitchFamily="49" charset="0"/>
-                        </a:rPr>
-                        <a:t>):</a:t>
-                      </a:r>
-                    </a:p>
-                    <a:p>
-                      <a:pPr algn="l"/>
-                      <a:r>
-                        <a:rPr lang="en-US" sz="1600" b="0" i="0" u="none" strike="noStrike" dirty="0">
-                          <a:solidFill>
-                            <a:srgbClr val="AF00DB"/>
-                          </a:solidFill>
-                          <a:effectLst/>
-                          <a:latin typeface="Courier New" panose="02070309020205020404" pitchFamily="49" charset="0"/>
-                        </a:rPr>
-                        <a:t>    return</a:t>
-                      </a:r>
-                      <a:r>
-                        <a:rPr lang="en-US" sz="1600" b="0" i="0" u="none" strike="noStrike" dirty="0">
-                          <a:solidFill>
-                            <a:srgbClr val="000000"/>
-                          </a:solidFill>
-                          <a:effectLst/>
-                          <a:latin typeface="Courier New" panose="02070309020205020404" pitchFamily="49" charset="0"/>
-                        </a:rPr>
-                        <a:t> {</a:t>
-                      </a:r>
-                      <a:r>
-                        <a:rPr lang="en-US" sz="1600" b="0" i="0" u="none" strike="noStrike" dirty="0">
-                          <a:solidFill>
-                            <a:srgbClr val="A31515"/>
-                          </a:solidFill>
-                          <a:effectLst/>
-                          <a:latin typeface="Courier New" panose="02070309020205020404" pitchFamily="49" charset="0"/>
-                        </a:rPr>
-                        <a:t>'</a:t>
-                      </a:r>
-                      <a:r>
-                        <a:rPr lang="en-US" sz="1600" b="0" i="0" u="none" strike="noStrike" dirty="0" err="1">
-                          <a:solidFill>
-                            <a:srgbClr val="A31515"/>
-                          </a:solidFill>
-                          <a:effectLst/>
-                          <a:latin typeface="Courier New" panose="02070309020205020404" pitchFamily="49" charset="0"/>
-                        </a:rPr>
-                        <a:t>stop_early</a:t>
-                      </a:r>
-                      <a:r>
-                        <a:rPr lang="en-US" sz="1600" b="0" i="0" u="none" strike="noStrike" dirty="0">
-                          <a:solidFill>
-                            <a:srgbClr val="A31515"/>
-                          </a:solidFill>
-                          <a:effectLst/>
-                          <a:latin typeface="Courier New" panose="02070309020205020404" pitchFamily="49" charset="0"/>
-                        </a:rPr>
-                        <a:t>'</a:t>
-                      </a:r>
-                      <a:r>
-                        <a:rPr lang="en-US" sz="1600" b="0" i="0" u="none" strike="noStrike" dirty="0">
-                          <a:solidFill>
-                            <a:srgbClr val="000000"/>
-                          </a:solidFill>
-                          <a:effectLst/>
-                          <a:latin typeface="Courier New" panose="02070309020205020404" pitchFamily="49" charset="0"/>
-                        </a:rPr>
-                        <a:t>: </a:t>
-                      </a:r>
-                      <a:r>
-                        <a:rPr lang="en-US" sz="1600" b="0" i="0" u="none" strike="noStrike" dirty="0">
-                          <a:solidFill>
-                            <a:srgbClr val="0000FF"/>
-                          </a:solidFill>
-                          <a:effectLst/>
-                          <a:latin typeface="Courier New" panose="02070309020205020404" pitchFamily="49" charset="0"/>
-                        </a:rPr>
-                        <a:t>False</a:t>
-                      </a:r>
-                      <a:r>
-                        <a:rPr lang="en-US" sz="1600" b="0" i="0" u="none" strike="noStrike" dirty="0">
-                          <a:solidFill>
-                            <a:srgbClr val="000000"/>
-                          </a:solidFill>
-                          <a:effectLst/>
-                          <a:latin typeface="Courier New" panose="02070309020205020404" pitchFamily="49" charset="0"/>
-                        </a:rPr>
-                        <a:t>,</a:t>
-                      </a:r>
-                    </a:p>
-                    <a:p>
-                      <a:pPr algn="l"/>
-                      <a:r>
-                        <a:rPr lang="en-US" sz="1600" b="0" i="0" u="none" strike="noStrike" dirty="0">
-                          <a:solidFill>
-                            <a:srgbClr val="A31515"/>
-                          </a:solidFill>
-                          <a:effectLst/>
-                          <a:latin typeface="Courier New" panose="02070309020205020404" pitchFamily="49" charset="0"/>
-                        </a:rPr>
-                        <a:t>            '</a:t>
-                      </a:r>
-                      <a:r>
-                        <a:rPr lang="en-US" sz="1600" b="0" i="0" u="none" strike="noStrike" dirty="0" err="1">
-                          <a:solidFill>
-                            <a:srgbClr val="A31515"/>
-                          </a:solidFill>
-                          <a:effectLst/>
-                          <a:latin typeface="Courier New" panose="02070309020205020404" pitchFamily="49" charset="0"/>
-                        </a:rPr>
-                        <a:t>early_stopping_step</a:t>
-                      </a:r>
-                      <a:r>
-                        <a:rPr lang="en-US" sz="1600" b="0" i="0" u="none" strike="noStrike" dirty="0">
-                          <a:solidFill>
-                            <a:srgbClr val="A31515"/>
-                          </a:solidFill>
-                          <a:effectLst/>
-                          <a:latin typeface="Courier New" panose="02070309020205020404" pitchFamily="49" charset="0"/>
-                        </a:rPr>
-                        <a:t>'</a:t>
-                      </a:r>
-                      <a:r>
-                        <a:rPr lang="en-US" sz="1600" b="0" i="0" u="none" strike="noStrike" dirty="0">
-                          <a:solidFill>
-                            <a:srgbClr val="000000"/>
-                          </a:solidFill>
-                          <a:effectLst/>
-                          <a:latin typeface="Courier New" panose="02070309020205020404" pitchFamily="49" charset="0"/>
-                        </a:rPr>
-                        <a:t>: </a:t>
-                      </a:r>
-                      <a:r>
-                        <a:rPr lang="en-US" sz="1600" b="0" i="0" u="none" strike="noStrike" dirty="0">
-                          <a:solidFill>
-                            <a:srgbClr val="09885A"/>
-                          </a:solidFill>
-                          <a:effectLst/>
-                          <a:latin typeface="Courier New" panose="02070309020205020404" pitchFamily="49" charset="0"/>
-                        </a:rPr>
-                        <a:t>0</a:t>
-                      </a:r>
-                      <a:r>
-                        <a:rPr lang="en-US" sz="1600" b="0" i="0" u="none" strike="noStrike" dirty="0">
-                          <a:solidFill>
-                            <a:srgbClr val="000000"/>
-                          </a:solidFill>
-                          <a:effectLst/>
-                          <a:latin typeface="Courier New" panose="02070309020205020404" pitchFamily="49" charset="0"/>
-                        </a:rPr>
-                        <a:t>,</a:t>
-                      </a:r>
-                    </a:p>
-                    <a:p>
-                      <a:pPr algn="l"/>
-                      <a:r>
-                        <a:rPr lang="en-US" sz="1600" b="0" i="0" u="none" strike="noStrike" dirty="0">
-                          <a:solidFill>
-                            <a:srgbClr val="A31515"/>
-                          </a:solidFill>
-                          <a:effectLst/>
-                          <a:latin typeface="Courier New" panose="02070309020205020404" pitchFamily="49" charset="0"/>
-                        </a:rPr>
-                        <a:t>            '</a:t>
-                      </a:r>
-                      <a:r>
-                        <a:rPr lang="en-US" sz="1600" b="0" i="0" u="none" strike="noStrike" dirty="0" err="1">
-                          <a:solidFill>
-                            <a:srgbClr val="A31515"/>
-                          </a:solidFill>
-                          <a:effectLst/>
-                          <a:latin typeface="Courier New" panose="02070309020205020404" pitchFamily="49" charset="0"/>
-                        </a:rPr>
-                        <a:t>early_stopping_best_val</a:t>
-                      </a:r>
-                      <a:r>
-                        <a:rPr lang="en-US" sz="1600" b="0" i="0" u="none" strike="noStrike" dirty="0">
-                          <a:solidFill>
-                            <a:srgbClr val="A31515"/>
-                          </a:solidFill>
-                          <a:effectLst/>
-                          <a:latin typeface="Courier New" panose="02070309020205020404" pitchFamily="49" charset="0"/>
-                        </a:rPr>
-                        <a:t>'</a:t>
-                      </a:r>
-                      <a:r>
-                        <a:rPr lang="en-US" sz="1600" b="0" i="0" u="none" strike="noStrike" dirty="0">
-                          <a:solidFill>
-                            <a:srgbClr val="000000"/>
-                          </a:solidFill>
-                          <a:effectLst/>
-                          <a:latin typeface="Courier New" panose="02070309020205020404" pitchFamily="49" charset="0"/>
-                        </a:rPr>
-                        <a:t>: </a:t>
-                      </a:r>
-                      <a:r>
-                        <a:rPr lang="en-US" sz="1600" b="0" i="0" u="none" strike="noStrike" dirty="0">
-                          <a:solidFill>
-                            <a:srgbClr val="09885A"/>
-                          </a:solidFill>
-                          <a:effectLst/>
-                          <a:latin typeface="Courier New" panose="02070309020205020404" pitchFamily="49" charset="0"/>
-                        </a:rPr>
-                        <a:t>1e8</a:t>
-                      </a:r>
-                      <a:r>
-                        <a:rPr lang="en-US" sz="1600" b="0" i="0" u="none" strike="noStrike" dirty="0">
-                          <a:solidFill>
-                            <a:srgbClr val="000000"/>
-                          </a:solidFill>
-                          <a:effectLst/>
-                          <a:latin typeface="Courier New" panose="02070309020205020404" pitchFamily="49" charset="0"/>
-                        </a:rPr>
-                        <a:t>,</a:t>
-                      </a:r>
-                    </a:p>
-                    <a:p>
-                      <a:pPr algn="l"/>
-                      <a:r>
-                        <a:rPr lang="en-US" sz="1600" b="0" i="0" u="none" strike="noStrike" dirty="0">
-                          <a:solidFill>
-                            <a:srgbClr val="A31515"/>
-                          </a:solidFill>
-                          <a:effectLst/>
-                          <a:latin typeface="Courier New" panose="02070309020205020404" pitchFamily="49" charset="0"/>
-                        </a:rPr>
-                        <a:t>            '</a:t>
-                      </a:r>
-                      <a:r>
-                        <a:rPr lang="en-US" sz="1600" b="0" i="0" u="none" strike="noStrike" dirty="0" err="1">
-                          <a:solidFill>
-                            <a:srgbClr val="A31515"/>
-                          </a:solidFill>
-                          <a:effectLst/>
-                          <a:latin typeface="Courier New" panose="02070309020205020404" pitchFamily="49" charset="0"/>
-                        </a:rPr>
-                        <a:t>learning_rate</a:t>
-                      </a:r>
-                      <a:r>
-                        <a:rPr lang="en-US" sz="1600" b="0" i="0" u="none" strike="noStrike" dirty="0">
-                          <a:solidFill>
-                            <a:srgbClr val="A31515"/>
-                          </a:solidFill>
-                          <a:effectLst/>
-                          <a:latin typeface="Courier New" panose="02070309020205020404" pitchFamily="49" charset="0"/>
-                        </a:rPr>
-                        <a:t>'</a:t>
-                      </a:r>
-                      <a:r>
-                        <a:rPr lang="en-US" sz="1600" b="0" i="0" u="none" strike="noStrike" dirty="0">
-                          <a:solidFill>
-                            <a:srgbClr val="000000"/>
-                          </a:solidFill>
-                          <a:effectLst/>
-                          <a:latin typeface="Courier New" panose="02070309020205020404" pitchFamily="49" charset="0"/>
-                        </a:rPr>
-                        <a:t>: </a:t>
-                      </a:r>
-                      <a:r>
-                        <a:rPr lang="en-US" sz="1600" b="0" i="0" u="none" strike="noStrike" dirty="0" err="1">
-                          <a:solidFill>
-                            <a:srgbClr val="000000"/>
-                          </a:solidFill>
-                          <a:effectLst/>
-                          <a:latin typeface="Courier New" panose="02070309020205020404" pitchFamily="49" charset="0"/>
-                        </a:rPr>
-                        <a:t>args.learning_rate</a:t>
-                      </a:r>
-                      <a:r>
-                        <a:rPr lang="en-US" sz="1600" b="0" i="0" u="none" strike="noStrike" dirty="0">
-                          <a:solidFill>
-                            <a:srgbClr val="000000"/>
-                          </a:solidFill>
-                          <a:effectLst/>
-                          <a:latin typeface="Courier New" panose="02070309020205020404" pitchFamily="49" charset="0"/>
-                        </a:rPr>
-                        <a:t>,</a:t>
-                      </a:r>
-                    </a:p>
-                    <a:p>
-                      <a:pPr algn="l"/>
-                      <a:r>
-                        <a:rPr lang="en-US" sz="1600" b="0" i="0" u="none" strike="noStrike" dirty="0">
-                          <a:solidFill>
-                            <a:srgbClr val="A31515"/>
-                          </a:solidFill>
-                          <a:effectLst/>
-                          <a:latin typeface="Courier New" panose="02070309020205020404" pitchFamily="49" charset="0"/>
-                        </a:rPr>
-                        <a:t>            '</a:t>
-                      </a:r>
-                      <a:r>
-                        <a:rPr lang="en-US" sz="1600" b="0" i="0" u="none" strike="noStrike" dirty="0" err="1">
-                          <a:solidFill>
-                            <a:srgbClr val="A31515"/>
-                          </a:solidFill>
-                          <a:effectLst/>
-                          <a:latin typeface="Courier New" panose="02070309020205020404" pitchFamily="49" charset="0"/>
-                        </a:rPr>
-                        <a:t>epoch_index</a:t>
-                      </a:r>
-                      <a:r>
-                        <a:rPr lang="en-US" sz="1600" b="0" i="0" u="none" strike="noStrike" dirty="0">
-                          <a:solidFill>
-                            <a:srgbClr val="A31515"/>
-                          </a:solidFill>
-                          <a:effectLst/>
-                          <a:latin typeface="Courier New" panose="02070309020205020404" pitchFamily="49" charset="0"/>
-                        </a:rPr>
-                        <a:t>'</a:t>
-                      </a:r>
-                      <a:r>
-                        <a:rPr lang="en-US" sz="1600" b="0" i="0" u="none" strike="noStrike" dirty="0">
-                          <a:solidFill>
-                            <a:srgbClr val="000000"/>
-                          </a:solidFill>
-                          <a:effectLst/>
-                          <a:latin typeface="Courier New" panose="02070309020205020404" pitchFamily="49" charset="0"/>
-                        </a:rPr>
-                        <a:t>: </a:t>
-                      </a:r>
-                      <a:r>
-                        <a:rPr lang="en-US" sz="1600" b="0" i="0" u="none" strike="noStrike" dirty="0">
-                          <a:solidFill>
-                            <a:srgbClr val="09885A"/>
-                          </a:solidFill>
-                          <a:effectLst/>
-                          <a:latin typeface="Courier New" panose="02070309020205020404" pitchFamily="49" charset="0"/>
-                        </a:rPr>
-                        <a:t>0</a:t>
-                      </a:r>
-                      <a:r>
-                        <a:rPr lang="en-US" sz="1600" b="0" i="0" u="none" strike="noStrike" dirty="0">
-                          <a:solidFill>
-                            <a:srgbClr val="000000"/>
-                          </a:solidFill>
-                          <a:effectLst/>
-                          <a:latin typeface="Courier New" panose="02070309020205020404" pitchFamily="49" charset="0"/>
-                        </a:rPr>
-                        <a:t>,</a:t>
-                      </a:r>
-                    </a:p>
-                    <a:p>
-                      <a:pPr algn="l"/>
-                      <a:r>
-                        <a:rPr lang="en-US" sz="1600" b="0" i="0" u="none" strike="noStrike" dirty="0">
-                          <a:solidFill>
-                            <a:srgbClr val="A31515"/>
-                          </a:solidFill>
-                          <a:effectLst/>
-                          <a:latin typeface="Courier New" panose="02070309020205020404" pitchFamily="49" charset="0"/>
-                        </a:rPr>
-                        <a:t>            '</a:t>
-                      </a:r>
-                      <a:r>
-                        <a:rPr lang="en-US" sz="1600" b="0" i="0" u="none" strike="noStrike" dirty="0" err="1">
-                          <a:solidFill>
-                            <a:srgbClr val="A31515"/>
-                          </a:solidFill>
-                          <a:effectLst/>
-                          <a:latin typeface="Courier New" panose="02070309020205020404" pitchFamily="49" charset="0"/>
-                        </a:rPr>
-                        <a:t>train_loss</a:t>
-                      </a:r>
-                      <a:r>
-                        <a:rPr lang="en-US" sz="1600" b="0" i="0" u="none" strike="noStrike" dirty="0">
-                          <a:solidFill>
-                            <a:srgbClr val="A31515"/>
-                          </a:solidFill>
-                          <a:effectLst/>
-                          <a:latin typeface="Courier New" panose="02070309020205020404" pitchFamily="49" charset="0"/>
-                        </a:rPr>
-                        <a:t>'</a:t>
-                      </a:r>
-                      <a:r>
-                        <a:rPr lang="en-US" sz="1600" b="0" i="0" u="none" strike="noStrike" dirty="0">
-                          <a:solidFill>
-                            <a:srgbClr val="000000"/>
-                          </a:solidFill>
-                          <a:effectLst/>
-                          <a:latin typeface="Courier New" panose="02070309020205020404" pitchFamily="49" charset="0"/>
-                        </a:rPr>
-                        <a:t>: [],</a:t>
-                      </a:r>
-                    </a:p>
-                    <a:p>
-                      <a:pPr algn="l"/>
-                      <a:r>
-                        <a:rPr lang="en-US" sz="1600" b="0" i="0" u="none" strike="noStrike" dirty="0">
-                          <a:solidFill>
-                            <a:srgbClr val="A31515"/>
-                          </a:solidFill>
-                          <a:effectLst/>
-                          <a:latin typeface="Courier New" panose="02070309020205020404" pitchFamily="49" charset="0"/>
-                        </a:rPr>
-                        <a:t>            '</a:t>
-                      </a:r>
-                      <a:r>
-                        <a:rPr lang="en-US" sz="1600" b="0" i="0" u="none" strike="noStrike" dirty="0" err="1">
-                          <a:solidFill>
-                            <a:srgbClr val="A31515"/>
-                          </a:solidFill>
-                          <a:effectLst/>
-                          <a:latin typeface="Courier New" panose="02070309020205020404" pitchFamily="49" charset="0"/>
-                        </a:rPr>
-                        <a:t>train_acc</a:t>
-                      </a:r>
-                      <a:r>
-                        <a:rPr lang="en-US" sz="1600" b="0" i="0" u="none" strike="noStrike" dirty="0">
-                          <a:solidFill>
-                            <a:srgbClr val="A31515"/>
-                          </a:solidFill>
-                          <a:effectLst/>
-                          <a:latin typeface="Courier New" panose="02070309020205020404" pitchFamily="49" charset="0"/>
-                        </a:rPr>
-                        <a:t>'</a:t>
-                      </a:r>
-                      <a:r>
-                        <a:rPr lang="en-US" sz="1600" b="0" i="0" u="none" strike="noStrike" dirty="0">
-                          <a:solidFill>
-                            <a:srgbClr val="000000"/>
-                          </a:solidFill>
-                          <a:effectLst/>
-                          <a:latin typeface="Courier New" panose="02070309020205020404" pitchFamily="49" charset="0"/>
-                        </a:rPr>
-                        <a:t>: [],</a:t>
-                      </a:r>
-                    </a:p>
-                    <a:p>
-                      <a:pPr algn="l"/>
-                      <a:r>
-                        <a:rPr lang="en-US" sz="1600" b="0" i="0" u="none" strike="noStrike" dirty="0">
-                          <a:solidFill>
-                            <a:srgbClr val="A31515"/>
-                          </a:solidFill>
-                          <a:effectLst/>
-                          <a:latin typeface="Courier New" panose="02070309020205020404" pitchFamily="49" charset="0"/>
-                        </a:rPr>
-                        <a:t>            '</a:t>
-                      </a:r>
-                      <a:r>
-                        <a:rPr lang="en-US" sz="1600" b="0" i="0" u="none" strike="noStrike" dirty="0" err="1">
-                          <a:solidFill>
-                            <a:srgbClr val="A31515"/>
-                          </a:solidFill>
-                          <a:effectLst/>
-                          <a:latin typeface="Courier New" panose="02070309020205020404" pitchFamily="49" charset="0"/>
-                        </a:rPr>
-                        <a:t>val_loss</a:t>
-                      </a:r>
-                      <a:r>
-                        <a:rPr lang="en-US" sz="1600" b="0" i="0" u="none" strike="noStrike" dirty="0">
-                          <a:solidFill>
-                            <a:srgbClr val="A31515"/>
-                          </a:solidFill>
-                          <a:effectLst/>
-                          <a:latin typeface="Courier New" panose="02070309020205020404" pitchFamily="49" charset="0"/>
-                        </a:rPr>
-                        <a:t>'</a:t>
-                      </a:r>
-                      <a:r>
-                        <a:rPr lang="en-US" sz="1600" b="0" i="0" u="none" strike="noStrike" dirty="0">
-                          <a:solidFill>
-                            <a:srgbClr val="000000"/>
-                          </a:solidFill>
-                          <a:effectLst/>
-                          <a:latin typeface="Courier New" panose="02070309020205020404" pitchFamily="49" charset="0"/>
-                        </a:rPr>
-                        <a:t>: [],</a:t>
-                      </a:r>
-                    </a:p>
-                    <a:p>
-                      <a:pPr algn="l"/>
-                      <a:r>
-                        <a:rPr lang="en-US" sz="1600" b="0" i="0" u="none" strike="noStrike" dirty="0">
-                          <a:solidFill>
-                            <a:srgbClr val="A31515"/>
-                          </a:solidFill>
-                          <a:effectLst/>
-                          <a:latin typeface="Courier New" panose="02070309020205020404" pitchFamily="49" charset="0"/>
-                        </a:rPr>
-                        <a:t>            '</a:t>
-                      </a:r>
-                      <a:r>
-                        <a:rPr lang="en-US" sz="1600" b="0" i="0" u="none" strike="noStrike" dirty="0" err="1">
-                          <a:solidFill>
-                            <a:srgbClr val="A31515"/>
-                          </a:solidFill>
-                          <a:effectLst/>
-                          <a:latin typeface="Courier New" panose="02070309020205020404" pitchFamily="49" charset="0"/>
-                        </a:rPr>
-                        <a:t>val_acc</a:t>
-                      </a:r>
-                      <a:r>
-                        <a:rPr lang="en-US" sz="1600" b="0" i="0" u="none" strike="noStrike" dirty="0">
-                          <a:solidFill>
-                            <a:srgbClr val="A31515"/>
-                          </a:solidFill>
-                          <a:effectLst/>
-                          <a:latin typeface="Courier New" panose="02070309020205020404" pitchFamily="49" charset="0"/>
-                        </a:rPr>
-                        <a:t>'</a:t>
-                      </a:r>
-                      <a:r>
-                        <a:rPr lang="en-US" sz="1600" b="0" i="0" u="none" strike="noStrike" dirty="0">
-                          <a:solidFill>
-                            <a:srgbClr val="000000"/>
-                          </a:solidFill>
-                          <a:effectLst/>
-                          <a:latin typeface="Courier New" panose="02070309020205020404" pitchFamily="49" charset="0"/>
-                        </a:rPr>
-                        <a:t>: [],</a:t>
-                      </a:r>
-                    </a:p>
-                    <a:p>
-                      <a:pPr algn="l"/>
-                      <a:r>
-                        <a:rPr lang="en-US" sz="1600" b="0" i="0" u="none" strike="noStrike" dirty="0">
-                          <a:solidFill>
-                            <a:srgbClr val="A31515"/>
-                          </a:solidFill>
-                          <a:effectLst/>
-                          <a:latin typeface="Courier New" panose="02070309020205020404" pitchFamily="49" charset="0"/>
-                        </a:rPr>
-                        <a:t>            '</a:t>
-                      </a:r>
-                      <a:r>
-                        <a:rPr lang="en-US" sz="1600" b="0" i="0" u="none" strike="noStrike" dirty="0" err="1">
-                          <a:solidFill>
-                            <a:srgbClr val="A31515"/>
-                          </a:solidFill>
-                          <a:effectLst/>
-                          <a:latin typeface="Courier New" panose="02070309020205020404" pitchFamily="49" charset="0"/>
-                        </a:rPr>
-                        <a:t>test_loss</a:t>
-                      </a:r>
-                      <a:r>
-                        <a:rPr lang="en-US" sz="1600" b="0" i="0" u="none" strike="noStrike" dirty="0">
-                          <a:solidFill>
-                            <a:srgbClr val="A31515"/>
-                          </a:solidFill>
-                          <a:effectLst/>
-                          <a:latin typeface="Courier New" panose="02070309020205020404" pitchFamily="49" charset="0"/>
-                        </a:rPr>
-                        <a:t>'</a:t>
-                      </a:r>
-                      <a:r>
-                        <a:rPr lang="en-US" sz="1600" b="0" i="0" u="none" strike="noStrike" dirty="0">
-                          <a:solidFill>
-                            <a:srgbClr val="000000"/>
-                          </a:solidFill>
-                          <a:effectLst/>
-                          <a:latin typeface="Courier New" panose="02070309020205020404" pitchFamily="49" charset="0"/>
-                        </a:rPr>
-                        <a:t>: </a:t>
-                      </a:r>
-                      <a:r>
-                        <a:rPr lang="en-US" sz="1600" b="0" i="0" u="none" strike="noStrike" dirty="0">
-                          <a:solidFill>
-                            <a:srgbClr val="09885A"/>
-                          </a:solidFill>
-                          <a:effectLst/>
-                          <a:latin typeface="Courier New" panose="02070309020205020404" pitchFamily="49" charset="0"/>
-                        </a:rPr>
-                        <a:t>-1</a:t>
-                      </a:r>
-                      <a:r>
-                        <a:rPr lang="en-US" sz="1600" b="0" i="0" u="none" strike="noStrike" dirty="0">
-                          <a:solidFill>
-                            <a:srgbClr val="000000"/>
-                          </a:solidFill>
-                          <a:effectLst/>
-                          <a:latin typeface="Courier New" panose="02070309020205020404" pitchFamily="49" charset="0"/>
-                        </a:rPr>
-                        <a:t>,</a:t>
-                      </a:r>
-                    </a:p>
-                    <a:p>
-                      <a:pPr algn="l"/>
-                      <a:r>
-                        <a:rPr lang="en-US" sz="1600" b="0" i="0" u="none" strike="noStrike" dirty="0">
-                          <a:solidFill>
-                            <a:srgbClr val="A31515"/>
-                          </a:solidFill>
-                          <a:effectLst/>
-                          <a:latin typeface="Courier New" panose="02070309020205020404" pitchFamily="49" charset="0"/>
-                        </a:rPr>
-                        <a:t>            '</a:t>
-                      </a:r>
-                      <a:r>
-                        <a:rPr lang="en-US" sz="1600" b="0" i="0" u="none" strike="noStrike" dirty="0" err="1">
-                          <a:solidFill>
-                            <a:srgbClr val="A31515"/>
-                          </a:solidFill>
-                          <a:effectLst/>
-                          <a:latin typeface="Courier New" panose="02070309020205020404" pitchFamily="49" charset="0"/>
-                        </a:rPr>
-                        <a:t>test_acc</a:t>
-                      </a:r>
-                      <a:r>
-                        <a:rPr lang="en-US" sz="1600" b="0" i="0" u="none" strike="noStrike" dirty="0">
-                          <a:solidFill>
-                            <a:srgbClr val="A31515"/>
-                          </a:solidFill>
-                          <a:effectLst/>
-                          <a:latin typeface="Courier New" panose="02070309020205020404" pitchFamily="49" charset="0"/>
-                        </a:rPr>
-                        <a:t>'</a:t>
-                      </a:r>
-                      <a:r>
-                        <a:rPr lang="en-US" sz="1600" b="0" i="0" u="none" strike="noStrike" dirty="0">
-                          <a:solidFill>
-                            <a:srgbClr val="000000"/>
-                          </a:solidFill>
-                          <a:effectLst/>
-                          <a:latin typeface="Courier New" panose="02070309020205020404" pitchFamily="49" charset="0"/>
-                        </a:rPr>
-                        <a:t>: </a:t>
-                      </a:r>
-                      <a:r>
-                        <a:rPr lang="en-US" sz="1600" b="0" i="0" u="none" strike="noStrike" dirty="0">
-                          <a:solidFill>
-                            <a:srgbClr val="09885A"/>
-                          </a:solidFill>
-                          <a:effectLst/>
-                          <a:latin typeface="Courier New" panose="02070309020205020404" pitchFamily="49" charset="0"/>
-                        </a:rPr>
-                        <a:t>-1</a:t>
-                      </a:r>
-                      <a:r>
-                        <a:rPr lang="en-US" sz="1600" b="0" i="0" u="none" strike="noStrike" dirty="0">
-                          <a:solidFill>
-                            <a:srgbClr val="000000"/>
-                          </a:solidFill>
-                          <a:effectLst/>
-                          <a:latin typeface="Courier New" panose="02070309020205020404" pitchFamily="49" charset="0"/>
-                        </a:rPr>
-                        <a:t>,</a:t>
-                      </a:r>
-                    </a:p>
-                    <a:p>
-                      <a:pPr algn="l"/>
-                      <a:r>
-                        <a:rPr lang="en-US" sz="1600" b="0" i="0" u="none" strike="noStrike" dirty="0">
-                          <a:solidFill>
-                            <a:srgbClr val="A31515"/>
-                          </a:solidFill>
-                          <a:effectLst/>
-                          <a:latin typeface="Courier New" panose="02070309020205020404" pitchFamily="49" charset="0"/>
-                        </a:rPr>
-                        <a:t>            '</a:t>
-                      </a:r>
-                      <a:r>
-                        <a:rPr lang="en-US" sz="1600" b="0" i="0" u="none" strike="noStrike" dirty="0" err="1">
-                          <a:solidFill>
-                            <a:srgbClr val="A31515"/>
-                          </a:solidFill>
-                          <a:effectLst/>
-                          <a:latin typeface="Courier New" panose="02070309020205020404" pitchFamily="49" charset="0"/>
-                        </a:rPr>
-                        <a:t>model_filename</a:t>
-                      </a:r>
-                      <a:r>
-                        <a:rPr lang="en-US" sz="1600" b="0" i="0" u="none" strike="noStrike" dirty="0">
-                          <a:solidFill>
-                            <a:srgbClr val="A31515"/>
-                          </a:solidFill>
-                          <a:effectLst/>
-                          <a:latin typeface="Courier New" panose="02070309020205020404" pitchFamily="49" charset="0"/>
-                        </a:rPr>
-                        <a:t>'</a:t>
-                      </a:r>
-                      <a:r>
-                        <a:rPr lang="en-US" sz="1600" b="0" i="0" u="none" strike="noStrike" dirty="0">
-                          <a:solidFill>
-                            <a:srgbClr val="000000"/>
-                          </a:solidFill>
-                          <a:effectLst/>
-                          <a:latin typeface="Courier New" panose="02070309020205020404" pitchFamily="49" charset="0"/>
-                        </a:rPr>
-                        <a:t>: </a:t>
-                      </a:r>
-                      <a:r>
-                        <a:rPr lang="en-US" sz="1600" b="0" i="0" u="none" strike="noStrike" dirty="0" err="1">
-                          <a:solidFill>
-                            <a:srgbClr val="000000"/>
-                          </a:solidFill>
-                          <a:effectLst/>
-                          <a:latin typeface="Courier New" panose="02070309020205020404" pitchFamily="49" charset="0"/>
-                        </a:rPr>
-                        <a:t>args.model_state_file</a:t>
-                      </a:r>
-                      <a:r>
-                        <a:rPr lang="en-US" sz="1600" b="0" i="0" u="none" strike="noStrike" dirty="0">
-                          <a:solidFill>
-                            <a:srgbClr val="000000"/>
-                          </a:solidFill>
-                          <a:effectLst/>
-                          <a:latin typeface="Courier New" panose="02070309020205020404" pitchFamily="49" charset="0"/>
-                        </a:rPr>
-                        <a:t>}</a:t>
-                      </a:r>
-                      <a:endParaRPr lang="en-US" sz="1200" b="0" i="0" u="none" strike="noStrike" dirty="0">
-                        <a:solidFill>
-                          <a:srgbClr val="000000"/>
-                        </a:solidFill>
-                        <a:effectLst/>
-                        <a:latin typeface="Courier New" panose="02070309020205020404" pitchFamily="49" charset="0"/>
-                      </a:endParaRPr>
-                    </a:p>
-                  </a:txBody>
-                  <a:tcPr>
-                    <a:lnL w="12700" cap="flat" cmpd="sng" algn="ctr">
-                      <a:solidFill>
-                        <a:schemeClr val="accent1"/>
-                      </a:solidFill>
-                      <a:prstDash val="solid"/>
-                      <a:round/>
-                      <a:headEnd type="none" w="med" len="med"/>
-                      <a:tailEnd type="none" w="med" len="med"/>
-                    </a:lnL>
-                    <a:lnR w="12700" cap="flat" cmpd="sng" algn="ctr">
-                      <a:solidFill>
-                        <a:schemeClr val="accent1"/>
-                      </a:solidFill>
-                      <a:prstDash val="solid"/>
-                      <a:round/>
-                      <a:headEnd type="none" w="med" len="med"/>
-                      <a:tailEnd type="none" w="med" len="med"/>
-                    </a:lnR>
-                    <a:lnT w="12700" cap="flat" cmpd="sng" algn="ctr">
-                      <a:solidFill>
-                        <a:schemeClr val="accent1"/>
-                      </a:solidFill>
-                      <a:prstDash val="solid"/>
-                      <a:round/>
-                      <a:headEnd type="none" w="med" len="med"/>
-                      <a:tailEnd type="none" w="med" len="med"/>
-                    </a:lnT>
-                    <a:lnB w="12700" cap="flat" cmpd="sng" algn="ctr">
-                      <a:solidFill>
-                        <a:schemeClr val="accent1"/>
-                      </a:solidFill>
-                      <a:prstDash val="solid"/>
-                      <a:round/>
-                      <a:headEnd type="none" w="med" len="med"/>
-                      <a:tailEnd type="none" w="med" len="med"/>
-                    </a:lnB>
-                    <a:solidFill>
-                      <a:schemeClr val="bg1">
-                        <a:lumMod val="95000"/>
-                      </a:schemeClr>
-                    </a:solidFill>
-                  </a:tcPr>
-                </a:tc>
-                <a:extLst>
-                  <a:ext uri="{0D108BD9-81ED-4DB2-BD59-A6C34878D82A}">
-                    <a16:rowId xmlns:a16="http://schemas.microsoft.com/office/drawing/2014/main" val="2014089395"/>
-                  </a:ext>
-                </a:extLst>
-              </a:tr>
-            </a:tbl>
-          </a:graphicData>
-        </a:graphic>
-      </p:graphicFrame>
+          <p:cNvPicPr>
+            <a:picLocks noChangeAspect="1" noChangeArrowheads="1"/>
+          </p:cNvPicPr>
+          <p:nvPr/>
+        </p:nvPicPr>
+        <p:blipFill>
+          <a:blip r:embed="rId3">
+            <a:extLst>
+              <a:ext uri="{28A0092B-C50C-407E-A947-70E740481C1C}">
+                <a14:useLocalDpi xmlns:a14="http://schemas.microsoft.com/office/drawing/2010/main" val="0"/>
+              </a:ext>
+            </a:extLst>
+          </a:blip>
+          <a:srcRect/>
+          <a:stretch>
+            <a:fillRect/>
+          </a:stretch>
+        </p:blipFill>
+        <p:spPr bwMode="auto">
+          <a:xfrm>
+            <a:off x="191907" y="4391725"/>
+            <a:ext cx="3495983" cy="2343253"/>
+          </a:xfrm>
+          <a:prstGeom prst="rect">
+            <a:avLst/>
+          </a:prstGeom>
+          <a:noFill/>
+          <a:extLst>
+            <a:ext uri="{909E8E84-426E-40DD-AFC4-6F175D3DCCD1}">
+              <a14:hiddenFill xmlns:a14="http://schemas.microsoft.com/office/drawing/2010/main">
+                <a:solidFill>
+                  <a:srgbClr val="FFFFFF"/>
+                </a:solidFill>
+              </a14:hiddenFill>
+            </a:ext>
+          </a:extLst>
+        </p:spPr>
+      </p:pic>
     </p:spTree>
     <p:extLst>
       <p:ext uri="{BB962C8B-B14F-4D97-AF65-F5344CB8AC3E}">
-        <p14:creationId xmlns:p14="http://schemas.microsoft.com/office/powerpoint/2010/main" val="1964514427"/>
+        <p14:creationId xmlns:p14="http://schemas.microsoft.com/office/powerpoint/2010/main" val="365981024"/>
       </p:ext>
     </p:extLst>
   </p:cSld>
